--- a/浅析V8聊聊JS性能.pptx
+++ b/浅析V8聊聊JS性能.pptx
@@ -5,7 +5,7 @@
     <p:sldMasterId id="2147483648" r:id="rId1"/>
   </p:sldMasterIdLst>
   <p:notesMasterIdLst>
-    <p:notesMasterId r:id="rId23"/>
+    <p:notesMasterId r:id="rId24"/>
   </p:notesMasterIdLst>
   <p:sldIdLst>
     <p:sldId id="256" r:id="rId2"/>
@@ -15,20 +15,21 @@
     <p:sldId id="323" r:id="rId6"/>
     <p:sldId id="315" r:id="rId7"/>
     <p:sldId id="333" r:id="rId8"/>
-    <p:sldId id="334" r:id="rId9"/>
-    <p:sldId id="330" r:id="rId10"/>
+    <p:sldId id="330" r:id="rId9"/>
+    <p:sldId id="338" r:id="rId10"/>
     <p:sldId id="335" r:id="rId11"/>
     <p:sldId id="316" r:id="rId12"/>
     <p:sldId id="329" r:id="rId13"/>
-    <p:sldId id="331" r:id="rId14"/>
-    <p:sldId id="326" r:id="rId15"/>
+    <p:sldId id="336" r:id="rId14"/>
+    <p:sldId id="331" r:id="rId15"/>
     <p:sldId id="314" r:id="rId16"/>
     <p:sldId id="318" r:id="rId17"/>
     <p:sldId id="317" r:id="rId18"/>
     <p:sldId id="319" r:id="rId19"/>
-    <p:sldId id="311" r:id="rId20"/>
-    <p:sldId id="321" r:id="rId21"/>
-    <p:sldId id="260" r:id="rId22"/>
+    <p:sldId id="337" r:id="rId20"/>
+    <p:sldId id="311" r:id="rId21"/>
+    <p:sldId id="321" r:id="rId22"/>
+    <p:sldId id="260" r:id="rId23"/>
   </p:sldIdLst>
   <p:sldSz cx="24384000" cy="13716000"/>
   <p:notesSz cx="6858000" cy="9144000"/>
@@ -896,7 +897,7 @@
     </p:spTree>
     <p:extLst>
       <p:ext uri="{BB962C8B-B14F-4D97-AF65-F5344CB8AC3E}">
-        <p14:creationId xmlns:p14="http://schemas.microsoft.com/office/powerpoint/2010/main" val="3931273786"/>
+        <p14:creationId xmlns:p14="http://schemas.microsoft.com/office/powerpoint/2010/main" val="4059097188"/>
       </p:ext>
     </p:extLst>
   </p:cSld>
@@ -976,7 +977,7 @@
     </p:spTree>
     <p:extLst>
       <p:ext uri="{BB962C8B-B14F-4D97-AF65-F5344CB8AC3E}">
-        <p14:creationId xmlns:p14="http://schemas.microsoft.com/office/powerpoint/2010/main" val="3977830616"/>
+        <p14:creationId xmlns:p14="http://schemas.microsoft.com/office/powerpoint/2010/main" val="3931273786"/>
       </p:ext>
     </p:extLst>
   </p:cSld>
@@ -1374,6 +1375,11 @@
         </p:txBody>
       </p:sp>
     </p:spTree>
+    <p:extLst>
+      <p:ext uri="{BB962C8B-B14F-4D97-AF65-F5344CB8AC3E}">
+        <p14:creationId xmlns:p14="http://schemas.microsoft.com/office/powerpoint/2010/main" val="1719266184"/>
+      </p:ext>
+    </p:extLst>
   </p:cSld>
   <p:clrMapOvr>
     <a:masterClrMapping/>
@@ -1457,6 +1463,81 @@
 </file>
 
 <file path=ppt/notesSlides/notesSlide20.xml><?xml version="1.0" encoding="utf-8"?>
+<p:notes xmlns:a="http://schemas.openxmlformats.org/drawingml/2006/main" xmlns:r="http://schemas.openxmlformats.org/officeDocument/2006/relationships" xmlns:p="http://schemas.openxmlformats.org/presentationml/2006/main">
+  <p:cSld>
+    <p:spTree>
+      <p:nvGrpSpPr>
+        <p:cNvPr id="1" name=""/>
+        <p:cNvGrpSpPr/>
+        <p:nvPr/>
+      </p:nvGrpSpPr>
+      <p:grpSpPr>
+        <a:xfrm>
+          <a:off x="0" y="0"/>
+          <a:ext cx="0" cy="0"/>
+          <a:chOff x="0" y="0"/>
+          <a:chExt cx="0" cy="0"/>
+        </a:xfrm>
+      </p:grpSpPr>
+      <p:sp>
+        <p:nvSpPr>
+          <p:cNvPr id="147" name="Shape 147"/>
+          <p:cNvSpPr>
+            <a:spLocks noGrp="1" noRot="1" noChangeAspect="1"/>
+          </p:cNvSpPr>
+          <p:nvPr>
+            <p:ph type="sldImg"/>
+          </p:nvPr>
+        </p:nvSpPr>
+        <p:spPr>
+          <a:xfrm>
+            <a:off x="381000" y="685800"/>
+            <a:ext cx="6096000" cy="3429000"/>
+          </a:xfrm>
+          <a:prstGeom prst="rect">
+            <a:avLst/>
+          </a:prstGeom>
+        </p:spPr>
+        <p:txBody>
+          <a:bodyPr/>
+          <a:lstStyle/>
+          <a:p>
+            <a:endParaRPr/>
+          </a:p>
+        </p:txBody>
+      </p:sp>
+      <p:sp>
+        <p:nvSpPr>
+          <p:cNvPr id="148" name="Shape 148"/>
+          <p:cNvSpPr>
+            <a:spLocks noGrp="1"/>
+          </p:cNvSpPr>
+          <p:nvPr>
+            <p:ph type="body" sz="quarter" idx="1"/>
+          </p:nvPr>
+        </p:nvSpPr>
+        <p:spPr>
+          <a:prstGeom prst="rect">
+            <a:avLst/>
+          </a:prstGeom>
+        </p:spPr>
+        <p:txBody>
+          <a:bodyPr/>
+          <a:lstStyle/>
+          <a:p>
+            <a:endParaRPr dirty="0"/>
+          </a:p>
+        </p:txBody>
+      </p:sp>
+    </p:spTree>
+  </p:cSld>
+  <p:clrMapOvr>
+    <a:masterClrMapping/>
+  </p:clrMapOvr>
+</p:notes>
+</file>
+
+<file path=ppt/notesSlides/notesSlide21.xml><?xml version="1.0" encoding="utf-8"?>
 <p:notes xmlns:a="http://schemas.openxmlformats.org/drawingml/2006/main" xmlns:r="http://schemas.openxmlformats.org/officeDocument/2006/relationships" xmlns:p="http://schemas.openxmlformats.org/presentationml/2006/main">
   <p:cSld>
     <p:spTree>
@@ -2006,7 +2087,7 @@
     </p:spTree>
     <p:extLst>
       <p:ext uri="{BB962C8B-B14F-4D97-AF65-F5344CB8AC3E}">
-        <p14:creationId xmlns:p14="http://schemas.microsoft.com/office/powerpoint/2010/main" val="1175438175"/>
+        <p14:creationId xmlns:p14="http://schemas.microsoft.com/office/powerpoint/2010/main" val="131655329"/>
       </p:ext>
     </p:extLst>
   </p:cSld>
@@ -2086,7 +2167,7 @@
     </p:spTree>
     <p:extLst>
       <p:ext uri="{BB962C8B-B14F-4D97-AF65-F5344CB8AC3E}">
-        <p14:creationId xmlns:p14="http://schemas.microsoft.com/office/powerpoint/2010/main" val="131655329"/>
+        <p14:creationId xmlns:p14="http://schemas.microsoft.com/office/powerpoint/2010/main" val="2637011635"/>
       </p:ext>
     </p:extLst>
   </p:cSld>
@@ -5161,8 +5242,8 @@
         </p:nvSpPr>
         <p:spPr bwMode="auto">
           <a:xfrm>
-            <a:off x="3228071" y="5008880"/>
-            <a:ext cx="15738604" cy="5016758"/>
+            <a:off x="4725772" y="2827267"/>
+            <a:ext cx="12545422" cy="9933810"/>
           </a:xfrm>
           <a:prstGeom prst="rect">
             <a:avLst/>
@@ -5205,9 +5286,9 @@
           </a:bodyPr>
           <a:lstStyle/>
           <a:p>
-            <a:pPr marL="0" marR="0" lvl="0" indent="0" algn="l" defTabSz="914400" rtl="0" eaLnBrk="0" fontAlgn="base" latinLnBrk="0" hangingPunct="0">
+            <a:pPr lvl="0" algn="l" defTabSz="914400" eaLnBrk="0" fontAlgn="base">
               <a:lnSpc>
-                <a:spcPct val="100000"/>
+                <a:spcPct val="150000"/>
               </a:lnSpc>
               <a:spcBef>
                 <a:spcPct val="0"/>
@@ -5215,702 +5296,406 @@
               <a:spcAft>
                 <a:spcPct val="0"/>
               </a:spcAft>
-              <a:buClrTx/>
-              <a:buSzTx/>
-              <a:buFontTx/>
-              <a:buNone/>
-              <a:tabLst/>
             </a:pPr>
             <a:r>
-              <a:rPr kumimoji="0" lang="zh-CN" altLang="zh-CN" sz="3200" b="1" i="0" u="none" strike="noStrike" cap="none" normalizeH="0" baseline="0" dirty="0">
-                <a:ln>
-                  <a:noFill/>
-                </a:ln>
-                <a:solidFill>
-                  <a:srgbClr val="000080"/>
-                </a:solidFill>
-                <a:effectLst/>
-                <a:latin typeface="Consolas" panose="020B0609020204030204" pitchFamily="49" charset="0"/>
-              </a:rPr>
-              <a:t>function </a:t>
-            </a:r>
-            <a:r>
-              <a:rPr kumimoji="0" lang="zh-CN" altLang="zh-CN" sz="3200" b="0" i="1" u="none" strike="noStrike" cap="none" normalizeH="0" baseline="0" dirty="0">
-                <a:ln>
-                  <a:noFill/>
-                </a:ln>
-                <a:solidFill>
-                  <a:srgbClr val="000000"/>
-                </a:solidFill>
-                <a:effectLst/>
-                <a:latin typeface="Consolas" panose="020B0609020204030204" pitchFamily="49" charset="0"/>
-              </a:rPr>
-              <a:t>generate</a:t>
-            </a:r>
-            <a:r>
-              <a:rPr kumimoji="0" lang="zh-CN" altLang="zh-CN" sz="3200" b="0" i="0" u="none" strike="noStrike" cap="none" normalizeH="0" baseline="0" dirty="0">
-                <a:ln>
-                  <a:noFill/>
-                </a:ln>
-                <a:solidFill>
-                  <a:srgbClr val="000000"/>
-                </a:solidFill>
-                <a:effectLst/>
-                <a:latin typeface="Consolas" panose="020B0609020204030204" pitchFamily="49" charset="0"/>
-              </a:rPr>
-              <a:t>(n) {</a:t>
-            </a:r>
-            <a:br>
-              <a:rPr kumimoji="0" lang="zh-CN" altLang="zh-CN" sz="3200" b="0" i="0" u="none" strike="noStrike" cap="none" normalizeH="0" baseline="0" dirty="0">
-                <a:ln>
-                  <a:noFill/>
-                </a:ln>
-                <a:solidFill>
-                  <a:srgbClr val="000000"/>
-                </a:solidFill>
-                <a:effectLst/>
-                <a:latin typeface="Consolas" panose="020B0609020204030204" pitchFamily="49" charset="0"/>
-              </a:rPr>
-            </a:br>
-            <a:r>
-              <a:rPr kumimoji="0" lang="zh-CN" altLang="zh-CN" sz="3200" b="0" i="0" u="none" strike="noStrike" cap="none" normalizeH="0" baseline="0" dirty="0">
-                <a:ln>
-                  <a:noFill/>
-                </a:ln>
-                <a:solidFill>
-                  <a:srgbClr val="000000"/>
-                </a:solidFill>
-                <a:effectLst/>
-                <a:latin typeface="Consolas" panose="020B0609020204030204" pitchFamily="49" charset="0"/>
-              </a:rPr>
-              <a:t>    </a:t>
-            </a:r>
-            <a:r>
-              <a:rPr kumimoji="0" lang="zh-CN" altLang="zh-CN" sz="3200" b="1" i="0" u="none" strike="noStrike" cap="none" normalizeH="0" baseline="0" dirty="0">
-                <a:ln>
-                  <a:noFill/>
-                </a:ln>
-                <a:solidFill>
-                  <a:srgbClr val="000080"/>
-                </a:solidFill>
-                <a:effectLst/>
-                <a:latin typeface="Consolas" panose="020B0609020204030204" pitchFamily="49" charset="0"/>
-              </a:rPr>
-              <a:t>let </a:t>
-            </a:r>
-            <a:r>
-              <a:rPr kumimoji="0" lang="zh-CN" altLang="zh-CN" sz="3200" b="0" i="0" u="none" strike="noStrike" cap="none" normalizeH="0" baseline="0" dirty="0">
-                <a:ln>
-                  <a:noFill/>
-                </a:ln>
-                <a:solidFill>
-                  <a:srgbClr val="458383"/>
-                </a:solidFill>
-                <a:effectLst/>
-                <a:latin typeface="Consolas" panose="020B0609020204030204" pitchFamily="49" charset="0"/>
-              </a:rPr>
-              <a:t>s </a:t>
-            </a:r>
-            <a:r>
-              <a:rPr kumimoji="0" lang="zh-CN" altLang="zh-CN" sz="3200" b="0" i="0" u="none" strike="noStrike" cap="none" normalizeH="0" baseline="0" dirty="0">
-                <a:ln>
-                  <a:noFill/>
-                </a:ln>
-                <a:solidFill>
-                  <a:srgbClr val="000000"/>
-                </a:solidFill>
-                <a:effectLst/>
-                <a:latin typeface="Consolas" panose="020B0609020204030204" pitchFamily="49" charset="0"/>
-              </a:rPr>
-              <a:t>= </a:t>
-            </a:r>
-            <a:r>
-              <a:rPr kumimoji="0" lang="zh-CN" altLang="zh-CN" sz="3200" b="1" i="0" u="none" strike="noStrike" cap="none" normalizeH="0" baseline="0" dirty="0">
-                <a:ln>
-                  <a:noFill/>
-                </a:ln>
-                <a:solidFill>
-                  <a:srgbClr val="008000"/>
-                </a:solidFill>
-                <a:effectLst/>
-                <a:latin typeface="Consolas" panose="020B0609020204030204" pitchFamily="49" charset="0"/>
-              </a:rPr>
-              <a:t>'(function func' </a:t>
-            </a:r>
-            <a:r>
-              <a:rPr kumimoji="0" lang="zh-CN" altLang="zh-CN" sz="3200" b="0" i="0" u="none" strike="noStrike" cap="none" normalizeH="0" baseline="0" dirty="0">
-                <a:ln>
-                  <a:noFill/>
-                </a:ln>
-                <a:solidFill>
-                  <a:srgbClr val="000000"/>
-                </a:solidFill>
-                <a:effectLst/>
-                <a:latin typeface="Consolas" panose="020B0609020204030204" pitchFamily="49" charset="0"/>
-              </a:rPr>
-              <a:t>+ n + </a:t>
-            </a:r>
-            <a:r>
-              <a:rPr kumimoji="0" lang="zh-CN" altLang="zh-CN" sz="3200" b="1" i="0" u="none" strike="noStrike" cap="none" normalizeH="0" baseline="0" dirty="0">
-                <a:ln>
-                  <a:noFill/>
-                </a:ln>
-                <a:solidFill>
-                  <a:srgbClr val="008000"/>
-                </a:solidFill>
-                <a:effectLst/>
-                <a:latin typeface="Consolas" panose="020B0609020204030204" pitchFamily="49" charset="0"/>
-              </a:rPr>
-              <a:t>'(x) { return 0'</a:t>
-            </a:r>
-            <a:r>
-              <a:rPr kumimoji="0" lang="zh-CN" altLang="zh-CN" sz="3200" b="0" i="0" u="none" strike="noStrike" cap="none" normalizeH="0" baseline="0" dirty="0">
-                <a:ln>
-                  <a:noFill/>
-                </a:ln>
-                <a:solidFill>
-                  <a:srgbClr val="000000"/>
-                </a:solidFill>
-                <a:effectLst/>
-                <a:latin typeface="Consolas" panose="020B0609020204030204" pitchFamily="49" charset="0"/>
-              </a:rPr>
-              <a:t>;</a:t>
-            </a:r>
-            <a:br>
-              <a:rPr kumimoji="0" lang="zh-CN" altLang="zh-CN" sz="3200" b="0" i="0" u="none" strike="noStrike" cap="none" normalizeH="0" baseline="0" dirty="0">
-                <a:ln>
-                  <a:noFill/>
-                </a:ln>
-                <a:solidFill>
-                  <a:srgbClr val="000000"/>
-                </a:solidFill>
-                <a:effectLst/>
-                <a:latin typeface="Consolas" panose="020B0609020204030204" pitchFamily="49" charset="0"/>
-              </a:rPr>
-            </a:br>
-            <a:r>
-              <a:rPr kumimoji="0" lang="zh-CN" altLang="zh-CN" sz="3200" b="0" i="0" u="none" strike="noStrike" cap="none" normalizeH="0" baseline="0" dirty="0">
-                <a:ln>
-                  <a:noFill/>
-                </a:ln>
-                <a:solidFill>
-                  <a:srgbClr val="000000"/>
-                </a:solidFill>
-                <a:effectLst/>
-                <a:latin typeface="Consolas" panose="020B0609020204030204" pitchFamily="49" charset="0"/>
-              </a:rPr>
-              <a:t>    </a:t>
-            </a:r>
-            <a:r>
-              <a:rPr kumimoji="0" lang="zh-CN" altLang="zh-CN" sz="3200" b="1" i="0" u="none" strike="noStrike" cap="none" normalizeH="0" baseline="0" dirty="0">
-                <a:ln>
-                  <a:noFill/>
-                </a:ln>
-                <a:solidFill>
-                  <a:srgbClr val="000080"/>
-                </a:solidFill>
-                <a:effectLst/>
-                <a:latin typeface="Consolas" panose="020B0609020204030204" pitchFamily="49" charset="0"/>
-              </a:rPr>
-              <a:t>for </a:t>
-            </a:r>
-            <a:r>
-              <a:rPr kumimoji="0" lang="zh-CN" altLang="zh-CN" sz="3200" b="0" i="0" u="none" strike="noStrike" cap="none" normalizeH="0" baseline="0" dirty="0">
-                <a:ln>
-                  <a:noFill/>
-                </a:ln>
-                <a:solidFill>
-                  <a:srgbClr val="000000"/>
-                </a:solidFill>
-                <a:effectLst/>
-                <a:latin typeface="Consolas" panose="020B0609020204030204" pitchFamily="49" charset="0"/>
-              </a:rPr>
-              <a:t>(</a:t>
-            </a:r>
-            <a:r>
-              <a:rPr kumimoji="0" lang="zh-CN" altLang="zh-CN" sz="3200" b="1" i="0" u="none" strike="noStrike" cap="none" normalizeH="0" baseline="0" dirty="0">
-                <a:ln>
-                  <a:noFill/>
-                </a:ln>
-                <a:solidFill>
-                  <a:srgbClr val="000080"/>
-                </a:solidFill>
-                <a:effectLst/>
-                <a:latin typeface="Consolas" panose="020B0609020204030204" pitchFamily="49" charset="0"/>
-              </a:rPr>
-              <a:t>let </a:t>
-            </a:r>
-            <a:r>
-              <a:rPr kumimoji="0" lang="zh-CN" altLang="zh-CN" sz="3200" b="0" i="0" u="none" strike="noStrike" cap="none" normalizeH="0" baseline="0" dirty="0">
-                <a:ln>
-                  <a:noFill/>
-                </a:ln>
-                <a:solidFill>
-                  <a:srgbClr val="458383"/>
-                </a:solidFill>
-                <a:effectLst/>
-                <a:latin typeface="Consolas" panose="020B0609020204030204" pitchFamily="49" charset="0"/>
-              </a:rPr>
-              <a:t>i </a:t>
-            </a:r>
-            <a:r>
-              <a:rPr kumimoji="0" lang="zh-CN" altLang="zh-CN" sz="3200" b="0" i="0" u="none" strike="noStrike" cap="none" normalizeH="0" baseline="0" dirty="0">
-                <a:ln>
-                  <a:noFill/>
-                </a:ln>
-                <a:solidFill>
-                  <a:srgbClr val="000000"/>
-                </a:solidFill>
-                <a:effectLst/>
-                <a:latin typeface="Consolas" panose="020B0609020204030204" pitchFamily="49" charset="0"/>
-              </a:rPr>
-              <a:t>= </a:t>
-            </a:r>
-            <a:r>
-              <a:rPr kumimoji="0" lang="zh-CN" altLang="zh-CN" sz="3200" b="0" i="0" u="none" strike="noStrike" cap="none" normalizeH="0" baseline="0" dirty="0">
-                <a:ln>
-                  <a:noFill/>
-                </a:ln>
-                <a:solidFill>
-                  <a:srgbClr val="0000FF"/>
-                </a:solidFill>
-                <a:effectLst/>
-                <a:latin typeface="Consolas" panose="020B0609020204030204" pitchFamily="49" charset="0"/>
-              </a:rPr>
-              <a:t>0</a:t>
-            </a:r>
-            <a:r>
-              <a:rPr kumimoji="0" lang="zh-CN" altLang="zh-CN" sz="3200" b="0" i="0" u="none" strike="noStrike" cap="none" normalizeH="0" baseline="0" dirty="0">
-                <a:ln>
-                  <a:noFill/>
-                </a:ln>
-                <a:solidFill>
-                  <a:srgbClr val="000000"/>
-                </a:solidFill>
-                <a:effectLst/>
-                <a:latin typeface="Consolas" panose="020B0609020204030204" pitchFamily="49" charset="0"/>
-              </a:rPr>
-              <a:t>; </a:t>
-            </a:r>
-            <a:r>
-              <a:rPr kumimoji="0" lang="zh-CN" altLang="zh-CN" sz="3200" b="0" i="0" u="none" strike="noStrike" cap="none" normalizeH="0" baseline="0" dirty="0">
-                <a:ln>
-                  <a:noFill/>
-                </a:ln>
-                <a:solidFill>
-                  <a:srgbClr val="458383"/>
-                </a:solidFill>
-                <a:effectLst/>
-                <a:latin typeface="Consolas" panose="020B0609020204030204" pitchFamily="49" charset="0"/>
-              </a:rPr>
-              <a:t>i </a:t>
-            </a:r>
-            <a:r>
-              <a:rPr kumimoji="0" lang="zh-CN" altLang="zh-CN" sz="3200" b="0" i="0" u="none" strike="noStrike" cap="none" normalizeH="0" baseline="0" dirty="0">
-                <a:ln>
-                  <a:noFill/>
-                </a:ln>
-                <a:solidFill>
-                  <a:srgbClr val="000000"/>
-                </a:solidFill>
-                <a:effectLst/>
-                <a:latin typeface="Consolas" panose="020B0609020204030204" pitchFamily="49" charset="0"/>
-              </a:rPr>
-              <a:t>&lt; n; ++</a:t>
-            </a:r>
-            <a:r>
-              <a:rPr kumimoji="0" lang="zh-CN" altLang="zh-CN" sz="3200" b="0" i="0" u="none" strike="noStrike" cap="none" normalizeH="0" baseline="0" dirty="0">
-                <a:ln>
-                  <a:noFill/>
-                </a:ln>
-                <a:solidFill>
-                  <a:srgbClr val="458383"/>
-                </a:solidFill>
-                <a:effectLst/>
-                <a:latin typeface="Consolas" panose="020B0609020204030204" pitchFamily="49" charset="0"/>
-              </a:rPr>
-              <a:t>i</a:t>
-            </a:r>
-            <a:r>
-              <a:rPr kumimoji="0" lang="zh-CN" altLang="zh-CN" sz="3200" b="0" i="0" u="none" strike="noStrike" cap="none" normalizeH="0" baseline="0" dirty="0">
-                <a:ln>
-                  <a:noFill/>
-                </a:ln>
-                <a:solidFill>
-                  <a:srgbClr val="000000"/>
-                </a:solidFill>
-                <a:effectLst/>
-                <a:latin typeface="Consolas" panose="020B0609020204030204" pitchFamily="49" charset="0"/>
-              </a:rPr>
-              <a:t>) {</a:t>
-            </a:r>
-            <a:br>
-              <a:rPr kumimoji="0" lang="zh-CN" altLang="zh-CN" sz="3200" b="0" i="0" u="none" strike="noStrike" cap="none" normalizeH="0" baseline="0" dirty="0">
-                <a:ln>
-                  <a:noFill/>
-                </a:ln>
-                <a:solidFill>
-                  <a:srgbClr val="000000"/>
-                </a:solidFill>
-                <a:effectLst/>
-                <a:latin typeface="Consolas" panose="020B0609020204030204" pitchFamily="49" charset="0"/>
-              </a:rPr>
-            </a:br>
-            <a:r>
-              <a:rPr kumimoji="0" lang="zh-CN" altLang="zh-CN" sz="3200" b="0" i="0" u="none" strike="noStrike" cap="none" normalizeH="0" baseline="0" dirty="0">
-                <a:ln>
-                  <a:noFill/>
-                </a:ln>
-                <a:solidFill>
-                  <a:srgbClr val="000000"/>
-                </a:solidFill>
-                <a:effectLst/>
-                <a:latin typeface="Consolas" panose="020B0609020204030204" pitchFamily="49" charset="0"/>
-              </a:rPr>
-              <a:t>        </a:t>
-            </a:r>
-            <a:r>
-              <a:rPr kumimoji="0" lang="zh-CN" altLang="zh-CN" sz="3200" b="0" i="0" u="none" strike="noStrike" cap="none" normalizeH="0" baseline="0" dirty="0">
-                <a:ln>
-                  <a:noFill/>
-                </a:ln>
-                <a:solidFill>
-                  <a:srgbClr val="458383"/>
-                </a:solidFill>
-                <a:effectLst/>
-                <a:latin typeface="Consolas" panose="020B0609020204030204" pitchFamily="49" charset="0"/>
-              </a:rPr>
-              <a:t>s </a:t>
-            </a:r>
-            <a:r>
-              <a:rPr kumimoji="0" lang="zh-CN" altLang="zh-CN" sz="3200" b="0" i="0" u="none" strike="noStrike" cap="none" normalizeH="0" baseline="0" dirty="0">
-                <a:ln>
-                  <a:noFill/>
-                </a:ln>
-                <a:solidFill>
-                  <a:srgbClr val="000000"/>
-                </a:solidFill>
-                <a:effectLst/>
-                <a:latin typeface="Consolas" panose="020B0609020204030204" pitchFamily="49" charset="0"/>
-              </a:rPr>
-              <a:t>+= </a:t>
-            </a:r>
-            <a:r>
-              <a:rPr kumimoji="0" lang="zh-CN" altLang="zh-CN" sz="3200" b="1" i="0" u="none" strike="noStrike" cap="none" normalizeH="0" baseline="0" dirty="0">
-                <a:ln>
-                  <a:noFill/>
-                </a:ln>
-                <a:solidFill>
-                  <a:srgbClr val="008000"/>
-                </a:solidFill>
-                <a:effectLst/>
-                <a:latin typeface="Consolas" panose="020B0609020204030204" pitchFamily="49" charset="0"/>
-              </a:rPr>
-              <a:t>'+x'</a:t>
-            </a:r>
-            <a:r>
-              <a:rPr kumimoji="0" lang="zh-CN" altLang="zh-CN" sz="3200" b="0" i="0" u="none" strike="noStrike" cap="none" normalizeH="0" baseline="0" dirty="0">
-                <a:ln>
-                  <a:noFill/>
-                </a:ln>
-                <a:solidFill>
-                  <a:srgbClr val="000000"/>
-                </a:solidFill>
-                <a:effectLst/>
-                <a:latin typeface="Consolas" panose="020B0609020204030204" pitchFamily="49" charset="0"/>
-              </a:rPr>
-              <a:t>;</a:t>
-            </a:r>
-            <a:br>
-              <a:rPr kumimoji="0" lang="zh-CN" altLang="zh-CN" sz="3200" b="0" i="0" u="none" strike="noStrike" cap="none" normalizeH="0" baseline="0" dirty="0">
-                <a:ln>
-                  <a:noFill/>
-                </a:ln>
-                <a:solidFill>
-                  <a:srgbClr val="000000"/>
-                </a:solidFill>
-                <a:effectLst/>
-                <a:latin typeface="Consolas" panose="020B0609020204030204" pitchFamily="49" charset="0"/>
-              </a:rPr>
-            </a:br>
-            <a:r>
-              <a:rPr kumimoji="0" lang="zh-CN" altLang="zh-CN" sz="3200" b="0" i="0" u="none" strike="noStrike" cap="none" normalizeH="0" baseline="0" dirty="0">
-                <a:ln>
-                  <a:noFill/>
-                </a:ln>
-                <a:solidFill>
-                  <a:srgbClr val="000000"/>
-                </a:solidFill>
-                <a:effectLst/>
-                <a:latin typeface="Consolas" panose="020B0609020204030204" pitchFamily="49" charset="0"/>
-              </a:rPr>
-              <a:t>    }</a:t>
-            </a:r>
-            <a:br>
-              <a:rPr kumimoji="0" lang="zh-CN" altLang="zh-CN" sz="3200" b="0" i="0" u="none" strike="noStrike" cap="none" normalizeH="0" baseline="0" dirty="0">
-                <a:ln>
-                  <a:noFill/>
-                </a:ln>
-                <a:solidFill>
-                  <a:srgbClr val="000000"/>
-                </a:solidFill>
-                <a:effectLst/>
-                <a:latin typeface="Consolas" panose="020B0609020204030204" pitchFamily="49" charset="0"/>
-              </a:rPr>
-            </a:br>
-            <a:r>
-              <a:rPr kumimoji="0" lang="zh-CN" altLang="zh-CN" sz="3200" b="0" i="0" u="none" strike="noStrike" cap="none" normalizeH="0" baseline="0" dirty="0">
-                <a:ln>
-                  <a:noFill/>
-                </a:ln>
-                <a:solidFill>
-                  <a:srgbClr val="000000"/>
-                </a:solidFill>
-                <a:effectLst/>
-                <a:latin typeface="Consolas" panose="020B0609020204030204" pitchFamily="49" charset="0"/>
-              </a:rPr>
-              <a:t>    </a:t>
-            </a:r>
-            <a:r>
-              <a:rPr kumimoji="0" lang="zh-CN" altLang="zh-CN" sz="3200" b="0" i="0" u="none" strike="noStrike" cap="none" normalizeH="0" baseline="0" dirty="0">
-                <a:ln>
-                  <a:noFill/>
-                </a:ln>
-                <a:solidFill>
-                  <a:srgbClr val="458383"/>
-                </a:solidFill>
-                <a:effectLst/>
-                <a:latin typeface="Consolas" panose="020B0609020204030204" pitchFamily="49" charset="0"/>
-              </a:rPr>
-              <a:t>s </a:t>
-            </a:r>
-            <a:r>
-              <a:rPr kumimoji="0" lang="zh-CN" altLang="zh-CN" sz="3200" b="0" i="0" u="none" strike="noStrike" cap="none" normalizeH="0" baseline="0" dirty="0">
-                <a:ln>
-                  <a:noFill/>
-                </a:ln>
-                <a:solidFill>
-                  <a:srgbClr val="000000"/>
-                </a:solidFill>
-                <a:effectLst/>
-                <a:latin typeface="Consolas" panose="020B0609020204030204" pitchFamily="49" charset="0"/>
-              </a:rPr>
-              <a:t>+= </a:t>
-            </a:r>
-            <a:r>
-              <a:rPr kumimoji="0" lang="zh-CN" altLang="zh-CN" sz="3200" b="1" i="0" u="none" strike="noStrike" cap="none" normalizeH="0" baseline="0" dirty="0">
-                <a:ln>
-                  <a:noFill/>
-                </a:ln>
-                <a:solidFill>
-                  <a:srgbClr val="008000"/>
-                </a:solidFill>
-                <a:effectLst/>
-                <a:latin typeface="Consolas" panose="020B0609020204030204" pitchFamily="49" charset="0"/>
-              </a:rPr>
-              <a:t>'; })'</a:t>
-            </a:r>
-            <a:r>
-              <a:rPr kumimoji="0" lang="zh-CN" altLang="zh-CN" sz="3200" b="0" i="0" u="none" strike="noStrike" cap="none" normalizeH="0" baseline="0" dirty="0">
-                <a:ln>
-                  <a:noFill/>
-                </a:ln>
-                <a:solidFill>
-                  <a:srgbClr val="000000"/>
-                </a:solidFill>
-                <a:effectLst/>
-                <a:latin typeface="Consolas" panose="020B0609020204030204" pitchFamily="49" charset="0"/>
-              </a:rPr>
-              <a:t>;</a:t>
-            </a:r>
-            <a:br>
-              <a:rPr kumimoji="0" lang="zh-CN" altLang="zh-CN" sz="3200" b="0" i="0" u="none" strike="noStrike" cap="none" normalizeH="0" baseline="0" dirty="0">
-                <a:ln>
-                  <a:noFill/>
-                </a:ln>
-                <a:solidFill>
-                  <a:srgbClr val="000000"/>
-                </a:solidFill>
-                <a:effectLst/>
-                <a:latin typeface="Consolas" panose="020B0609020204030204" pitchFamily="49" charset="0"/>
-              </a:rPr>
-            </a:br>
-            <a:r>
-              <a:rPr kumimoji="0" lang="zh-CN" altLang="zh-CN" sz="3200" b="0" i="0" u="none" strike="noStrike" cap="none" normalizeH="0" baseline="0" dirty="0">
-                <a:ln>
-                  <a:noFill/>
-                </a:ln>
-                <a:solidFill>
-                  <a:srgbClr val="000000"/>
-                </a:solidFill>
-                <a:effectLst/>
-                <a:latin typeface="Consolas" panose="020B0609020204030204" pitchFamily="49" charset="0"/>
-              </a:rPr>
-              <a:t>    </a:t>
-            </a:r>
-            <a:r>
-              <a:rPr kumimoji="0" lang="zh-CN" altLang="zh-CN" sz="3200" b="1" i="0" u="none" strike="noStrike" cap="none" normalizeH="0" baseline="0" dirty="0">
-                <a:ln>
-                  <a:noFill/>
-                </a:ln>
-                <a:solidFill>
-                  <a:srgbClr val="000080"/>
-                </a:solidFill>
-                <a:effectLst/>
-                <a:latin typeface="Consolas" panose="020B0609020204030204" pitchFamily="49" charset="0"/>
-              </a:rPr>
-              <a:t>return </a:t>
-            </a:r>
-            <a:r>
-              <a:rPr kumimoji="0" lang="zh-CN" altLang="zh-CN" sz="3200" b="0" i="1" u="none" strike="noStrike" cap="none" normalizeH="0" baseline="0" dirty="0">
-                <a:ln>
-                  <a:noFill/>
-                </a:ln>
-                <a:solidFill>
-                  <a:srgbClr val="000000"/>
-                </a:solidFill>
-                <a:effectLst/>
-                <a:latin typeface="Consolas" panose="020B0609020204030204" pitchFamily="49" charset="0"/>
-              </a:rPr>
-              <a:t>eval</a:t>
-            </a:r>
-            <a:r>
-              <a:rPr kumimoji="0" lang="zh-CN" altLang="zh-CN" sz="3200" b="0" i="0" u="none" strike="noStrike" cap="none" normalizeH="0" baseline="0" dirty="0">
-                <a:ln>
-                  <a:noFill/>
-                </a:ln>
-                <a:solidFill>
-                  <a:srgbClr val="000000"/>
-                </a:solidFill>
-                <a:effectLst/>
-                <a:latin typeface="Consolas" panose="020B0609020204030204" pitchFamily="49" charset="0"/>
-              </a:rPr>
-              <a:t>(</a:t>
-            </a:r>
-            <a:r>
-              <a:rPr kumimoji="0" lang="zh-CN" altLang="zh-CN" sz="3200" b="0" i="0" u="none" strike="noStrike" cap="none" normalizeH="0" baseline="0" dirty="0">
-                <a:ln>
-                  <a:noFill/>
-                </a:ln>
-                <a:solidFill>
-                  <a:srgbClr val="458383"/>
-                </a:solidFill>
-                <a:effectLst/>
-                <a:latin typeface="Consolas" panose="020B0609020204030204" pitchFamily="49" charset="0"/>
-              </a:rPr>
-              <a:t>s</a:t>
-            </a:r>
-            <a:r>
-              <a:rPr kumimoji="0" lang="zh-CN" altLang="zh-CN" sz="3200" b="0" i="0" u="none" strike="noStrike" cap="none" normalizeH="0" baseline="0" dirty="0">
-                <a:ln>
-                  <a:noFill/>
-                </a:ln>
-                <a:solidFill>
-                  <a:srgbClr val="000000"/>
-                </a:solidFill>
-                <a:effectLst/>
-                <a:latin typeface="Consolas" panose="020B0609020204030204" pitchFamily="49" charset="0"/>
-              </a:rPr>
-              <a:t>);</a:t>
-            </a:r>
-            <a:br>
-              <a:rPr kumimoji="0" lang="zh-CN" altLang="zh-CN" sz="3200" b="0" i="0" u="none" strike="noStrike" cap="none" normalizeH="0" baseline="0" dirty="0">
-                <a:ln>
-                  <a:noFill/>
-                </a:ln>
-                <a:solidFill>
-                  <a:srgbClr val="000000"/>
-                </a:solidFill>
-                <a:effectLst/>
-                <a:latin typeface="Consolas" panose="020B0609020204030204" pitchFamily="49" charset="0"/>
-              </a:rPr>
-            </a:br>
-            <a:r>
-              <a:rPr kumimoji="0" lang="zh-CN" altLang="zh-CN" sz="3200" b="0" i="0" u="none" strike="noStrike" cap="none" normalizeH="0" baseline="0" dirty="0">
-                <a:ln>
-                  <a:noFill/>
-                </a:ln>
-                <a:solidFill>
-                  <a:srgbClr val="000000"/>
-                </a:solidFill>
-                <a:effectLst/>
-                <a:latin typeface="Consolas" panose="020B0609020204030204" pitchFamily="49" charset="0"/>
-              </a:rPr>
-              <a:t>}</a:t>
-            </a:r>
-            <a:br>
-              <a:rPr kumimoji="0" lang="zh-CN" altLang="zh-CN" sz="3200" b="0" i="0" u="none" strike="noStrike" cap="none" normalizeH="0" baseline="0" dirty="0">
-                <a:ln>
-                  <a:noFill/>
-                </a:ln>
-                <a:solidFill>
-                  <a:srgbClr val="000000"/>
-                </a:solidFill>
-                <a:effectLst/>
-                <a:latin typeface="Consolas" panose="020B0609020204030204" pitchFamily="49" charset="0"/>
-              </a:rPr>
-            </a:br>
-            <a:br>
-              <a:rPr kumimoji="0" lang="zh-CN" altLang="zh-CN" sz="3200" b="0" i="0" u="none" strike="noStrike" cap="none" normalizeH="0" baseline="0" dirty="0">
-                <a:ln>
-                  <a:noFill/>
-                </a:ln>
-                <a:solidFill>
-                  <a:srgbClr val="000000"/>
-                </a:solidFill>
-                <a:effectLst/>
-                <a:latin typeface="Consolas" panose="020B0609020204030204" pitchFamily="49" charset="0"/>
-              </a:rPr>
-            </a:br>
-            <a:r>
-              <a:rPr kumimoji="0" lang="zh-CN" altLang="zh-CN" sz="3200" b="0" i="1" u="none" strike="noStrike" cap="none" normalizeH="0" baseline="0" dirty="0">
-                <a:ln>
-                  <a:noFill/>
-                </a:ln>
-                <a:solidFill>
-                  <a:srgbClr val="808080"/>
-                </a:solidFill>
-                <a:effectLst/>
-                <a:latin typeface="Consolas" panose="020B0609020204030204" pitchFamily="49" charset="0"/>
-              </a:rPr>
-              <a:t>//generate(10)</a:t>
-            </a:r>
-            <a:r>
-              <a:rPr kumimoji="0" lang="zh-CN" altLang="zh-CN" sz="3200" b="0" i="1" u="none" strike="noStrike" cap="none" normalizeH="0" baseline="0" dirty="0">
-                <a:ln>
-                  <a:noFill/>
-                </a:ln>
-                <a:solidFill>
-                  <a:srgbClr val="808080"/>
-                </a:solidFill>
-                <a:effectLst/>
-                <a:latin typeface="Microsoft JhengHei" panose="020B0604030504040204" pitchFamily="34" charset="-120"/>
-                <a:ea typeface="Microsoft JhengHei" panose="020B0604030504040204" pitchFamily="34" charset="-120"/>
-              </a:rPr>
-              <a:t>：</a:t>
-            </a:r>
-            <a:r>
-              <a:rPr kumimoji="0" lang="zh-CN" altLang="zh-CN" sz="3200" b="0" i="1" u="none" strike="noStrike" cap="none" normalizeH="0" baseline="0" dirty="0">
-                <a:ln>
-                  <a:noFill/>
-                </a:ln>
-                <a:solidFill>
-                  <a:srgbClr val="808080"/>
-                </a:solidFill>
-                <a:effectLst/>
-                <a:latin typeface="Consolas" panose="020B0609020204030204" pitchFamily="49" charset="0"/>
-              </a:rPr>
-              <a:t> function func10(x) { return 0+x+x+x+x+x+x+x+x+x+x; }</a:t>
-            </a:r>
-            <a:endParaRPr kumimoji="0" lang="zh-CN" altLang="zh-CN" sz="6000" b="0" i="0" u="none" strike="noStrike" cap="none" normalizeH="0" baseline="0" dirty="0">
-              <a:ln>
-                <a:noFill/>
-              </a:ln>
+              <a:rPr lang="en-US" altLang="zh-CN" sz="4800" b="1" dirty="0">
+                <a:solidFill>
+                  <a:schemeClr val="tx1"/>
+                </a:solidFill>
+                <a:latin typeface="微软雅黑" panose="020B0503020204020204" pitchFamily="34" charset="-122"/>
+                <a:ea typeface="微软雅黑" panose="020B0503020204020204" pitchFamily="34" charset="-122"/>
+              </a:rPr>
+              <a:t>$</a:t>
+            </a:r>
+            <a:r>
+              <a:rPr lang="zh-CN" altLang="en-US" sz="4800" b="1" dirty="0">
+                <a:solidFill>
+                  <a:schemeClr val="tx1"/>
+                </a:solidFill>
+                <a:latin typeface="微软雅黑" panose="020B0503020204020204" pitchFamily="34" charset="-122"/>
+                <a:ea typeface="微软雅黑" panose="020B0503020204020204" pitchFamily="34" charset="-122"/>
+              </a:rPr>
+              <a:t> </a:t>
+            </a:r>
+            <a:r>
+              <a:rPr lang="en-US" altLang="zh-CN" sz="4800" b="1" dirty="0">
+                <a:solidFill>
+                  <a:schemeClr val="tx1"/>
+                </a:solidFill>
+                <a:latin typeface="微软雅黑" panose="020B0503020204020204" pitchFamily="34" charset="-122"/>
+                <a:ea typeface="微软雅黑" panose="020B0503020204020204" pitchFamily="34" charset="-122"/>
+              </a:rPr>
+              <a:t>node ./</a:t>
+            </a:r>
+            <a:r>
+              <a:rPr lang="en-US" altLang="zh-CN" sz="4800" b="1" dirty="0" err="1">
+                <a:solidFill>
+                  <a:schemeClr val="tx1"/>
+                </a:solidFill>
+                <a:latin typeface="微软雅黑" panose="020B0503020204020204" pitchFamily="34" charset="-122"/>
+                <a:ea typeface="微软雅黑" panose="020B0503020204020204" pitchFamily="34" charset="-122"/>
+              </a:rPr>
+              <a:t>src</a:t>
+            </a:r>
+            <a:r>
+              <a:rPr lang="en-US" altLang="zh-CN" sz="4800" b="1" dirty="0">
+                <a:solidFill>
+                  <a:schemeClr val="tx1"/>
+                </a:solidFill>
+                <a:latin typeface="微软雅黑" panose="020B0503020204020204" pitchFamily="34" charset="-122"/>
+                <a:ea typeface="微软雅黑" panose="020B0503020204020204" pitchFamily="34" charset="-122"/>
+              </a:rPr>
+              <a:t>/case-func10.js</a:t>
+            </a:r>
+          </a:p>
+          <a:p>
+            <a:pPr lvl="0" algn="l" defTabSz="914400" eaLnBrk="0" fontAlgn="base">
+              <a:lnSpc>
+                <a:spcPct val="150000"/>
+              </a:lnSpc>
+              <a:spcBef>
+                <a:spcPct val="0"/>
+              </a:spcBef>
+              <a:spcAft>
+                <a:spcPct val="0"/>
+              </a:spcAft>
+            </a:pPr>
+            <a:r>
+              <a:rPr lang="en-US" altLang="zh-CN" sz="4800" dirty="0">
+                <a:solidFill>
+                  <a:schemeClr val="tx1"/>
+                </a:solidFill>
+                <a:latin typeface="微软雅黑" panose="020B0503020204020204" pitchFamily="34" charset="-122"/>
+                <a:ea typeface="微软雅黑" panose="020B0503020204020204" pitchFamily="34" charset="-122"/>
+              </a:rPr>
+              <a:t>measure: </a:t>
+            </a:r>
+            <a:r>
+              <a:rPr lang="en-US" altLang="zh-CN" sz="4800" dirty="0">
+                <a:solidFill>
+                  <a:schemeClr val="accent3">
+                    <a:lumMod val="75000"/>
+                  </a:schemeClr>
+                </a:solidFill>
+                <a:latin typeface="微软雅黑" panose="020B0503020204020204" pitchFamily="34" charset="-122"/>
+                <a:ea typeface="微软雅黑" panose="020B0503020204020204" pitchFamily="34" charset="-122"/>
+              </a:rPr>
+              <a:t>212.007ms</a:t>
+            </a:r>
+          </a:p>
+          <a:p>
+            <a:pPr lvl="0" algn="l" defTabSz="914400" eaLnBrk="0" fontAlgn="base">
+              <a:lnSpc>
+                <a:spcPct val="150000"/>
+              </a:lnSpc>
+              <a:spcBef>
+                <a:spcPct val="0"/>
+              </a:spcBef>
+              <a:spcAft>
+                <a:spcPct val="0"/>
+              </a:spcAft>
+            </a:pPr>
+            <a:r>
+              <a:rPr lang="en-US" altLang="zh-CN" sz="4800" b="1" dirty="0">
+                <a:solidFill>
+                  <a:schemeClr val="tx1"/>
+                </a:solidFill>
+                <a:latin typeface="微软雅黑" panose="020B0503020204020204" pitchFamily="34" charset="-122"/>
+                <a:ea typeface="微软雅黑" panose="020B0503020204020204" pitchFamily="34" charset="-122"/>
+              </a:rPr>
+              <a:t>$</a:t>
+            </a:r>
+            <a:r>
+              <a:rPr lang="zh-CN" altLang="en-US" sz="4800" b="1" dirty="0">
+                <a:solidFill>
+                  <a:schemeClr val="tx1"/>
+                </a:solidFill>
+                <a:latin typeface="微软雅黑" panose="020B0503020204020204" pitchFamily="34" charset="-122"/>
+                <a:ea typeface="微软雅黑" panose="020B0503020204020204" pitchFamily="34" charset="-122"/>
+              </a:rPr>
+              <a:t> </a:t>
+            </a:r>
+            <a:r>
+              <a:rPr lang="en-US" altLang="zh-CN" sz="4800" b="1" dirty="0">
+                <a:solidFill>
+                  <a:schemeClr val="tx1"/>
+                </a:solidFill>
+                <a:latin typeface="微软雅黑" panose="020B0503020204020204" pitchFamily="34" charset="-122"/>
+                <a:ea typeface="微软雅黑" panose="020B0503020204020204" pitchFamily="34" charset="-122"/>
+              </a:rPr>
+              <a:t>node --no-opt ./</a:t>
+            </a:r>
+            <a:r>
+              <a:rPr lang="en-US" altLang="zh-CN" sz="4800" b="1" dirty="0" err="1">
+                <a:solidFill>
+                  <a:schemeClr val="tx1"/>
+                </a:solidFill>
+                <a:latin typeface="微软雅黑" panose="020B0503020204020204" pitchFamily="34" charset="-122"/>
+                <a:ea typeface="微软雅黑" panose="020B0503020204020204" pitchFamily="34" charset="-122"/>
+              </a:rPr>
+              <a:t>src</a:t>
+            </a:r>
+            <a:r>
+              <a:rPr lang="en-US" altLang="zh-CN" sz="4800" b="1" dirty="0">
+                <a:solidFill>
+                  <a:schemeClr val="tx1"/>
+                </a:solidFill>
+                <a:latin typeface="微软雅黑" panose="020B0503020204020204" pitchFamily="34" charset="-122"/>
+                <a:ea typeface="微软雅黑" panose="020B0503020204020204" pitchFamily="34" charset="-122"/>
+              </a:rPr>
+              <a:t>/case-func10.js</a:t>
+            </a:r>
+          </a:p>
+          <a:p>
+            <a:pPr lvl="0" algn="l" defTabSz="914400" eaLnBrk="0" fontAlgn="base">
+              <a:lnSpc>
+                <a:spcPct val="150000"/>
+              </a:lnSpc>
+              <a:spcBef>
+                <a:spcPct val="0"/>
+              </a:spcBef>
+              <a:spcAft>
+                <a:spcPct val="0"/>
+              </a:spcAft>
+            </a:pPr>
+            <a:r>
+              <a:rPr lang="en-US" altLang="zh-CN" sz="4800" dirty="0">
+                <a:solidFill>
+                  <a:schemeClr val="tx1"/>
+                </a:solidFill>
+                <a:latin typeface="微软雅黑" panose="020B0503020204020204" pitchFamily="34" charset="-122"/>
+                <a:ea typeface="微软雅黑" panose="020B0503020204020204" pitchFamily="34" charset="-122"/>
+              </a:rPr>
+              <a:t>measure: </a:t>
+            </a:r>
+            <a:r>
+              <a:rPr lang="en-US" altLang="zh-CN" sz="4800" dirty="0">
+                <a:solidFill>
+                  <a:srgbClr val="FF0000"/>
+                </a:solidFill>
+                <a:latin typeface="微软雅黑" panose="020B0503020204020204" pitchFamily="34" charset="-122"/>
+                <a:ea typeface="微软雅黑" panose="020B0503020204020204" pitchFamily="34" charset="-122"/>
+              </a:rPr>
+              <a:t>671.125ms</a:t>
+            </a:r>
+          </a:p>
+          <a:p>
+            <a:pPr lvl="0" algn="l" defTabSz="914400" eaLnBrk="0" fontAlgn="base">
+              <a:lnSpc>
+                <a:spcPct val="150000"/>
+              </a:lnSpc>
+              <a:spcBef>
+                <a:spcPct val="0"/>
+              </a:spcBef>
+              <a:spcAft>
+                <a:spcPct val="0"/>
+              </a:spcAft>
+            </a:pPr>
+            <a:endParaRPr lang="en-US" altLang="zh-CN" sz="4800" dirty="0">
               <a:solidFill>
-                <a:schemeClr val="tx1"/>
+                <a:srgbClr val="FF0000"/>
               </a:solidFill>
-              <a:effectLst/>
-              <a:latin typeface="Arial" panose="020B0604020202020204" pitchFamily="34" charset="0"/>
+              <a:latin typeface="微软雅黑" panose="020B0503020204020204" pitchFamily="34" charset="-122"/>
+              <a:ea typeface="微软雅黑" panose="020B0503020204020204" pitchFamily="34" charset="-122"/>
+            </a:endParaRPr>
+          </a:p>
+          <a:p>
+            <a:pPr lvl="0" algn="l" defTabSz="914400" eaLnBrk="0" fontAlgn="base">
+              <a:lnSpc>
+                <a:spcPct val="150000"/>
+              </a:lnSpc>
+              <a:spcBef>
+                <a:spcPct val="0"/>
+              </a:spcBef>
+              <a:spcAft>
+                <a:spcPct val="0"/>
+              </a:spcAft>
+            </a:pPr>
+            <a:r>
+              <a:rPr lang="en-US" altLang="zh-CN" sz="4800" b="1" dirty="0">
+                <a:solidFill>
+                  <a:schemeClr val="tx1"/>
+                </a:solidFill>
+                <a:latin typeface="微软雅黑" panose="020B0503020204020204" pitchFamily="34" charset="-122"/>
+                <a:ea typeface="微软雅黑" panose="020B0503020204020204" pitchFamily="34" charset="-122"/>
+              </a:rPr>
+              <a:t>$</a:t>
+            </a:r>
+            <a:r>
+              <a:rPr lang="zh-CN" altLang="en-US" sz="4800" b="1" dirty="0">
+                <a:solidFill>
+                  <a:schemeClr val="tx1"/>
+                </a:solidFill>
+                <a:latin typeface="微软雅黑" panose="020B0503020204020204" pitchFamily="34" charset="-122"/>
+                <a:ea typeface="微软雅黑" panose="020B0503020204020204" pitchFamily="34" charset="-122"/>
+              </a:rPr>
+              <a:t> </a:t>
+            </a:r>
+            <a:r>
+              <a:rPr lang="en-US" altLang="zh-CN" sz="4800" b="1" dirty="0">
+                <a:solidFill>
+                  <a:schemeClr val="tx1"/>
+                </a:solidFill>
+                <a:latin typeface="微软雅黑" panose="020B0503020204020204" pitchFamily="34" charset="-122"/>
+                <a:ea typeface="微软雅黑" panose="020B0503020204020204" pitchFamily="34" charset="-122"/>
+              </a:rPr>
+              <a:t>node </a:t>
+            </a:r>
+            <a:r>
+              <a:rPr lang="en-US" altLang="zh-CN" sz="4800" b="1" dirty="0" err="1">
+                <a:solidFill>
+                  <a:schemeClr val="tx1"/>
+                </a:solidFill>
+                <a:latin typeface="微软雅黑" panose="020B0503020204020204" pitchFamily="34" charset="-122"/>
+                <a:ea typeface="微软雅黑" panose="020B0503020204020204" pitchFamily="34" charset="-122"/>
+              </a:rPr>
+              <a:t>src</a:t>
+            </a:r>
+            <a:r>
+              <a:rPr lang="en-US" altLang="zh-CN" sz="4800" b="1" dirty="0">
+                <a:solidFill>
+                  <a:schemeClr val="tx1"/>
+                </a:solidFill>
+                <a:latin typeface="微软雅黑" panose="020B0503020204020204" pitchFamily="34" charset="-122"/>
+                <a:ea typeface="微软雅黑" panose="020B0503020204020204" pitchFamily="34" charset="-122"/>
+              </a:rPr>
+              <a:t>/case-func10000.js</a:t>
+            </a:r>
+          </a:p>
+          <a:p>
+            <a:pPr lvl="0" algn="l" defTabSz="914400" eaLnBrk="0" fontAlgn="base">
+              <a:lnSpc>
+                <a:spcPct val="150000"/>
+              </a:lnSpc>
+              <a:spcBef>
+                <a:spcPct val="0"/>
+              </a:spcBef>
+              <a:spcAft>
+                <a:spcPct val="0"/>
+              </a:spcAft>
+            </a:pPr>
+            <a:r>
+              <a:rPr lang="en-US" altLang="zh-CN" sz="4800" dirty="0">
+                <a:solidFill>
+                  <a:schemeClr val="tx1"/>
+                </a:solidFill>
+                <a:latin typeface="微软雅黑" panose="020B0503020204020204" pitchFamily="34" charset="-122"/>
+                <a:ea typeface="微软雅黑" panose="020B0503020204020204" pitchFamily="34" charset="-122"/>
+              </a:rPr>
+              <a:t>measure: </a:t>
+            </a:r>
+            <a:r>
+              <a:rPr lang="en-US" altLang="zh-CN" sz="4800" dirty="0">
+                <a:solidFill>
+                  <a:schemeClr val="accent5"/>
+                </a:solidFill>
+                <a:latin typeface="微软雅黑" panose="020B0503020204020204" pitchFamily="34" charset="-122"/>
+                <a:ea typeface="微软雅黑" panose="020B0503020204020204" pitchFamily="34" charset="-122"/>
+              </a:rPr>
+              <a:t>2715.201ms</a:t>
+            </a:r>
+          </a:p>
+          <a:p>
+            <a:pPr lvl="0" algn="l" defTabSz="914400" eaLnBrk="0" fontAlgn="base">
+              <a:lnSpc>
+                <a:spcPct val="150000"/>
+              </a:lnSpc>
+              <a:spcBef>
+                <a:spcPct val="0"/>
+              </a:spcBef>
+              <a:spcAft>
+                <a:spcPct val="0"/>
+              </a:spcAft>
+            </a:pPr>
+            <a:r>
+              <a:rPr lang="en-US" altLang="zh-CN" sz="4800" b="1" dirty="0">
+                <a:solidFill>
+                  <a:schemeClr val="tx1"/>
+                </a:solidFill>
+                <a:latin typeface="微软雅黑" panose="020B0503020204020204" pitchFamily="34" charset="-122"/>
+                <a:ea typeface="微软雅黑" panose="020B0503020204020204" pitchFamily="34" charset="-122"/>
+              </a:rPr>
+              <a:t>$</a:t>
+            </a:r>
+            <a:r>
+              <a:rPr lang="zh-CN" altLang="en-US" sz="4800" b="1" dirty="0">
+                <a:solidFill>
+                  <a:schemeClr val="tx1"/>
+                </a:solidFill>
+                <a:latin typeface="微软雅黑" panose="020B0503020204020204" pitchFamily="34" charset="-122"/>
+                <a:ea typeface="微软雅黑" panose="020B0503020204020204" pitchFamily="34" charset="-122"/>
+              </a:rPr>
+              <a:t> </a:t>
+            </a:r>
+            <a:r>
+              <a:rPr lang="en-US" altLang="zh-CN" sz="4800" b="1" dirty="0">
+                <a:solidFill>
+                  <a:schemeClr val="tx1"/>
+                </a:solidFill>
+                <a:latin typeface="微软雅黑" panose="020B0503020204020204" pitchFamily="34" charset="-122"/>
+                <a:ea typeface="微软雅黑" panose="020B0503020204020204" pitchFamily="34" charset="-122"/>
+              </a:rPr>
+              <a:t>node --no-opt ./</a:t>
+            </a:r>
+            <a:r>
+              <a:rPr lang="en-US" altLang="zh-CN" sz="4800" b="1" dirty="0" err="1">
+                <a:solidFill>
+                  <a:schemeClr val="tx1"/>
+                </a:solidFill>
+                <a:latin typeface="微软雅黑" panose="020B0503020204020204" pitchFamily="34" charset="-122"/>
+                <a:ea typeface="微软雅黑" panose="020B0503020204020204" pitchFamily="34" charset="-122"/>
+              </a:rPr>
+              <a:t>src</a:t>
+            </a:r>
+            <a:r>
+              <a:rPr lang="en-US" altLang="zh-CN" sz="4800" b="1" dirty="0">
+                <a:solidFill>
+                  <a:schemeClr val="tx1"/>
+                </a:solidFill>
+                <a:latin typeface="微软雅黑" panose="020B0503020204020204" pitchFamily="34" charset="-122"/>
+                <a:ea typeface="微软雅黑" panose="020B0503020204020204" pitchFamily="34" charset="-122"/>
+              </a:rPr>
+              <a:t>/case-func10000.js</a:t>
+            </a:r>
+          </a:p>
+          <a:p>
+            <a:pPr lvl="0" algn="l" defTabSz="914400" eaLnBrk="0" fontAlgn="base">
+              <a:lnSpc>
+                <a:spcPct val="150000"/>
+              </a:lnSpc>
+              <a:spcBef>
+                <a:spcPct val="0"/>
+              </a:spcBef>
+              <a:spcAft>
+                <a:spcPct val="0"/>
+              </a:spcAft>
+            </a:pPr>
+            <a:r>
+              <a:rPr lang="en-US" altLang="zh-CN" sz="4800" dirty="0">
+                <a:solidFill>
+                  <a:schemeClr val="tx1"/>
+                </a:solidFill>
+                <a:latin typeface="微软雅黑" panose="020B0503020204020204" pitchFamily="34" charset="-122"/>
+                <a:ea typeface="微软雅黑" panose="020B0503020204020204" pitchFamily="34" charset="-122"/>
+              </a:rPr>
+              <a:t>measure: </a:t>
+            </a:r>
+            <a:r>
+              <a:rPr lang="en-US" altLang="zh-CN" sz="4800" dirty="0">
+                <a:solidFill>
+                  <a:schemeClr val="accent5"/>
+                </a:solidFill>
+                <a:latin typeface="微软雅黑" panose="020B0503020204020204" pitchFamily="34" charset="-122"/>
+                <a:ea typeface="微软雅黑" panose="020B0503020204020204" pitchFamily="34" charset="-122"/>
+              </a:rPr>
+              <a:t>2675.396ms</a:t>
+            </a:r>
+            <a:endParaRPr lang="zh-CN" altLang="zh-CN" sz="4800" dirty="0">
+              <a:solidFill>
+                <a:schemeClr val="accent5"/>
+              </a:solidFill>
+              <a:latin typeface="微软雅黑" panose="020B0503020204020204" pitchFamily="34" charset="-122"/>
+              <a:ea typeface="微软雅黑" panose="020B0503020204020204" pitchFamily="34" charset="-122"/>
             </a:endParaRPr>
           </a:p>
         </p:txBody>
@@ -6013,7 +5798,7 @@
           </a:lstStyle>
           <a:p>
             <a:r>
-              <a:rPr lang="zh-CN" altLang="en-US" sz="5400" b="1" dirty="0">
+              <a:rPr lang="en-US" altLang="zh-CN" sz="5400" b="1" dirty="0">
                 <a:solidFill>
                   <a:schemeClr val="bg1"/>
                 </a:solidFill>
@@ -6022,7 +5807,19 @@
                 <a:cs typeface="Helvetica Neue Medium"/>
                 <a:sym typeface="Helvetica Neue Medium"/>
               </a:rPr>
-              <a:t>性能优化机制 </a:t>
+              <a:t>Turbofan </a:t>
+            </a:r>
+            <a:r>
+              <a:rPr lang="zh-CN" altLang="en-US" sz="5400" b="1" dirty="0">
+                <a:solidFill>
+                  <a:schemeClr val="bg1"/>
+                </a:solidFill>
+                <a:latin typeface="Helvetica Neue Medium"/>
+                <a:ea typeface="Helvetica Neue Medium"/>
+                <a:cs typeface="Helvetica Neue Medium"/>
+                <a:sym typeface="Helvetica Neue Medium"/>
+              </a:rPr>
+              <a:t>优化限制 </a:t>
             </a:r>
             <a:r>
               <a:rPr lang="en-US" altLang="zh-CN" sz="5400" b="1" dirty="0">
@@ -6652,8 +6449,8 @@
         </p:nvSpPr>
         <p:spPr>
           <a:xfrm>
-            <a:off x="1144624" y="4715075"/>
-            <a:ext cx="4145280" cy="841256"/>
+            <a:off x="1144624" y="5647412"/>
+            <a:ext cx="4864290" cy="1579920"/>
           </a:xfrm>
           <a:prstGeom prst="rect">
             <a:avLst/>
@@ -6682,7 +6479,72 @@
           </a:bodyPr>
           <a:lstStyle/>
           <a:p>
-            <a:pPr marL="0" marR="0" indent="0" algn="ctr" defTabSz="825500" rtl="0" fontAlgn="auto" latinLnBrk="0" hangingPunct="0">
+            <a:pPr marL="0" marR="0" indent="0" defTabSz="825500" rtl="0" fontAlgn="auto" latinLnBrk="0" hangingPunct="0">
+              <a:lnSpc>
+                <a:spcPct val="100000"/>
+              </a:lnSpc>
+              <a:spcBef>
+                <a:spcPts val="0"/>
+              </a:spcBef>
+              <a:spcAft>
+                <a:spcPts val="0"/>
+              </a:spcAft>
+              <a:buClrTx/>
+              <a:buSzTx/>
+              <a:buFontTx/>
+              <a:buNone/>
+            </a:pPr>
+            <a:r>
+              <a:rPr kumimoji="0" lang="en-US" altLang="zh-CN" sz="4800" b="1" i="0" u="none" strike="noStrike" cap="none" spc="0" normalizeH="0" baseline="0" dirty="0">
+                <a:ln>
+                  <a:noFill/>
+                </a:ln>
+                <a:solidFill>
+                  <a:srgbClr val="000000"/>
+                </a:solidFill>
+                <a:effectLst/>
+                <a:uFillTx/>
+                <a:latin typeface="Helvetica Neue Medium"/>
+                <a:ea typeface="Helvetica Neue Medium"/>
+                <a:cs typeface="Helvetica Neue Medium"/>
+                <a:sym typeface="Helvetica Neue Medium"/>
+              </a:rPr>
+              <a:t>Func10</a:t>
+            </a:r>
+            <a:r>
+              <a:rPr kumimoji="0" lang="zh-CN" altLang="en-US" sz="4800" b="1" i="0" u="none" strike="noStrike" cap="none" spc="0" normalizeH="0" baseline="0" dirty="0">
+                <a:ln>
+                  <a:noFill/>
+                </a:ln>
+                <a:solidFill>
+                  <a:srgbClr val="000000"/>
+                </a:solidFill>
+                <a:effectLst/>
+                <a:uFillTx/>
+                <a:latin typeface="Helvetica Neue Medium"/>
+                <a:ea typeface="Helvetica Neue Medium"/>
+                <a:cs typeface="Helvetica Neue Medium"/>
+                <a:sym typeface="Helvetica Neue Medium"/>
+              </a:rPr>
+              <a:t>的字节码</a:t>
+            </a:r>
+            <a:endParaRPr kumimoji="0" lang="en-US" altLang="zh-CN" sz="4800" b="1" i="0" u="none" strike="noStrike" cap="none" spc="0" normalizeH="0" baseline="0" dirty="0">
+              <a:ln>
+                <a:noFill/>
+              </a:ln>
+              <a:solidFill>
+                <a:srgbClr val="000000"/>
+              </a:solidFill>
+              <a:effectLst/>
+              <a:uFillTx/>
+              <a:latin typeface="Helvetica Neue Medium"/>
+              <a:ea typeface="Helvetica Neue Medium"/>
+              <a:cs typeface="Helvetica Neue Medium"/>
+              <a:sym typeface="Helvetica Neue Medium"/>
+            </a:endParaRPr>
+          </a:p>
+          <a:p>
+            <a:pPr marL="0" marR="0" indent="0" defTabSz="825500" rtl="0" fontAlgn="auto" latinLnBrk="0" hangingPunct="0">
               <a:lnSpc>
                 <a:spcPct val="100000"/>
               </a:lnSpc>
@@ -6829,7 +6691,7 @@
           </a:lstStyle>
           <a:p>
             <a:r>
-              <a:rPr lang="zh-CN" altLang="en-US" sz="5400" b="1" dirty="0">
+              <a:rPr lang="en-US" altLang="zh-CN" sz="5400" b="1" dirty="0">
                 <a:solidFill>
                   <a:schemeClr val="bg1"/>
                 </a:solidFill>
@@ -6838,7 +6700,19 @@
                 <a:cs typeface="Helvetica Neue Medium"/>
                 <a:sym typeface="Helvetica Neue Medium"/>
               </a:rPr>
-              <a:t>性能优化机制 </a:t>
+              <a:t>Turbofan </a:t>
+            </a:r>
+            <a:r>
+              <a:rPr lang="zh-CN" altLang="en-US" sz="5400" b="1" dirty="0">
+                <a:solidFill>
+                  <a:schemeClr val="bg1"/>
+                </a:solidFill>
+                <a:latin typeface="Helvetica Neue Medium"/>
+                <a:ea typeface="Helvetica Neue Medium"/>
+                <a:cs typeface="Helvetica Neue Medium"/>
+                <a:sym typeface="Helvetica Neue Medium"/>
+              </a:rPr>
+              <a:t>优化限制 </a:t>
             </a:r>
             <a:r>
               <a:rPr lang="en-US" altLang="zh-CN" sz="5400" b="1" dirty="0">
@@ -7352,8 +7226,8 @@
         </p:nvSpPr>
         <p:spPr>
           <a:xfrm>
-            <a:off x="1124304" y="4745852"/>
-            <a:ext cx="4145280" cy="779701"/>
+            <a:off x="1144624" y="5422643"/>
+            <a:ext cx="4145280" cy="2133918"/>
           </a:xfrm>
           <a:prstGeom prst="rect">
             <a:avLst/>
@@ -7398,6 +7272,45 @@
               <a:buNone/>
             </a:pPr>
             <a:r>
+              <a:rPr lang="en-US" altLang="zh-CN" sz="4400" b="1" dirty="0"/>
+              <a:t>Func10</a:t>
+            </a:r>
+            <a:r>
+              <a:rPr lang="zh-CN" altLang="en-US" sz="4400" b="1" dirty="0"/>
+              <a:t>优化后的机器码</a:t>
+            </a:r>
+            <a:endParaRPr kumimoji="0" lang="en-US" altLang="zh-CN" sz="4400" b="1" i="0" u="none" strike="noStrike" cap="none" spc="0" normalizeH="0" baseline="0" dirty="0">
+              <a:ln>
+                <a:noFill/>
+              </a:ln>
+              <a:solidFill>
+                <a:srgbClr val="000000"/>
+              </a:solidFill>
+              <a:effectLst/>
+              <a:uFillTx/>
+              <a:latin typeface="Helvetica Neue Medium"/>
+              <a:ea typeface="Helvetica Neue Medium"/>
+              <a:cs typeface="Helvetica Neue Medium"/>
+              <a:sym typeface="Helvetica Neue Medium"/>
+            </a:endParaRPr>
+          </a:p>
+          <a:p>
+            <a:pPr marL="0" marR="0" indent="0" algn="ctr" defTabSz="825500" rtl="0" fontAlgn="auto" latinLnBrk="0" hangingPunct="0">
+              <a:lnSpc>
+                <a:spcPct val="100000"/>
+              </a:lnSpc>
+              <a:spcBef>
+                <a:spcPts val="0"/>
+              </a:spcBef>
+              <a:spcAft>
+                <a:spcPts val="0"/>
+              </a:spcAft>
+              <a:buClrTx/>
+              <a:buSzTx/>
+              <a:buFontTx/>
+              <a:buNone/>
+            </a:pPr>
+            <a:r>
               <a:rPr kumimoji="0" lang="en-US" altLang="zh-CN" sz="4400" b="1" i="0" u="none" strike="noStrike" cap="none" spc="0" normalizeH="0" baseline="0" dirty="0">
                 <a:ln>
                   <a:noFill/>
@@ -7449,6 +7362,222 @@
 </file>
 
 <file path=ppt/slides/slide13.xml><?xml version="1.0" encoding="utf-8"?>
+<p:sld xmlns:a="http://schemas.openxmlformats.org/drawingml/2006/main" xmlns:r="http://schemas.openxmlformats.org/officeDocument/2006/relationships" xmlns:p="http://schemas.openxmlformats.org/presentationml/2006/main">
+  <p:cSld>
+    <p:spTree>
+      <p:nvGrpSpPr>
+        <p:cNvPr id="1" name=""/>
+        <p:cNvGrpSpPr/>
+        <p:nvPr/>
+      </p:nvGrpSpPr>
+      <p:grpSpPr>
+        <a:xfrm>
+          <a:off x="0" y="0"/>
+          <a:ext cx="0" cy="0"/>
+          <a:chOff x="0" y="0"/>
+          <a:chExt cx="0" cy="0"/>
+        </a:xfrm>
+      </p:grpSpPr>
+      <p:pic>
+        <p:nvPicPr>
+          <p:cNvPr id="142" name="pasted-image.pdf"/>
+          <p:cNvPicPr>
+            <a:picLocks noChangeAspect="1"/>
+          </p:cNvPicPr>
+          <p:nvPr/>
+        </p:nvPicPr>
+        <p:blipFill>
+          <a:blip r:embed="rId3"/>
+          <a:srcRect b="82595"/>
+          <a:stretch>
+            <a:fillRect/>
+          </a:stretch>
+        </p:blipFill>
+        <p:spPr>
+          <a:xfrm>
+            <a:off x="159" y="-37844"/>
+            <a:ext cx="24383841" cy="2387243"/>
+          </a:xfrm>
+          <a:prstGeom prst="rect">
+            <a:avLst/>
+          </a:prstGeom>
+          <a:ln w="12700">
+            <a:miter lim="400000"/>
+            <a:headEnd/>
+            <a:tailEnd/>
+          </a:ln>
+        </p:spPr>
+      </p:pic>
+      <p:sp>
+        <p:nvSpPr>
+          <p:cNvPr id="143" name="Shape 143" descr="NETEASE…"/>
+          <p:cNvSpPr/>
+          <p:nvPr/>
+        </p:nvSpPr>
+        <p:spPr>
+          <a:xfrm>
+            <a:off x="1144625" y="688962"/>
+            <a:ext cx="8220199" cy="933589"/>
+          </a:xfrm>
+          <a:prstGeom prst="rect">
+            <a:avLst/>
+          </a:prstGeom>
+          <a:ln w="12700">
+            <a:miter lim="400000"/>
+          </a:ln>
+        </p:spPr>
+        <p:txBody>
+          <a:bodyPr wrap="none" lIns="50800" tIns="50800" rIns="50800" bIns="50800" anchor="ctr">
+            <a:spAutoFit/>
+          </a:bodyPr>
+          <a:lstStyle>
+            <a:lvl1pPr algn="l">
+              <a:defRPr sz="5000">
+                <a:solidFill>
+                  <a:srgbClr val="FFFFFF"/>
+                </a:solidFill>
+                <a:latin typeface="PingFang SC Regular"/>
+                <a:ea typeface="PingFang SC Regular"/>
+                <a:cs typeface="PingFang SC Regular"/>
+                <a:sym typeface="PingFang SC Regular"/>
+              </a:defRPr>
+            </a:lvl1pPr>
+          </a:lstStyle>
+          <a:p>
+            <a:r>
+              <a:rPr lang="en-US" altLang="zh-CN" sz="5400" b="1" dirty="0">
+                <a:solidFill>
+                  <a:schemeClr val="bg1"/>
+                </a:solidFill>
+                <a:latin typeface="Helvetica Neue Medium"/>
+                <a:ea typeface="Helvetica Neue Medium"/>
+                <a:cs typeface="Helvetica Neue Medium"/>
+                <a:sym typeface="Helvetica Neue Medium"/>
+              </a:rPr>
+              <a:t>Turbofan </a:t>
+            </a:r>
+            <a:r>
+              <a:rPr lang="zh-CN" altLang="en-US" sz="5400" b="1" dirty="0">
+                <a:solidFill>
+                  <a:schemeClr val="bg1"/>
+                </a:solidFill>
+                <a:latin typeface="Helvetica Neue Medium"/>
+                <a:ea typeface="Helvetica Neue Medium"/>
+                <a:cs typeface="Helvetica Neue Medium"/>
+                <a:sym typeface="Helvetica Neue Medium"/>
+              </a:rPr>
+              <a:t>优化限制 </a:t>
+            </a:r>
+            <a:r>
+              <a:rPr lang="en-US" altLang="zh-CN" sz="5400" b="1" dirty="0">
+                <a:solidFill>
+                  <a:schemeClr val="bg1"/>
+                </a:solidFill>
+                <a:latin typeface="Helvetica Neue Medium"/>
+                <a:ea typeface="Helvetica Neue Medium"/>
+                <a:cs typeface="Helvetica Neue Medium"/>
+                <a:sym typeface="Helvetica Neue Medium"/>
+              </a:rPr>
+              <a:t>–</a:t>
+            </a:r>
+            <a:r>
+              <a:rPr lang="zh-CN" altLang="en-US" sz="5400" b="1" dirty="0">
+                <a:solidFill>
+                  <a:schemeClr val="bg1"/>
+                </a:solidFill>
+                <a:latin typeface="Helvetica Neue Medium"/>
+                <a:ea typeface="Helvetica Neue Medium"/>
+                <a:cs typeface="Helvetica Neue Medium"/>
+                <a:sym typeface="Helvetica Neue Medium"/>
+              </a:rPr>
+              <a:t> 内存</a:t>
+            </a:r>
+          </a:p>
+        </p:txBody>
+      </p:sp>
+      <p:pic>
+        <p:nvPicPr>
+          <p:cNvPr id="144" name="pasted-image.pdf"/>
+          <p:cNvPicPr>
+            <a:picLocks noChangeAspect="1"/>
+          </p:cNvPicPr>
+          <p:nvPr/>
+        </p:nvPicPr>
+        <p:blipFill>
+          <a:blip r:embed="rId4"/>
+          <a:stretch>
+            <a:fillRect/>
+          </a:stretch>
+        </p:blipFill>
+        <p:spPr>
+          <a:xfrm>
+            <a:off x="19446721" y="813865"/>
+            <a:ext cx="3670301" cy="683785"/>
+          </a:xfrm>
+          <a:prstGeom prst="rect">
+            <a:avLst/>
+          </a:prstGeom>
+          <a:ln w="12700">
+            <a:miter lim="400000"/>
+            <a:headEnd/>
+            <a:tailEnd/>
+          </a:ln>
+        </p:spPr>
+      </p:pic>
+      <p:pic>
+        <p:nvPicPr>
+          <p:cNvPr id="3" name="图形 2">
+            <a:extLst>
+              <a:ext uri="{FF2B5EF4-FFF2-40B4-BE49-F238E27FC236}">
+                <a16:creationId xmlns:a16="http://schemas.microsoft.com/office/drawing/2014/main" id="{4D426023-4C3B-4E38-845B-2F87B33382B4}"/>
+              </a:ext>
+            </a:extLst>
+          </p:cNvPr>
+          <p:cNvPicPr>
+            <a:picLocks noChangeAspect="1"/>
+          </p:cNvPicPr>
+          <p:nvPr/>
+        </p:nvPicPr>
+        <p:blipFill>
+          <a:blip r:embed="rId5">
+            <a:extLst>
+              <a:ext uri="{28A0092B-C50C-407E-A947-70E740481C1C}">
+                <a14:useLocalDpi xmlns:a14="http://schemas.microsoft.com/office/drawing/2010/main" val="0"/>
+              </a:ext>
+              <a:ext uri="{96DAC541-7B7A-43D3-8B79-37D633B846F1}">
+                <asvg:svgBlip xmlns:asvg="http://schemas.microsoft.com/office/drawing/2016/SVG/main" r:embed="rId6"/>
+              </a:ext>
+            </a:extLst>
+          </a:blip>
+          <a:stretch>
+            <a:fillRect/>
+          </a:stretch>
+        </p:blipFill>
+        <p:spPr>
+          <a:xfrm>
+            <a:off x="3753154" y="3267810"/>
+            <a:ext cx="16877692" cy="9493702"/>
+          </a:xfrm>
+          <a:prstGeom prst="rect">
+            <a:avLst/>
+          </a:prstGeom>
+        </p:spPr>
+      </p:pic>
+    </p:spTree>
+    <p:extLst>
+      <p:ext uri="{BB962C8B-B14F-4D97-AF65-F5344CB8AC3E}">
+        <p14:creationId xmlns:p14="http://schemas.microsoft.com/office/powerpoint/2010/main" val="2862309924"/>
+      </p:ext>
+    </p:extLst>
+  </p:cSld>
+  <p:clrMapOvr>
+    <a:masterClrMapping/>
+  </p:clrMapOvr>
+  <p:transition spd="slow"/>
+</p:sld>
+</file>
+
+<file path=ppt/slides/slide14.xml><?xml version="1.0" encoding="utf-8"?>
 <p:sld xmlns:a="http://schemas.openxmlformats.org/drawingml/2006/main" xmlns:r="http://schemas.openxmlformats.org/officeDocument/2006/relationships" xmlns:p="http://schemas.openxmlformats.org/presentationml/2006/main">
   <p:cSld>
     <p:spTree>
@@ -7636,8 +7765,8 @@
         </p:nvSpPr>
         <p:spPr bwMode="auto">
           <a:xfrm>
-            <a:off x="1640018" y="4379123"/>
-            <a:ext cx="7890062" cy="3170099"/>
+            <a:off x="3480042" y="7666471"/>
+            <a:ext cx="8913776" cy="3170099"/>
           </a:xfrm>
           <a:prstGeom prst="rect">
             <a:avLst/>
@@ -7689,27 +7818,49 @@
               </a:spcAft>
             </a:pPr>
             <a:r>
-              <a:rPr lang="zh-CN" altLang="en-US" sz="4000" b="1" dirty="0">
+              <a:rPr lang="en-US" altLang="zh-CN" sz="4000" b="1" dirty="0">
+                <a:solidFill>
+                  <a:schemeClr val="tx1"/>
+                </a:solidFill>
                 <a:latin typeface="微软雅黑" panose="020B0503020204020204" pitchFamily="34" charset="-122"/>
                 <a:ea typeface="微软雅黑" panose="020B0503020204020204" pitchFamily="34" charset="-122"/>
               </a:rPr>
-              <a:t>优化的机器代码需要更多的内存，编译过大的</a:t>
-            </a:r>
-            <a:r>
-              <a:rPr lang="en-US" altLang="zh-CN" sz="4000" b="1" dirty="0">
+              <a:t>V8 </a:t>
+            </a:r>
+            <a:r>
+              <a:rPr lang="zh-CN" altLang="en-US" sz="4000" b="1" dirty="0">
+                <a:solidFill>
+                  <a:schemeClr val="tx1"/>
+                </a:solidFill>
                 <a:latin typeface="微软雅黑" panose="020B0503020204020204" pitchFamily="34" charset="-122"/>
                 <a:ea typeface="微软雅黑" panose="020B0503020204020204" pitchFamily="34" charset="-122"/>
               </a:rPr>
-              <a:t>bytecode</a:t>
-            </a:r>
-            <a:r>
-              <a:rPr lang="zh-CN" altLang="en-US" sz="4000" b="1" dirty="0">
+              <a:t>的限制 </a:t>
+            </a:r>
+            <a:r>
+              <a:rPr lang="en-US" altLang="zh-CN" sz="4000" b="1" dirty="0">
+                <a:solidFill>
+                  <a:schemeClr val="tx1"/>
+                </a:solidFill>
                 <a:latin typeface="微软雅黑" panose="020B0503020204020204" pitchFamily="34" charset="-122"/>
                 <a:ea typeface="微软雅黑" panose="020B0503020204020204" pitchFamily="34" charset="-122"/>
               </a:rPr>
-              <a:t>，会导致内存占用过大。</a:t>
+              <a:t>— 60KB</a:t>
+            </a:r>
+            <a:r>
+              <a:rPr lang="zh-CN" altLang="en-US" sz="4000" b="1" dirty="0">
+                <a:solidFill>
+                  <a:schemeClr val="tx1"/>
+                </a:solidFill>
+                <a:latin typeface="微软雅黑" panose="020B0503020204020204" pitchFamily="34" charset="-122"/>
+                <a:ea typeface="微软雅黑" panose="020B0503020204020204" pitchFamily="34" charset="-122"/>
+              </a:rPr>
+              <a:t>（注意是字节码）</a:t>
             </a:r>
             <a:endParaRPr lang="en-US" altLang="zh-CN" sz="4000" b="1" dirty="0">
+              <a:solidFill>
+                <a:schemeClr val="tx1"/>
+              </a:solidFill>
               <a:latin typeface="微软雅黑" panose="020B0503020204020204" pitchFamily="34" charset="-122"/>
               <a:ea typeface="微软雅黑" panose="020B0503020204020204" pitchFamily="34" charset="-122"/>
             </a:endParaRPr>
@@ -7723,14 +7874,55 @@
                 <a:spcPct val="0"/>
               </a:spcAft>
             </a:pPr>
-            <a:endParaRPr kumimoji="0" lang="en-US" altLang="zh-CN" sz="4000" b="1" i="0" u="none" strike="noStrike" cap="none" normalizeH="0" baseline="0" dirty="0">
-              <a:ln>
-                <a:noFill/>
-              </a:ln>
+            <a:endParaRPr lang="en-US" altLang="zh-CN" sz="4000" b="1" dirty="0">
               <a:solidFill>
                 <a:schemeClr val="tx1"/>
               </a:solidFill>
-              <a:effectLst/>
+              <a:latin typeface="微软雅黑" panose="020B0503020204020204" pitchFamily="34" charset="-122"/>
+              <a:ea typeface="微软雅黑" panose="020B0503020204020204" pitchFamily="34" charset="-122"/>
+            </a:endParaRPr>
+          </a:p>
+          <a:p>
+            <a:pPr algn="l" defTabSz="914400" eaLnBrk="0" fontAlgn="base">
+              <a:spcBef>
+                <a:spcPct val="0"/>
+              </a:spcBef>
+              <a:spcAft>
+                <a:spcPct val="0"/>
+              </a:spcAft>
+            </a:pPr>
+            <a:r>
+              <a:rPr lang="zh-CN" altLang="en-US" sz="4000" b="1" dirty="0">
+                <a:latin typeface="微软雅黑" panose="020B0503020204020204" pitchFamily="34" charset="-122"/>
+                <a:ea typeface="微软雅黑" panose="020B0503020204020204" pitchFamily="34" charset="-122"/>
+              </a:rPr>
+              <a:t>猜测：</a:t>
+            </a:r>
+            <a:endParaRPr lang="en-US" altLang="zh-CN" sz="4000" b="1" dirty="0">
+              <a:latin typeface="微软雅黑" panose="020B0503020204020204" pitchFamily="34" charset="-122"/>
+              <a:ea typeface="微软雅黑" panose="020B0503020204020204" pitchFamily="34" charset="-122"/>
+            </a:endParaRPr>
+          </a:p>
+          <a:p>
+            <a:pPr algn="l" defTabSz="914400" eaLnBrk="0" fontAlgn="base">
+              <a:spcBef>
+                <a:spcPct val="0"/>
+              </a:spcBef>
+              <a:spcAft>
+                <a:spcPct val="0"/>
+              </a:spcAft>
+            </a:pPr>
+            <a:r>
+              <a:rPr lang="zh-CN" altLang="en-US" sz="4000" b="1" dirty="0">
+                <a:latin typeface="微软雅黑" panose="020B0503020204020204" pitchFamily="34" charset="-122"/>
+                <a:ea typeface="微软雅黑" panose="020B0503020204020204" pitchFamily="34" charset="-122"/>
+              </a:rPr>
+              <a:t>需要控制内存的使用</a:t>
+            </a:r>
+            <a:endParaRPr lang="en-US" altLang="zh-CN" sz="4000" b="1" dirty="0">
+              <a:solidFill>
+                <a:schemeClr val="tx1"/>
+              </a:solidFill>
               <a:latin typeface="微软雅黑" panose="020B0503020204020204" pitchFamily="34" charset="-122"/>
               <a:ea typeface="微软雅黑" panose="020B0503020204020204" pitchFamily="34" charset="-122"/>
             </a:endParaRPr>
@@ -7745,44 +7937,68 @@
               </a:spcAft>
             </a:pPr>
             <a:r>
-              <a:rPr lang="en-US" altLang="zh-CN" sz="4000" b="1" dirty="0">
+              <a:rPr lang="zh-CN" altLang="en-US" sz="4000" b="1" dirty="0">
                 <a:solidFill>
                   <a:schemeClr val="tx1"/>
                 </a:solidFill>
                 <a:latin typeface="微软雅黑" panose="020B0503020204020204" pitchFamily="34" charset="-122"/>
                 <a:ea typeface="微软雅黑" panose="020B0503020204020204" pitchFamily="34" charset="-122"/>
               </a:rPr>
-              <a:t>V8 </a:t>
-            </a:r>
-            <a:r>
-              <a:rPr lang="zh-CN" altLang="en-US" sz="4000" b="1" dirty="0">
-                <a:solidFill>
-                  <a:schemeClr val="tx1"/>
-                </a:solidFill>
-                <a:latin typeface="微软雅黑" panose="020B0503020204020204" pitchFamily="34" charset="-122"/>
-                <a:ea typeface="微软雅黑" panose="020B0503020204020204" pitchFamily="34" charset="-122"/>
-              </a:rPr>
-              <a:t>的限制 </a:t>
-            </a:r>
-            <a:r>
-              <a:rPr lang="en-US" altLang="zh-CN" sz="4000" b="1" dirty="0">
-                <a:solidFill>
-                  <a:schemeClr val="tx1"/>
-                </a:solidFill>
-                <a:latin typeface="微软雅黑" panose="020B0503020204020204" pitchFamily="34" charset="-122"/>
-                <a:ea typeface="微软雅黑" panose="020B0503020204020204" pitchFamily="34" charset="-122"/>
-              </a:rPr>
-              <a:t>— 60KB</a:t>
-            </a:r>
+              <a:t>生成的机器码在不同指令集上有限制</a:t>
+            </a:r>
+            <a:endParaRPr lang="en-US" altLang="zh-CN" sz="4000" b="1" dirty="0">
+              <a:solidFill>
+                <a:schemeClr val="tx1"/>
+              </a:solidFill>
+              <a:latin typeface="微软雅黑" panose="020B0503020204020204" pitchFamily="34" charset="-122"/>
+              <a:ea typeface="微软雅黑" panose="020B0503020204020204" pitchFamily="34" charset="-122"/>
+            </a:endParaRPr>
           </a:p>
         </p:txBody>
       </p:sp>
       <p:sp>
         <p:nvSpPr>
-          <p:cNvPr id="7" name="Rectangle 3">
+          <p:cNvPr id="8" name="矩形 7">
             <a:extLst>
               <a:ext uri="{FF2B5EF4-FFF2-40B4-BE49-F238E27FC236}">
-                <a16:creationId xmlns:a16="http://schemas.microsoft.com/office/drawing/2014/main" id="{573B3C67-2A95-4450-AB23-0F01B4ABB083}"/>
+                <a16:creationId xmlns:a16="http://schemas.microsoft.com/office/drawing/2014/main" id="{3474EF89-B6FA-4754-AB7E-A70672232CD5}"/>
+              </a:ext>
+            </a:extLst>
+          </p:cNvPr>
+          <p:cNvSpPr/>
+          <p:nvPr/>
+        </p:nvSpPr>
+        <p:spPr>
+          <a:xfrm>
+            <a:off x="13216565" y="8319613"/>
+            <a:ext cx="7190052" cy="646331"/>
+          </a:xfrm>
+          <a:prstGeom prst="rect">
+            <a:avLst/>
+          </a:prstGeom>
+        </p:spPr>
+        <p:txBody>
+          <a:bodyPr wrap="square">
+            <a:spAutoFit/>
+          </a:bodyPr>
+          <a:lstStyle/>
+          <a:p>
+            <a:r>
+              <a:rPr lang="en-US" altLang="zh-CN" sz="3600" dirty="0">
+                <a:hlinkClick r:id="rId5"/>
+              </a:rPr>
+              <a:t>/deps/v8/src/compiler/pipeline.cc</a:t>
+            </a:r>
+            <a:endParaRPr lang="zh-CN" altLang="en-US" sz="3600" dirty="0"/>
+          </a:p>
+        </p:txBody>
+      </p:sp>
+      <p:sp>
+        <p:nvSpPr>
+          <p:cNvPr id="3" name="Rectangle 2">
+            <a:extLst>
+              <a:ext uri="{FF2B5EF4-FFF2-40B4-BE49-F238E27FC236}">
+                <a16:creationId xmlns:a16="http://schemas.microsoft.com/office/drawing/2014/main" id="{E15AA24D-73C9-4B7B-8D8E-E75A282CA305}"/>
               </a:ext>
             </a:extLst>
           </p:cNvPr>
@@ -7793,8 +8009,8 @@
         </p:nvSpPr>
         <p:spPr bwMode="auto">
           <a:xfrm>
-            <a:off x="10589948" y="4416645"/>
-            <a:ext cx="10549683" cy="1938992"/>
+            <a:off x="3480042" y="3811012"/>
+            <a:ext cx="16458352" cy="3046988"/>
           </a:xfrm>
           <a:prstGeom prst="rect">
             <a:avLst/>
@@ -7854,7 +8070,153 @@
               <a:tabLst/>
             </a:pPr>
             <a:r>
-              <a:rPr kumimoji="0" lang="zh-CN" altLang="zh-CN" sz="2400" b="1" i="0" u="none" strike="noStrike" cap="none" normalizeH="0" baseline="0" dirty="0">
+              <a:rPr kumimoji="0" lang="zh-CN" altLang="zh-CN" sz="3200" b="0" i="0" u="none" strike="noStrike" cap="none" normalizeH="0" baseline="0" dirty="0">
+                <a:ln>
+                  <a:noFill/>
+                </a:ln>
+                <a:solidFill>
+                  <a:srgbClr val="000000"/>
+                </a:solidFill>
+                <a:effectLst/>
+                <a:latin typeface="Consolas" panose="020B0609020204030204" pitchFamily="49" charset="0"/>
+              </a:rPr>
+              <a:t>OptimizationReason RuntimeProfiler::ShouldOptimize(JSFunction* function,</a:t>
+            </a:r>
+            <a:br>
+              <a:rPr kumimoji="0" lang="zh-CN" altLang="zh-CN" sz="3200" b="0" i="0" u="none" strike="noStrike" cap="none" normalizeH="0" baseline="0" dirty="0">
+                <a:ln>
+                  <a:noFill/>
+                </a:ln>
+                <a:solidFill>
+                  <a:srgbClr val="000000"/>
+                </a:solidFill>
+                <a:effectLst/>
+                <a:latin typeface="Consolas" panose="020B0609020204030204" pitchFamily="49" charset="0"/>
+              </a:rPr>
+            </a:br>
+            <a:r>
+              <a:rPr kumimoji="0" lang="zh-CN" altLang="zh-CN" sz="3200" b="0" i="0" u="none" strike="noStrike" cap="none" normalizeH="0" baseline="0" dirty="0">
+                <a:ln>
+                  <a:noFill/>
+                </a:ln>
+                <a:solidFill>
+                  <a:srgbClr val="000000"/>
+                </a:solidFill>
+                <a:effectLst/>
+                <a:latin typeface="Consolas" panose="020B0609020204030204" pitchFamily="49" charset="0"/>
+              </a:rPr>
+              <a:t>  </a:t>
+            </a:r>
+            <a:r>
+              <a:rPr kumimoji="0" lang="zh-CN" altLang="zh-CN" sz="3200" b="0" i="1" u="none" strike="noStrike" cap="none" normalizeH="0" baseline="0" dirty="0">
+                <a:ln>
+                  <a:noFill/>
+                </a:ln>
+                <a:solidFill>
+                  <a:srgbClr val="808080"/>
+                </a:solidFill>
+                <a:effectLst/>
+                <a:latin typeface="Consolas" panose="020B0609020204030204" pitchFamily="49" charset="0"/>
+              </a:rPr>
+              <a:t>// </a:t>
+            </a:r>
+            <a:r>
+              <a:rPr kumimoji="0" lang="zh-CN" altLang="zh-CN" sz="3200" b="0" i="1" u="none" strike="noStrike" cap="none" normalizeH="0" baseline="0" dirty="0">
+                <a:ln>
+                  <a:noFill/>
+                </a:ln>
+                <a:solidFill>
+                  <a:srgbClr val="808080"/>
+                </a:solidFill>
+                <a:effectLst/>
+                <a:latin typeface="Adobe Myungjo Std M" panose="02020600000000000000" pitchFamily="18" charset="-128"/>
+                <a:ea typeface="Adobe Myungjo Std M" panose="02020600000000000000" pitchFamily="18" charset="-128"/>
+              </a:rPr>
+              <a:t>生成的</a:t>
+            </a:r>
+            <a:r>
+              <a:rPr kumimoji="0" lang="zh-CN" altLang="zh-CN" sz="3200" b="0" i="1" u="none" strike="noStrike" cap="none" normalizeH="0" baseline="0" dirty="0">
+                <a:ln>
+                  <a:noFill/>
+                </a:ln>
+                <a:solidFill>
+                  <a:srgbClr val="808080"/>
+                </a:solidFill>
+                <a:effectLst/>
+                <a:latin typeface="Consolas" panose="020B0609020204030204" pitchFamily="49" charset="0"/>
+              </a:rPr>
+              <a:t>bytecode</a:t>
+            </a:r>
+            <a:r>
+              <a:rPr kumimoji="0" lang="zh-CN" altLang="zh-CN" sz="3200" b="0" i="1" u="none" strike="noStrike" cap="none" normalizeH="0" baseline="0" dirty="0">
+                <a:ln>
+                  <a:noFill/>
+                </a:ln>
+                <a:solidFill>
+                  <a:srgbClr val="808080"/>
+                </a:solidFill>
+                <a:effectLst/>
+                <a:latin typeface="Adobe Myungjo Std M" panose="02020600000000000000" pitchFamily="18" charset="-128"/>
+                <a:ea typeface="Adobe Myungjo Std M" panose="02020600000000000000" pitchFamily="18" charset="-128"/>
+              </a:rPr>
+              <a:t>大于</a:t>
+            </a:r>
+            <a:r>
+              <a:rPr kumimoji="0" lang="zh-CN" altLang="zh-CN" sz="3200" b="0" i="1" u="none" strike="noStrike" cap="none" normalizeH="0" baseline="0" dirty="0">
+                <a:ln>
+                  <a:noFill/>
+                </a:ln>
+                <a:solidFill>
+                  <a:srgbClr val="808080"/>
+                </a:solidFill>
+                <a:effectLst/>
+                <a:latin typeface="Consolas" panose="020B0609020204030204" pitchFamily="49" charset="0"/>
+              </a:rPr>
+              <a:t>60kb</a:t>
+            </a:r>
+            <a:r>
+              <a:rPr kumimoji="0" lang="zh-CN" altLang="zh-CN" sz="3200" b="0" i="1" u="none" strike="noStrike" cap="none" normalizeH="0" baseline="0" dirty="0">
+                <a:ln>
+                  <a:noFill/>
+                </a:ln>
+                <a:solidFill>
+                  <a:srgbClr val="808080"/>
+                </a:solidFill>
+                <a:effectLst/>
+                <a:latin typeface="Adobe Myungjo Std M" panose="02020600000000000000" pitchFamily="18" charset="-128"/>
+                <a:ea typeface="Adobe Myungjo Std M" panose="02020600000000000000" pitchFamily="18" charset="-128"/>
+              </a:rPr>
+              <a:t>，跳出</a:t>
+            </a:r>
+            <a:br>
+              <a:rPr kumimoji="0" lang="zh-CN" altLang="zh-CN" sz="3200" b="0" i="1" u="none" strike="noStrike" cap="none" normalizeH="0" baseline="0" dirty="0">
+                <a:ln>
+                  <a:noFill/>
+                </a:ln>
+                <a:solidFill>
+                  <a:srgbClr val="808080"/>
+                </a:solidFill>
+                <a:effectLst/>
+                <a:latin typeface="Adobe Myungjo Std M" panose="02020600000000000000" pitchFamily="18" charset="-128"/>
+                <a:ea typeface="Adobe Myungjo Std M" panose="02020600000000000000" pitchFamily="18" charset="-128"/>
+              </a:rPr>
+            </a:br>
+            <a:r>
+              <a:rPr kumimoji="0" lang="zh-CN" altLang="zh-CN" sz="3200" b="0" i="1" u="none" strike="noStrike" cap="none" normalizeH="0" baseline="0" dirty="0">
+                <a:ln>
+                  <a:noFill/>
+                </a:ln>
+                <a:solidFill>
+                  <a:srgbClr val="808080"/>
+                </a:solidFill>
+                <a:effectLst/>
+                <a:latin typeface="Adobe Myungjo Std M" panose="02020600000000000000" pitchFamily="18" charset="-128"/>
+                <a:ea typeface="Adobe Myungjo Std M" panose="02020600000000000000" pitchFamily="18" charset="-128"/>
+              </a:rPr>
+              <a:t>  </a:t>
+            </a:r>
+            <a:r>
+              <a:rPr kumimoji="0" lang="zh-CN" altLang="zh-CN" sz="3200" b="1" i="0" u="none" strike="noStrike" cap="none" normalizeH="0" baseline="0" dirty="0">
                 <a:ln>
                   <a:noFill/>
                 </a:ln>
@@ -7867,20 +8229,20 @@
               <a:t>if </a:t>
             </a:r>
             <a:r>
-              <a:rPr kumimoji="0" lang="zh-CN" altLang="zh-CN" sz="2400" b="0" i="0" u="none" strike="noStrike" cap="none" normalizeH="0" baseline="0" dirty="0">
-                <a:ln>
-                  <a:noFill/>
-                </a:ln>
-                <a:solidFill>
-                  <a:srgbClr val="000000"/>
-                </a:solidFill>
-                <a:effectLst/>
-                <a:latin typeface="Consolas" panose="020B0609020204030204" pitchFamily="49" charset="0"/>
-              </a:rPr>
-              <a:t>(compilation_info()</a:t>
-            </a:r>
-            <a:r>
-              <a:rPr kumimoji="0" lang="zh-CN" altLang="zh-CN" sz="2400" b="1" i="0" u="none" strike="noStrike" cap="none" normalizeH="0" baseline="0" dirty="0">
+              <a:rPr kumimoji="0" lang="zh-CN" altLang="zh-CN" sz="3200" b="0" i="0" u="none" strike="noStrike" cap="none" normalizeH="0" baseline="0" dirty="0">
+                <a:ln>
+                  <a:noFill/>
+                </a:ln>
+                <a:solidFill>
+                  <a:srgbClr val="000000"/>
+                </a:solidFill>
+                <a:effectLst/>
+                <a:latin typeface="Consolas" panose="020B0609020204030204" pitchFamily="49" charset="0"/>
+              </a:rPr>
+              <a:t>(shared</a:t>
+            </a:r>
+            <a:r>
+              <a:rPr kumimoji="0" lang="zh-CN" altLang="zh-CN" sz="3200" b="1" i="0" u="none" strike="noStrike" cap="none" normalizeH="0" baseline="0" dirty="0">
                 <a:ln>
                   <a:noFill/>
                 </a:ln>
@@ -7893,20 +8255,20 @@
               <a:t>-&gt;</a:t>
             </a:r>
             <a:r>
-              <a:rPr kumimoji="0" lang="zh-CN" altLang="zh-CN" sz="2400" b="0" i="0" u="none" strike="noStrike" cap="none" normalizeH="0" baseline="0" dirty="0">
-                <a:ln>
-                  <a:noFill/>
-                </a:ln>
-                <a:solidFill>
-                  <a:srgbClr val="000000"/>
-                </a:solidFill>
-                <a:effectLst/>
-                <a:latin typeface="Consolas" panose="020B0609020204030204" pitchFamily="49" charset="0"/>
-              </a:rPr>
-              <a:t>bytecode_array()</a:t>
-            </a:r>
-            <a:r>
-              <a:rPr kumimoji="0" lang="zh-CN" altLang="zh-CN" sz="2400" b="1" i="0" u="none" strike="noStrike" cap="none" normalizeH="0" baseline="0" dirty="0">
+              <a:rPr kumimoji="0" lang="zh-CN" altLang="zh-CN" sz="3200" b="0" i="0" u="none" strike="noStrike" cap="none" normalizeH="0" baseline="0" dirty="0">
+                <a:ln>
+                  <a:noFill/>
+                </a:ln>
+                <a:solidFill>
+                  <a:srgbClr val="000000"/>
+                </a:solidFill>
+                <a:effectLst/>
+                <a:latin typeface="Consolas" panose="020B0609020204030204" pitchFamily="49" charset="0"/>
+              </a:rPr>
+              <a:t>GetBytecodeArray()</a:t>
+            </a:r>
+            <a:r>
+              <a:rPr kumimoji="0" lang="zh-CN" altLang="zh-CN" sz="3200" b="1" i="0" u="none" strike="noStrike" cap="none" normalizeH="0" baseline="0" dirty="0">
                 <a:ln>
                   <a:noFill/>
                 </a:ln>
@@ -7919,20 +8281,20 @@
               <a:t>-&gt;</a:t>
             </a:r>
             <a:r>
-              <a:rPr kumimoji="0" lang="zh-CN" altLang="zh-CN" sz="2400" b="0" i="0" u="none" strike="noStrike" cap="none" normalizeH="0" baseline="0" dirty="0">
-                <a:ln>
-                  <a:noFill/>
-                </a:ln>
-                <a:solidFill>
-                  <a:srgbClr val="000000"/>
-                </a:solidFill>
-                <a:effectLst/>
-                <a:latin typeface="Consolas" panose="020B0609020204030204" pitchFamily="49" charset="0"/>
-              </a:rPr>
-              <a:t>length() &gt;</a:t>
+              <a:rPr kumimoji="0" lang="zh-CN" altLang="zh-CN" sz="3200" b="0" i="0" u="none" strike="noStrike" cap="none" normalizeH="0" baseline="0" dirty="0">
+                <a:ln>
+                  <a:noFill/>
+                </a:ln>
+                <a:solidFill>
+                  <a:srgbClr val="000000"/>
+                </a:solidFill>
+                <a:effectLst/>
+                <a:latin typeface="Consolas" panose="020B0609020204030204" pitchFamily="49" charset="0"/>
+              </a:rPr>
+              <a:t>length() &gt; kMaxBytecodeSizeForOpt) {</a:t>
             </a:r>
             <a:br>
-              <a:rPr kumimoji="0" lang="zh-CN" altLang="zh-CN" sz="2400" b="0" i="0" u="none" strike="noStrike" cap="none" normalizeH="0" baseline="0" dirty="0">
+              <a:rPr kumimoji="0" lang="zh-CN" altLang="zh-CN" sz="3200" b="0" i="0" u="none" strike="noStrike" cap="none" normalizeH="0" baseline="0" dirty="0">
                 <a:ln>
                   <a:noFill/>
                 </a:ln>
@@ -7944,110 +8306,46 @@
               </a:rPr>
             </a:br>
             <a:r>
-              <a:rPr kumimoji="0" lang="zh-CN" altLang="zh-CN" sz="2400" b="0" i="0" u="none" strike="noStrike" cap="none" normalizeH="0" baseline="0" dirty="0">
-                <a:ln>
-                  <a:noFill/>
-                </a:ln>
-                <a:solidFill>
-                  <a:srgbClr val="000000"/>
-                </a:solidFill>
-                <a:effectLst/>
-                <a:latin typeface="Consolas" panose="020B0609020204030204" pitchFamily="49" charset="0"/>
-              </a:rPr>
-              <a:t>  FLAG_max_optimized_bytecode_size) {</a:t>
-            </a:r>
-            <a:endParaRPr kumimoji="0" lang="en-US" altLang="zh-CN" sz="2400" b="0" i="0" u="none" strike="noStrike" cap="none" normalizeH="0" baseline="0" dirty="0">
-              <a:ln>
-                <a:noFill/>
-              </a:ln>
-              <a:solidFill>
-                <a:srgbClr val="000000"/>
-              </a:solidFill>
-              <a:effectLst/>
-              <a:latin typeface="Consolas" panose="020B0609020204030204" pitchFamily="49" charset="0"/>
-            </a:endParaRPr>
-          </a:p>
-          <a:p>
-            <a:pPr lvl="0" algn="l" defTabSz="914400" eaLnBrk="0" fontAlgn="base">
-              <a:spcBef>
-                <a:spcPct val="0"/>
-              </a:spcBef>
-              <a:spcAft>
-                <a:spcPct val="0"/>
-              </a:spcAft>
-            </a:pPr>
-            <a:r>
-              <a:rPr lang="en-US" altLang="zh-CN" sz="2400" dirty="0">
-                <a:solidFill>
-                  <a:schemeClr val="accent3">
-                    <a:lumMod val="75000"/>
-                  </a:schemeClr>
-                </a:solidFill>
-                <a:latin typeface="Consolas" panose="020B0609020204030204" pitchFamily="49" charset="0"/>
-              </a:rPr>
-              <a:t>    </a:t>
-            </a:r>
-            <a:r>
-              <a:rPr kumimoji="0" lang="en-US" altLang="zh-CN" sz="2400" b="0" i="0" u="none" strike="noStrike" cap="none" normalizeH="0" baseline="0" dirty="0">
-                <a:ln>
-                  <a:noFill/>
-                </a:ln>
-                <a:solidFill>
-                  <a:schemeClr val="accent3">
-                    <a:lumMod val="75000"/>
-                  </a:schemeClr>
-                </a:solidFill>
-                <a:effectLst/>
-                <a:latin typeface="Consolas" panose="020B0609020204030204" pitchFamily="49" charset="0"/>
-              </a:rPr>
-              <a:t>//</a:t>
-            </a:r>
-            <a:r>
-              <a:rPr lang="zh-CN" altLang="zh-CN" sz="2400" dirty="0">
-                <a:solidFill>
-                  <a:schemeClr val="accent3">
-                    <a:lumMod val="75000"/>
-                  </a:schemeClr>
-                </a:solidFill>
-                <a:latin typeface="Consolas" panose="020B0609020204030204" pitchFamily="49" charset="0"/>
-              </a:rPr>
-              <a:t> FLAG_max_optimized_bytecode_size</a:t>
-            </a:r>
-            <a:r>
-              <a:rPr lang="en-US" altLang="zh-CN" sz="2400" dirty="0">
-                <a:solidFill>
-                  <a:schemeClr val="accent3">
-                    <a:lumMod val="75000"/>
-                  </a:schemeClr>
-                </a:solidFill>
-                <a:latin typeface="Consolas" panose="020B0609020204030204" pitchFamily="49" charset="0"/>
-              </a:rPr>
-              <a:t> =</a:t>
-            </a:r>
-            <a:r>
-              <a:rPr lang="zh-CN" altLang="en-US" sz="2400" dirty="0">
-                <a:solidFill>
-                  <a:schemeClr val="accent3">
-                    <a:lumMod val="75000"/>
-                  </a:schemeClr>
-                </a:solidFill>
-                <a:latin typeface="Consolas" panose="020B0609020204030204" pitchFamily="49" charset="0"/>
-              </a:rPr>
-              <a:t> </a:t>
-            </a:r>
-            <a:r>
-              <a:rPr lang="en-US" altLang="zh-CN" sz="2400" dirty="0">
-                <a:solidFill>
-                  <a:schemeClr val="accent3">
-                    <a:lumMod val="75000"/>
-                  </a:schemeClr>
-                </a:solidFill>
-                <a:latin typeface="Consolas" panose="020B0609020204030204" pitchFamily="49" charset="0"/>
-              </a:rPr>
-              <a:t>60KB</a:t>
+              <a:rPr kumimoji="0" lang="zh-CN" altLang="zh-CN" sz="3200" b="0" i="0" u="none" strike="noStrike" cap="none" normalizeH="0" baseline="0" dirty="0">
+                <a:ln>
+                  <a:noFill/>
+                </a:ln>
+                <a:solidFill>
+                  <a:srgbClr val="000000"/>
+                </a:solidFill>
+                <a:effectLst/>
+                <a:latin typeface="Consolas" panose="020B0609020204030204" pitchFamily="49" charset="0"/>
+              </a:rPr>
+              <a:t>      </a:t>
+            </a:r>
+            <a:r>
+              <a:rPr kumimoji="0" lang="zh-CN" altLang="zh-CN" sz="3200" b="1" i="0" u="none" strike="noStrike" cap="none" normalizeH="0" baseline="0" dirty="0">
+                <a:ln>
+                  <a:noFill/>
+                </a:ln>
+                <a:solidFill>
+                  <a:srgbClr val="000080"/>
+                </a:solidFill>
+                <a:effectLst/>
+                <a:latin typeface="Consolas" panose="020B0609020204030204" pitchFamily="49" charset="0"/>
+              </a:rPr>
+              <a:t>return </a:t>
+            </a:r>
+            <a:r>
+              <a:rPr kumimoji="0" lang="zh-CN" altLang="zh-CN" sz="3200" b="0" i="0" u="none" strike="noStrike" cap="none" normalizeH="0" baseline="0" dirty="0">
+                <a:ln>
+                  <a:noFill/>
+                </a:ln>
+                <a:solidFill>
+                  <a:srgbClr val="000000"/>
+                </a:solidFill>
+                <a:effectLst/>
+                <a:latin typeface="Consolas" panose="020B0609020204030204" pitchFamily="49" charset="0"/>
+              </a:rPr>
+              <a:t>OptimizationReason::kDoNotOptimize;</a:t>
             </a:r>
             <a:br>
-              <a:rPr kumimoji="0" lang="zh-CN" altLang="zh-CN" sz="2400" b="0" i="0" u="none" strike="noStrike" cap="none" normalizeH="0" baseline="0" dirty="0">
+              <a:rPr kumimoji="0" lang="zh-CN" altLang="zh-CN" sz="3200" b="0" i="0" u="none" strike="noStrike" cap="none" normalizeH="0" baseline="0" dirty="0">
                 <a:ln>
                   <a:noFill/>
                 </a:ln>
@@ -8059,46 +8357,20 @@
               </a:rPr>
             </a:br>
             <a:r>
-              <a:rPr kumimoji="0" lang="zh-CN" altLang="zh-CN" sz="2400" b="0" i="0" u="none" strike="noStrike" cap="none" normalizeH="0" baseline="0" dirty="0">
-                <a:ln>
-                  <a:noFill/>
-                </a:ln>
-                <a:solidFill>
-                  <a:srgbClr val="000000"/>
-                </a:solidFill>
-                <a:effectLst/>
-                <a:latin typeface="Consolas" panose="020B0609020204030204" pitchFamily="49" charset="0"/>
-              </a:rPr>
-              <a:t>    </a:t>
-            </a:r>
-            <a:r>
-              <a:rPr kumimoji="0" lang="zh-CN" altLang="zh-CN" sz="2400" b="1" i="0" u="none" strike="noStrike" cap="none" normalizeH="0" baseline="0" dirty="0">
-                <a:ln>
-                  <a:noFill/>
-                </a:ln>
-                <a:solidFill>
-                  <a:srgbClr val="000080"/>
-                </a:solidFill>
-                <a:effectLst/>
-                <a:latin typeface="Consolas" panose="020B0609020204030204" pitchFamily="49" charset="0"/>
-              </a:rPr>
-              <a:t>return </a:t>
-            </a:r>
-            <a:r>
-              <a:rPr kumimoji="0" lang="zh-CN" altLang="zh-CN" sz="2400" b="0" i="0" u="none" strike="noStrike" cap="none" normalizeH="0" baseline="0" dirty="0">
-                <a:ln>
-                  <a:noFill/>
-                </a:ln>
-                <a:solidFill>
-                  <a:srgbClr val="000000"/>
-                </a:solidFill>
-                <a:effectLst/>
-                <a:latin typeface="Consolas" panose="020B0609020204030204" pitchFamily="49" charset="0"/>
-              </a:rPr>
-              <a:t>AbortOptimization(BailoutReason::kFunctionTooBig);</a:t>
+              <a:rPr kumimoji="0" lang="zh-CN" altLang="zh-CN" sz="3200" b="0" i="0" u="none" strike="noStrike" cap="none" normalizeH="0" baseline="0" dirty="0">
+                <a:ln>
+                  <a:noFill/>
+                </a:ln>
+                <a:solidFill>
+                  <a:srgbClr val="000000"/>
+                </a:solidFill>
+                <a:effectLst/>
+                <a:latin typeface="Consolas" panose="020B0609020204030204" pitchFamily="49" charset="0"/>
+              </a:rPr>
+              <a:t>  }</a:t>
             </a:r>
             <a:br>
-              <a:rPr kumimoji="0" lang="zh-CN" altLang="zh-CN" sz="2400" b="0" i="0" u="none" strike="noStrike" cap="none" normalizeH="0" baseline="0" dirty="0">
+              <a:rPr kumimoji="0" lang="zh-CN" altLang="zh-CN" sz="3200" b="0" i="0" u="none" strike="noStrike" cap="none" normalizeH="0" baseline="0" dirty="0">
                 <a:ln>
                   <a:noFill/>
                 </a:ln>
@@ -8110,7 +8382,7 @@
               </a:rPr>
             </a:br>
             <a:r>
-              <a:rPr kumimoji="0" lang="zh-CN" altLang="zh-CN" sz="2400" b="0" i="0" u="none" strike="noStrike" cap="none" normalizeH="0" baseline="0" dirty="0">
+              <a:rPr kumimoji="0" lang="zh-CN" altLang="zh-CN" sz="3200" b="0" i="0" u="none" strike="noStrike" cap="none" normalizeH="0" baseline="0" dirty="0">
                 <a:ln>
                   <a:noFill/>
                 </a:ln>
@@ -8122,7 +8394,7 @@
               </a:rPr>
               <a:t>}</a:t>
             </a:r>
-            <a:endParaRPr kumimoji="0" lang="zh-CN" altLang="zh-CN" sz="4800" b="0" i="0" u="none" strike="noStrike" cap="none" normalizeH="0" baseline="0" dirty="0">
+            <a:endParaRPr kumimoji="0" lang="zh-CN" altLang="zh-CN" sz="6600" b="0" i="0" u="none" strike="noStrike" cap="none" normalizeH="0" baseline="0" dirty="0">
               <a:ln>
                 <a:noFill/>
               </a:ln>
@@ -8135,473 +8407,10 @@
           </a:p>
         </p:txBody>
       </p:sp>
-      <p:sp>
-        <p:nvSpPr>
-          <p:cNvPr id="8" name="矩形 7">
-            <a:extLst>
-              <a:ext uri="{FF2B5EF4-FFF2-40B4-BE49-F238E27FC236}">
-                <a16:creationId xmlns:a16="http://schemas.microsoft.com/office/drawing/2014/main" id="{3474EF89-B6FA-4754-AB7E-A70672232CD5}"/>
-              </a:ext>
-            </a:extLst>
-          </p:cNvPr>
-          <p:cNvSpPr/>
-          <p:nvPr/>
-        </p:nvSpPr>
-        <p:spPr>
-          <a:xfrm>
-            <a:off x="10589948" y="7083365"/>
-            <a:ext cx="7190052" cy="646331"/>
-          </a:xfrm>
-          <a:prstGeom prst="rect">
-            <a:avLst/>
-          </a:prstGeom>
-        </p:spPr>
-        <p:txBody>
-          <a:bodyPr wrap="square">
-            <a:spAutoFit/>
-          </a:bodyPr>
-          <a:lstStyle/>
-          <a:p>
-            <a:r>
-              <a:rPr lang="en-US" altLang="zh-CN" sz="3600" dirty="0">
-                <a:hlinkClick r:id="rId5"/>
-              </a:rPr>
-              <a:t>/deps/v8/src/compiler/pipeline.cc</a:t>
-            </a:r>
-            <a:endParaRPr lang="zh-CN" altLang="en-US" sz="3600" dirty="0"/>
-          </a:p>
-        </p:txBody>
-      </p:sp>
     </p:spTree>
     <p:extLst>
       <p:ext uri="{BB962C8B-B14F-4D97-AF65-F5344CB8AC3E}">
         <p14:creationId xmlns:p14="http://schemas.microsoft.com/office/powerpoint/2010/main" val="3433330246"/>
-      </p:ext>
-    </p:extLst>
-  </p:cSld>
-  <p:clrMapOvr>
-    <a:masterClrMapping/>
-  </p:clrMapOvr>
-  <p:transition spd="slow"/>
-</p:sld>
-</file>
-
-<file path=ppt/slides/slide14.xml><?xml version="1.0" encoding="utf-8"?>
-<p:sld xmlns:a="http://schemas.openxmlformats.org/drawingml/2006/main" xmlns:r="http://schemas.openxmlformats.org/officeDocument/2006/relationships" xmlns:p="http://schemas.openxmlformats.org/presentationml/2006/main">
-  <p:cSld>
-    <p:spTree>
-      <p:nvGrpSpPr>
-        <p:cNvPr id="1" name=""/>
-        <p:cNvGrpSpPr/>
-        <p:nvPr/>
-      </p:nvGrpSpPr>
-      <p:grpSpPr>
-        <a:xfrm>
-          <a:off x="0" y="0"/>
-          <a:ext cx="0" cy="0"/>
-          <a:chOff x="0" y="0"/>
-          <a:chExt cx="0" cy="0"/>
-        </a:xfrm>
-      </p:grpSpPr>
-      <p:pic>
-        <p:nvPicPr>
-          <p:cNvPr id="3" name="图片 2">
-            <a:extLst>
-              <a:ext uri="{FF2B5EF4-FFF2-40B4-BE49-F238E27FC236}">
-                <a16:creationId xmlns:a16="http://schemas.microsoft.com/office/drawing/2014/main" id="{3F6F4187-7439-42D9-BC45-8A71FF23D7D5}"/>
-              </a:ext>
-            </a:extLst>
-          </p:cNvPr>
-          <p:cNvPicPr>
-            <a:picLocks noChangeAspect="1"/>
-          </p:cNvPicPr>
-          <p:nvPr/>
-        </p:nvPicPr>
-        <p:blipFill>
-          <a:blip r:embed="rId3"/>
-          <a:stretch>
-            <a:fillRect/>
-          </a:stretch>
-        </p:blipFill>
-        <p:spPr>
-          <a:xfrm>
-            <a:off x="6058331" y="3421646"/>
-            <a:ext cx="15744130" cy="8921044"/>
-          </a:xfrm>
-          <a:prstGeom prst="rect">
-            <a:avLst/>
-          </a:prstGeom>
-        </p:spPr>
-      </p:pic>
-      <p:pic>
-        <p:nvPicPr>
-          <p:cNvPr id="142" name="pasted-image.pdf"/>
-          <p:cNvPicPr>
-            <a:picLocks noChangeAspect="1"/>
-          </p:cNvPicPr>
-          <p:nvPr/>
-        </p:nvPicPr>
-        <p:blipFill>
-          <a:blip r:embed="rId4"/>
-          <a:srcRect b="82595"/>
-          <a:stretch>
-            <a:fillRect/>
-          </a:stretch>
-        </p:blipFill>
-        <p:spPr>
-          <a:xfrm>
-            <a:off x="159" y="-37844"/>
-            <a:ext cx="24383841" cy="2387243"/>
-          </a:xfrm>
-          <a:prstGeom prst="rect">
-            <a:avLst/>
-          </a:prstGeom>
-          <a:ln w="12700">
-            <a:miter lim="400000"/>
-            <a:headEnd/>
-            <a:tailEnd/>
-          </a:ln>
-        </p:spPr>
-      </p:pic>
-      <p:sp>
-        <p:nvSpPr>
-          <p:cNvPr id="143" name="Shape 143" descr="NETEASE…"/>
-          <p:cNvSpPr/>
-          <p:nvPr/>
-        </p:nvSpPr>
-        <p:spPr>
-          <a:xfrm>
-            <a:off x="1144625" y="688962"/>
-            <a:ext cx="7213513" cy="933589"/>
-          </a:xfrm>
-          <a:prstGeom prst="rect">
-            <a:avLst/>
-          </a:prstGeom>
-          <a:ln w="12700">
-            <a:miter lim="400000"/>
-          </a:ln>
-        </p:spPr>
-        <p:txBody>
-          <a:bodyPr wrap="none" lIns="50800" tIns="50800" rIns="50800" bIns="50800" anchor="ctr">
-            <a:spAutoFit/>
-          </a:bodyPr>
-          <a:lstStyle>
-            <a:lvl1pPr algn="l">
-              <a:defRPr sz="5000">
-                <a:solidFill>
-                  <a:srgbClr val="FFFFFF"/>
-                </a:solidFill>
-                <a:latin typeface="PingFang SC Regular"/>
-                <a:ea typeface="PingFang SC Regular"/>
-                <a:cs typeface="PingFang SC Regular"/>
-                <a:sym typeface="PingFang SC Regular"/>
-              </a:defRPr>
-            </a:lvl1pPr>
-          </a:lstStyle>
-          <a:p>
-            <a:r>
-              <a:rPr lang="en-US" altLang="zh-CN" sz="5400" b="1" dirty="0"/>
-              <a:t>V8 </a:t>
-            </a:r>
-            <a:r>
-              <a:rPr lang="zh-CN" altLang="en-US" sz="5400" b="1" dirty="0"/>
-              <a:t>背景介绍</a:t>
-            </a:r>
-            <a:r>
-              <a:rPr lang="zh-CN" altLang="en-US" sz="5400" b="1" dirty="0">
-                <a:solidFill>
-                  <a:srgbClr val="000000"/>
-                </a:solidFill>
-                <a:latin typeface="Helvetica Neue Medium"/>
-                <a:sym typeface="Helvetica Neue Medium"/>
-              </a:rPr>
-              <a:t> </a:t>
-            </a:r>
-            <a:r>
-              <a:rPr lang="en-US" altLang="zh-CN" sz="5400" b="1" dirty="0">
-                <a:solidFill>
-                  <a:schemeClr val="bg1"/>
-                </a:solidFill>
-                <a:latin typeface="Helvetica Neue Medium"/>
-                <a:ea typeface="Helvetica Neue Medium"/>
-                <a:cs typeface="Helvetica Neue Medium"/>
-                <a:sym typeface="Helvetica Neue Medium"/>
-              </a:rPr>
-              <a:t>–</a:t>
-            </a:r>
-            <a:r>
-              <a:rPr lang="zh-CN" altLang="en-US" sz="5400" b="1" dirty="0">
-                <a:solidFill>
-                  <a:schemeClr val="bg1"/>
-                </a:solidFill>
-                <a:latin typeface="Helvetica Neue Medium"/>
-                <a:ea typeface="Helvetica Neue Medium"/>
-                <a:cs typeface="Helvetica Neue Medium"/>
-                <a:sym typeface="Helvetica Neue Medium"/>
-              </a:rPr>
-              <a:t> </a:t>
-            </a:r>
-            <a:r>
-              <a:rPr lang="en-US" altLang="zh-CN" sz="5400" b="1" dirty="0">
-                <a:solidFill>
-                  <a:schemeClr val="bg1"/>
-                </a:solidFill>
-                <a:latin typeface="Helvetica Neue Medium"/>
-                <a:ea typeface="Helvetica Neue Medium"/>
-                <a:cs typeface="Helvetica Neue Medium"/>
-                <a:sym typeface="Helvetica Neue Medium"/>
-              </a:rPr>
-              <a:t>Pipeline</a:t>
-            </a:r>
-            <a:endParaRPr lang="zh-CN" altLang="en-US" sz="5400" b="1" dirty="0">
-              <a:solidFill>
-                <a:schemeClr val="bg1"/>
-              </a:solidFill>
-              <a:latin typeface="Helvetica Neue Medium"/>
-              <a:ea typeface="Helvetica Neue Medium"/>
-              <a:cs typeface="Helvetica Neue Medium"/>
-              <a:sym typeface="Helvetica Neue Medium"/>
-            </a:endParaRPr>
-          </a:p>
-        </p:txBody>
-      </p:sp>
-      <p:pic>
-        <p:nvPicPr>
-          <p:cNvPr id="144" name="pasted-image.pdf"/>
-          <p:cNvPicPr>
-            <a:picLocks noChangeAspect="1"/>
-          </p:cNvPicPr>
-          <p:nvPr/>
-        </p:nvPicPr>
-        <p:blipFill>
-          <a:blip r:embed="rId5"/>
-          <a:stretch>
-            <a:fillRect/>
-          </a:stretch>
-        </p:blipFill>
-        <p:spPr>
-          <a:xfrm>
-            <a:off x="19446721" y="813865"/>
-            <a:ext cx="3670301" cy="683785"/>
-          </a:xfrm>
-          <a:prstGeom prst="rect">
-            <a:avLst/>
-          </a:prstGeom>
-          <a:ln w="12700">
-            <a:miter lim="400000"/>
-            <a:headEnd/>
-            <a:tailEnd/>
-          </a:ln>
-        </p:spPr>
-      </p:pic>
-      <p:sp>
-        <p:nvSpPr>
-          <p:cNvPr id="8" name="文本框 7">
-            <a:extLst>
-              <a:ext uri="{FF2B5EF4-FFF2-40B4-BE49-F238E27FC236}">
-                <a16:creationId xmlns:a16="http://schemas.microsoft.com/office/drawing/2014/main" id="{3A4F8B65-4392-4D89-8D14-2AC1C2894CCC}"/>
-              </a:ext>
-            </a:extLst>
-          </p:cNvPr>
-          <p:cNvSpPr txBox="1"/>
-          <p:nvPr/>
-        </p:nvSpPr>
-        <p:spPr>
-          <a:xfrm>
-            <a:off x="2581539" y="7112426"/>
-            <a:ext cx="8167741" cy="1487587"/>
-          </a:xfrm>
-          <a:prstGeom prst="rect">
-            <a:avLst/>
-          </a:prstGeom>
-          <a:noFill/>
-          <a:ln w="12700" cap="flat">
-            <a:noFill/>
-            <a:miter lim="400000"/>
-          </a:ln>
-        </p:spPr>
-        <p:style>
-          <a:lnRef idx="0">
-            <a:scrgbClr r="0" g="0" b="0"/>
-          </a:lnRef>
-          <a:fillRef idx="0">
-            <a:scrgbClr r="0" g="0" b="0"/>
-          </a:fillRef>
-          <a:effectRef idx="0">
-            <a:scrgbClr r="0" g="0" b="0"/>
-          </a:effectRef>
-          <a:fontRef idx="none"/>
-        </p:style>
-        <p:txBody>
-          <a:bodyPr rot="0" spcFirstLastPara="1" vertOverflow="overflow" horzOverflow="overflow" vert="horz" wrap="square" lIns="50800" tIns="50800" rIns="50800" bIns="50800" numCol="1" spcCol="38100" rtlCol="0" anchor="ctr">
-            <a:spAutoFit/>
-          </a:bodyPr>
-          <a:lstStyle/>
-          <a:p>
-            <a:pPr marL="0" marR="0" indent="0" algn="l" defTabSz="825500" rtl="0" fontAlgn="auto" latinLnBrk="0" hangingPunct="0">
-              <a:lnSpc>
-                <a:spcPct val="100000"/>
-              </a:lnSpc>
-              <a:spcBef>
-                <a:spcPts val="0"/>
-              </a:spcBef>
-              <a:spcAft>
-                <a:spcPts val="0"/>
-              </a:spcAft>
-              <a:buClrTx/>
-              <a:buSzTx/>
-              <a:buFontTx/>
-              <a:buNone/>
-            </a:pPr>
-            <a:r>
-              <a:rPr kumimoji="0" lang="en-US" altLang="zh-CN" sz="3000" b="1" i="0" u="none" strike="noStrike" cap="none" spc="0" normalizeH="0" baseline="0" dirty="0">
-                <a:ln>
-                  <a:noFill/>
-                </a:ln>
-                <a:solidFill>
-                  <a:srgbClr val="000000"/>
-                </a:solidFill>
-                <a:effectLst/>
-                <a:uFillTx/>
-                <a:latin typeface="微软雅黑" panose="020B0503020204020204" pitchFamily="34" charset="-122"/>
-                <a:ea typeface="微软雅黑" panose="020B0503020204020204" pitchFamily="34" charset="-122"/>
-                <a:sym typeface="Helvetica Neue Medium"/>
-              </a:rPr>
-              <a:t>V8 </a:t>
-            </a:r>
-            <a:r>
-              <a:rPr kumimoji="0" lang="zh-CN" altLang="en-US" sz="3000" b="1" i="0" u="none" strike="noStrike" cap="none" spc="0" normalizeH="0" baseline="0" dirty="0">
-                <a:ln>
-                  <a:noFill/>
-                </a:ln>
-                <a:solidFill>
-                  <a:srgbClr val="000000"/>
-                </a:solidFill>
-                <a:effectLst/>
-                <a:uFillTx/>
-                <a:latin typeface="微软雅黑" panose="020B0503020204020204" pitchFamily="34" charset="-122"/>
-                <a:ea typeface="微软雅黑" panose="020B0503020204020204" pitchFamily="34" charset="-122"/>
-                <a:sym typeface="Helvetica Neue Medium"/>
-              </a:rPr>
-              <a:t>解释器：</a:t>
-            </a:r>
-            <a:r>
-              <a:rPr kumimoji="0" lang="en-US" altLang="zh-CN" sz="3000" b="1" i="0" u="none" strike="noStrike" cap="none" spc="0" normalizeH="0" baseline="0" dirty="0">
-                <a:ln>
-                  <a:noFill/>
-                </a:ln>
-                <a:solidFill>
-                  <a:srgbClr val="000000"/>
-                </a:solidFill>
-                <a:effectLst/>
-                <a:uFillTx/>
-                <a:latin typeface="微软雅黑" panose="020B0503020204020204" pitchFamily="34" charset="-122"/>
-                <a:ea typeface="微软雅黑" panose="020B0503020204020204" pitchFamily="34" charset="-122"/>
-                <a:sym typeface="Helvetica Neue Medium"/>
-              </a:rPr>
-              <a:t>Ignition</a:t>
-            </a:r>
-            <a:r>
-              <a:rPr kumimoji="0" lang="zh-CN" altLang="en-US" sz="3000" b="1" i="0" u="none" strike="noStrike" cap="none" spc="0" normalizeH="0" baseline="0" dirty="0">
-                <a:ln>
-                  <a:noFill/>
-                </a:ln>
-                <a:solidFill>
-                  <a:srgbClr val="000000"/>
-                </a:solidFill>
-                <a:effectLst/>
-                <a:uFillTx/>
-                <a:latin typeface="微软雅黑" panose="020B0503020204020204" pitchFamily="34" charset="-122"/>
-                <a:ea typeface="微软雅黑" panose="020B0503020204020204" pitchFamily="34" charset="-122"/>
-                <a:sym typeface="Helvetica Neue Medium"/>
-              </a:rPr>
-              <a:t>（点火装置）</a:t>
-            </a:r>
-            <a:endParaRPr kumimoji="0" lang="en-US" altLang="zh-CN" sz="3000" b="1" i="0" u="none" strike="noStrike" cap="none" spc="0" normalizeH="0" baseline="0" dirty="0">
-              <a:ln>
-                <a:noFill/>
-              </a:ln>
-              <a:solidFill>
-                <a:srgbClr val="000000"/>
-              </a:solidFill>
-              <a:effectLst/>
-              <a:uFillTx/>
-              <a:latin typeface="微软雅黑" panose="020B0503020204020204" pitchFamily="34" charset="-122"/>
-              <a:ea typeface="微软雅黑" panose="020B0503020204020204" pitchFamily="34" charset="-122"/>
-              <a:sym typeface="Helvetica Neue Medium"/>
-            </a:endParaRPr>
-          </a:p>
-          <a:p>
-            <a:pPr marL="0" marR="0" indent="0" algn="l" defTabSz="825500" rtl="0" fontAlgn="auto" latinLnBrk="0" hangingPunct="0">
-              <a:lnSpc>
-                <a:spcPct val="100000"/>
-              </a:lnSpc>
-              <a:spcBef>
-                <a:spcPts val="0"/>
-              </a:spcBef>
-              <a:spcAft>
-                <a:spcPts val="0"/>
-              </a:spcAft>
-              <a:buClrTx/>
-              <a:buSzTx/>
-              <a:buFontTx/>
-              <a:buNone/>
-            </a:pPr>
-            <a:endParaRPr kumimoji="0" lang="en-US" altLang="zh-CN" sz="3000" b="1" i="0" u="none" strike="noStrike" cap="none" spc="0" normalizeH="0" baseline="0" dirty="0">
-              <a:ln>
-                <a:noFill/>
-              </a:ln>
-              <a:solidFill>
-                <a:srgbClr val="000000"/>
-              </a:solidFill>
-              <a:effectLst/>
-              <a:uFillTx/>
-              <a:latin typeface="微软雅黑" panose="020B0503020204020204" pitchFamily="34" charset="-122"/>
-              <a:ea typeface="微软雅黑" panose="020B0503020204020204" pitchFamily="34" charset="-122"/>
-              <a:sym typeface="Helvetica Neue Medium"/>
-            </a:endParaRPr>
-          </a:p>
-          <a:p>
-            <a:pPr algn="l"/>
-            <a:r>
-              <a:rPr lang="en-US" altLang="zh-CN" b="1" dirty="0">
-                <a:latin typeface="微软雅黑" panose="020B0503020204020204" pitchFamily="34" charset="-122"/>
-                <a:ea typeface="微软雅黑" panose="020B0503020204020204" pitchFamily="34" charset="-122"/>
-              </a:rPr>
-              <a:t>V8 </a:t>
-            </a:r>
-            <a:r>
-              <a:rPr lang="zh-CN" altLang="en-US" b="1" dirty="0">
-                <a:latin typeface="微软雅黑" panose="020B0503020204020204" pitchFamily="34" charset="-122"/>
-                <a:ea typeface="微软雅黑" panose="020B0503020204020204" pitchFamily="34" charset="-122"/>
-              </a:rPr>
-              <a:t>优化编译器：</a:t>
-            </a:r>
-            <a:r>
-              <a:rPr lang="en-US" altLang="zh-CN" b="1" dirty="0" err="1">
-                <a:latin typeface="微软雅黑" panose="020B0503020204020204" pitchFamily="34" charset="-122"/>
-                <a:ea typeface="微软雅黑" panose="020B0503020204020204" pitchFamily="34" charset="-122"/>
-              </a:rPr>
-              <a:t>TurboFan</a:t>
-            </a:r>
-            <a:r>
-              <a:rPr lang="zh-CN" altLang="en-US" b="1" dirty="0">
-                <a:latin typeface="微软雅黑" panose="020B0503020204020204" pitchFamily="34" charset="-122"/>
-                <a:ea typeface="微软雅黑" panose="020B0503020204020204" pitchFamily="34" charset="-122"/>
-              </a:rPr>
-              <a:t>（涡轮扇发动机）</a:t>
-            </a:r>
-            <a:endParaRPr lang="en-US" altLang="zh-CN" b="1" dirty="0">
-              <a:latin typeface="微软雅黑" panose="020B0503020204020204" pitchFamily="34" charset="-122"/>
-              <a:ea typeface="微软雅黑" panose="020B0503020204020204" pitchFamily="34" charset="-122"/>
-            </a:endParaRPr>
-          </a:p>
-        </p:txBody>
-      </p:sp>
-    </p:spTree>
-    <p:extLst>
-      <p:ext uri="{BB962C8B-B14F-4D97-AF65-F5344CB8AC3E}">
-        <p14:creationId xmlns:p14="http://schemas.microsoft.com/office/powerpoint/2010/main" val="3806741665"/>
       </p:ext>
     </p:extLst>
   </p:cSld>
@@ -10611,10 +10420,10 @@
       </p:pic>
       <p:pic>
         <p:nvPicPr>
-          <p:cNvPr id="7" name="图形 6">
+          <p:cNvPr id="3" name="图形 2">
             <a:extLst>
               <a:ext uri="{FF2B5EF4-FFF2-40B4-BE49-F238E27FC236}">
-                <a16:creationId xmlns:a16="http://schemas.microsoft.com/office/drawing/2014/main" id="{09EFB3A7-955D-4620-A1F3-E71DE02374AD}"/>
+                <a16:creationId xmlns:a16="http://schemas.microsoft.com/office/drawing/2014/main" id="{ED83541B-829A-4430-B60F-D9671AB1E127}"/>
               </a:ext>
             </a:extLst>
           </p:cNvPr>
@@ -10634,13 +10443,14 @@
               </a:ext>
             </a:extLst>
           </a:blip>
-          <a:srcRect/>
-          <a:stretch/>
+          <a:stretch>
+            <a:fillRect/>
+          </a:stretch>
         </p:blipFill>
         <p:spPr>
           <a:xfrm>
-            <a:off x="4568284" y="3737795"/>
-            <a:ext cx="15247272" cy="8576590"/>
+            <a:off x="3640627" y="3887237"/>
+            <a:ext cx="17102586" cy="9620204"/>
           </a:xfrm>
           <a:prstGeom prst="rect">
             <a:avLst/>
@@ -10678,6 +10488,45 @@
           <a:chExt cx="0" cy="0"/>
         </a:xfrm>
       </p:grpSpPr>
+      <p:sp>
+        <p:nvSpPr>
+          <p:cNvPr id="139" name="Shape 139"/>
+          <p:cNvSpPr/>
+          <p:nvPr/>
+        </p:nvSpPr>
+        <p:spPr>
+          <a:xfrm>
+            <a:off x="1233525" y="6619706"/>
+            <a:ext cx="102657" cy="570734"/>
+          </a:xfrm>
+          <a:prstGeom prst="rect">
+            <a:avLst/>
+          </a:prstGeom>
+          <a:ln w="12700">
+            <a:miter lim="400000"/>
+          </a:ln>
+        </p:spPr>
+        <p:txBody>
+          <a:bodyPr wrap="none" lIns="50800" tIns="50800" rIns="50800" bIns="50800">
+            <a:spAutoFit/>
+          </a:bodyPr>
+          <a:lstStyle/>
+          <a:p>
+            <a:pPr algn="l">
+              <a:lnSpc>
+                <a:spcPct val="160000"/>
+              </a:lnSpc>
+              <a:defRPr sz="2200">
+                <a:latin typeface="+mj-lt"/>
+                <a:ea typeface="+mj-ea"/>
+                <a:cs typeface="+mj-cs"/>
+                <a:sym typeface="Helvetica Neue" panose="02000503000000020004"/>
+              </a:defRPr>
+            </a:pPr>
+            <a:endParaRPr dirty="0"/>
+          </a:p>
+        </p:txBody>
+      </p:sp>
       <p:pic>
         <p:nvPicPr>
           <p:cNvPr id="142" name="pasted-image.pdf"/>
@@ -10716,8 +10565,8 @@
         </p:nvSpPr>
         <p:spPr>
           <a:xfrm>
-            <a:off x="1144625" y="689667"/>
-            <a:ext cx="1475740" cy="932180"/>
+            <a:off x="1144624" y="688962"/>
+            <a:ext cx="13685281" cy="933589"/>
           </a:xfrm>
           <a:prstGeom prst="rect">
             <a:avLst/>
@@ -10727,7 +10576,7 @@
           </a:ln>
         </p:spPr>
         <p:txBody>
-          <a:bodyPr wrap="none" lIns="50800" tIns="50800" rIns="50800" bIns="50800" anchor="ctr">
+          <a:bodyPr wrap="square" lIns="50800" tIns="50800" rIns="50800" bIns="50800" anchor="ctr">
             <a:spAutoFit/>
           </a:bodyPr>
           <a:lstStyle>
@@ -10744,9 +10593,16 @@
             </a:lvl1pPr>
           </a:lstStyle>
           <a:p>
-            <a:pPr algn="l"/>
-            <a:r>
-              <a:rPr lang="zh-CN" altLang="en-US" sz="5400" b="1">
+            <a:r>
+              <a:rPr lang="zh-CN" altLang="en-US" sz="5400" b="1" dirty="0"/>
+              <a:t>性能优化机制</a:t>
+            </a:r>
+            <a:r>
+              <a:rPr lang="en-US" altLang="zh-CN" sz="5400" b="1" dirty="0"/>
+              <a:t> </a:t>
+            </a:r>
+            <a:r>
+              <a:rPr lang="en-US" altLang="zh-CN" sz="5400" b="1" dirty="0">
                 <a:solidFill>
                   <a:schemeClr val="bg1"/>
                 </a:solidFill>
@@ -10755,7 +10611,43 @@
                 <a:cs typeface="Helvetica Neue Medium"/>
                 <a:sym typeface="Helvetica Neue Medium"/>
               </a:rPr>
-              <a:t>总结</a:t>
+              <a:t>– </a:t>
+            </a:r>
+            <a:r>
+              <a:rPr lang="zh-CN" altLang="en-US" sz="5400" b="1" dirty="0">
+                <a:solidFill>
+                  <a:schemeClr val="bg1"/>
+                </a:solidFill>
+                <a:latin typeface="Helvetica Neue Medium"/>
+                <a:ea typeface="Helvetica Neue Medium"/>
+                <a:cs typeface="Helvetica Neue Medium"/>
+                <a:sym typeface="Helvetica Neue Medium"/>
+              </a:rPr>
+              <a:t>内联缓存（</a:t>
+            </a:r>
+            <a:r>
+              <a:rPr lang="en-US" altLang="zh-CN" sz="5400" b="1" dirty="0">
+                <a:solidFill>
+                  <a:schemeClr val="bg1"/>
+                </a:solidFill>
+                <a:latin typeface="Helvetica Neue Medium"/>
+                <a:ea typeface="Helvetica Neue Medium"/>
+                <a:cs typeface="Helvetica Neue Medium"/>
+                <a:sym typeface="Helvetica Neue Medium"/>
+              </a:rPr>
+              <a:t>Inline Cache</a:t>
+            </a:r>
+            <a:r>
+              <a:rPr lang="zh-CN" altLang="en-US" sz="5400" b="1" dirty="0">
+                <a:solidFill>
+                  <a:schemeClr val="bg1"/>
+                </a:solidFill>
+                <a:latin typeface="Helvetica Neue Medium"/>
+                <a:ea typeface="Helvetica Neue Medium"/>
+                <a:cs typeface="Helvetica Neue Medium"/>
+                <a:sym typeface="Helvetica Neue Medium"/>
+              </a:rPr>
+              <a:t>）</a:t>
             </a:r>
           </a:p>
         </p:txBody>
@@ -10789,157 +10681,51 @@
           </a:ln>
         </p:spPr>
       </p:pic>
-      <p:sp>
-        <p:nvSpPr>
-          <p:cNvPr id="2" name="文本框 1"/>
-          <p:cNvSpPr txBox="1"/>
+      <p:pic>
+        <p:nvPicPr>
+          <p:cNvPr id="4" name="图形 3">
+            <a:extLst>
+              <a:ext uri="{FF2B5EF4-FFF2-40B4-BE49-F238E27FC236}">
+                <a16:creationId xmlns:a16="http://schemas.microsoft.com/office/drawing/2014/main" id="{417D9DB3-A38C-4EA9-B3F2-DFB81DFC6A17}"/>
+              </a:ext>
+            </a:extLst>
+          </p:cNvPr>
+          <p:cNvPicPr>
+            <a:picLocks noChangeAspect="1"/>
+          </p:cNvPicPr>
           <p:nvPr/>
-        </p:nvSpPr>
+        </p:nvPicPr>
+        <p:blipFill>
+          <a:blip r:embed="rId5">
+            <a:extLst>
+              <a:ext uri="{28A0092B-C50C-407E-A947-70E740481C1C}">
+                <a14:useLocalDpi xmlns:a14="http://schemas.microsoft.com/office/drawing/2010/main" val="0"/>
+              </a:ext>
+              <a:ext uri="{96DAC541-7B7A-43D3-8B79-37D633B846F1}">
+                <asvg:svgBlip xmlns:asvg="http://schemas.microsoft.com/office/drawing/2016/SVG/main" r:embed="rId6"/>
+              </a:ext>
+            </a:extLst>
+          </a:blip>
+          <a:stretch>
+            <a:fillRect/>
+          </a:stretch>
+        </p:blipFill>
         <p:spPr>
           <a:xfrm>
-            <a:off x="1144905" y="3131882"/>
-            <a:ext cx="20107275" cy="3795911"/>
+            <a:off x="4153895" y="3105589"/>
+            <a:ext cx="16076210" cy="9042868"/>
           </a:xfrm>
           <a:prstGeom prst="rect">
             <a:avLst/>
           </a:prstGeom>
-          <a:noFill/>
-          <a:ln w="12700" cap="flat">
-            <a:noFill/>
-            <a:miter lim="400000"/>
-          </a:ln>
         </p:spPr>
-        <p:style>
-          <a:lnRef idx="0">
-            <a:scrgbClr r="0" g="0" b="0"/>
-          </a:lnRef>
-          <a:fillRef idx="0">
-            <a:scrgbClr r="0" g="0" b="0"/>
-          </a:fillRef>
-          <a:effectRef idx="0">
-            <a:scrgbClr r="0" g="0" b="0"/>
-          </a:effectRef>
-          <a:fontRef idx="none"/>
-        </p:style>
-        <p:txBody>
-          <a:bodyPr rot="0" vertOverflow="overflow" horzOverflow="overflow" vert="horz" wrap="square" lIns="50800" tIns="50800" rIns="50800" bIns="50800" numCol="1" spcCol="38100" rtlCol="0" anchor="ctr" forceAA="0">
-            <a:spAutoFit/>
-          </a:bodyPr>
-          <a:lstStyle/>
-          <a:p>
-            <a:pPr marL="742950" indent="-742950" algn="l">
-              <a:buFontTx/>
-              <a:buAutoNum type="arabicPeriod"/>
-            </a:pPr>
-            <a:r>
-              <a:rPr lang="zh-CN" altLang="en-US" sz="4000" b="1" dirty="0">
-                <a:latin typeface="微软雅黑" panose="020B0503020204020204" pitchFamily="34" charset="-122"/>
-                <a:ea typeface="微软雅黑" panose="020B0503020204020204" pitchFamily="34" charset="-122"/>
-              </a:rPr>
-              <a:t>尽量写小而美的函数（</a:t>
-            </a:r>
-            <a:r>
-              <a:rPr lang="en-US" altLang="zh-CN" sz="4000" b="1" dirty="0">
-                <a:latin typeface="微软雅黑" panose="020B0503020204020204" pitchFamily="34" charset="-122"/>
-                <a:ea typeface="微软雅黑" panose="020B0503020204020204" pitchFamily="34" charset="-122"/>
-              </a:rPr>
-              <a:t>60KB</a:t>
-            </a:r>
-            <a:r>
-              <a:rPr lang="zh-CN" altLang="en-US" sz="4000" b="1" dirty="0">
-                <a:latin typeface="微软雅黑" panose="020B0503020204020204" pitchFamily="34" charset="-122"/>
-                <a:ea typeface="微软雅黑" panose="020B0503020204020204" pitchFamily="34" charset="-122"/>
-              </a:rPr>
-              <a:t>限制）</a:t>
-            </a:r>
-            <a:endParaRPr lang="en-US" altLang="zh-CN" sz="4000" b="1" dirty="0">
-              <a:latin typeface="微软雅黑" panose="020B0503020204020204" pitchFamily="34" charset="-122"/>
-              <a:ea typeface="微软雅黑" panose="020B0503020204020204" pitchFamily="34" charset="-122"/>
-            </a:endParaRPr>
-          </a:p>
-          <a:p>
-            <a:pPr marL="742950" indent="-742950" algn="l">
-              <a:buFontTx/>
-              <a:buAutoNum type="arabicPeriod"/>
-            </a:pPr>
-            <a:endParaRPr lang="en-US" altLang="zh-CN" sz="4000" b="1" dirty="0">
-              <a:latin typeface="微软雅黑" panose="020B0503020204020204" pitchFamily="34" charset="-122"/>
-              <a:ea typeface="微软雅黑" panose="020B0503020204020204" pitchFamily="34" charset="-122"/>
-            </a:endParaRPr>
-          </a:p>
-          <a:p>
-            <a:pPr marL="742950" indent="-742950" algn="l">
-              <a:buAutoNum type="arabicPeriod"/>
-            </a:pPr>
-            <a:r>
-              <a:rPr lang="zh-CN" altLang="en-US" sz="4000" b="1" dirty="0">
-                <a:latin typeface="微软雅黑" panose="020B0503020204020204" pitchFamily="34" charset="-122"/>
-                <a:ea typeface="微软雅黑" panose="020B0503020204020204" pitchFamily="34" charset="-122"/>
-              </a:rPr>
-              <a:t>始终以相同顺序初始化对象</a:t>
-            </a:r>
-            <a:endParaRPr lang="en-US" altLang="zh-CN" sz="4000" b="1" dirty="0">
-              <a:latin typeface="微软雅黑" panose="020B0503020204020204" pitchFamily="34" charset="-122"/>
-              <a:ea typeface="微软雅黑" panose="020B0503020204020204" pitchFamily="34" charset="-122"/>
-            </a:endParaRPr>
-          </a:p>
-          <a:p>
-            <a:pPr marL="742950" indent="-742950" algn="l">
-              <a:buAutoNum type="arabicPeriod"/>
-            </a:pPr>
-            <a:endParaRPr lang="en-US" altLang="zh-CN" sz="4000" b="1" dirty="0">
-              <a:latin typeface="微软雅黑" panose="020B0503020204020204" pitchFamily="34" charset="-122"/>
-              <a:ea typeface="微软雅黑" panose="020B0503020204020204" pitchFamily="34" charset="-122"/>
-            </a:endParaRPr>
-          </a:p>
-          <a:p>
-            <a:pPr marL="742950" indent="-742950" algn="l">
-              <a:buAutoNum type="arabicPeriod"/>
-            </a:pPr>
-            <a:r>
-              <a:rPr lang="zh-CN" altLang="en-US" sz="4000" b="1" dirty="0">
-                <a:latin typeface="微软雅黑" panose="020B0503020204020204" pitchFamily="34" charset="-122"/>
-                <a:ea typeface="微软雅黑" panose="020B0503020204020204" pitchFamily="34" charset="-122"/>
-              </a:rPr>
-              <a:t>性能优化的必要性 </a:t>
-            </a:r>
-            <a:r>
-              <a:rPr lang="en-US" altLang="zh-CN" sz="4000" b="1" dirty="0">
-                <a:latin typeface="微软雅黑" panose="020B0503020204020204" pitchFamily="34" charset="-122"/>
-                <a:ea typeface="微软雅黑" panose="020B0503020204020204" pitchFamily="34" charset="-122"/>
-              </a:rPr>
-              <a:t>– </a:t>
-            </a:r>
-            <a:r>
-              <a:rPr lang="zh-CN" altLang="en-US" sz="4000" b="1" dirty="0">
-                <a:latin typeface="微软雅黑" panose="020B0503020204020204" pitchFamily="34" charset="-122"/>
-                <a:ea typeface="微软雅黑" panose="020B0503020204020204" pitchFamily="34" charset="-122"/>
-              </a:rPr>
-              <a:t>只是还没遇到</a:t>
-            </a:r>
-            <a:endParaRPr lang="en-US" altLang="zh-CN" sz="4000" b="1" dirty="0">
-              <a:latin typeface="微软雅黑" panose="020B0503020204020204" pitchFamily="34" charset="-122"/>
-              <a:ea typeface="微软雅黑" panose="020B0503020204020204" pitchFamily="34" charset="-122"/>
-            </a:endParaRPr>
-          </a:p>
-          <a:p>
-            <a:pPr algn="l"/>
-            <a:r>
-              <a:rPr lang="en-US" altLang="zh-CN" sz="4000" dirty="0">
-                <a:latin typeface="微软雅黑" panose="020B0503020204020204" pitchFamily="34" charset="-122"/>
-                <a:ea typeface="微软雅黑" panose="020B0503020204020204" pitchFamily="34" charset="-122"/>
-                <a:hlinkClick r:id="rId5"/>
-              </a:rPr>
-              <a:t>https://bugs.chromium.org/p/v8/issues/detail?id=8538</a:t>
-            </a:r>
-            <a:endParaRPr lang="en-US" altLang="zh-CN" sz="4000" b="1" dirty="0">
-              <a:latin typeface="微软雅黑" panose="020B0503020204020204" pitchFamily="34" charset="-122"/>
-              <a:ea typeface="微软雅黑" panose="020B0503020204020204" pitchFamily="34" charset="-122"/>
-            </a:endParaRPr>
-          </a:p>
-        </p:txBody>
-      </p:sp>
+      </p:pic>
     </p:spTree>
+    <p:extLst>
+      <p:ext uri="{BB962C8B-B14F-4D97-AF65-F5344CB8AC3E}">
+        <p14:creationId xmlns:p14="http://schemas.microsoft.com/office/powerpoint/2010/main" val="3493414382"/>
+      </p:ext>
+    </p:extLst>
   </p:cSld>
   <p:clrMapOvr>
     <a:masterClrMapping/>
@@ -11352,6 +11138,360 @@
         </p:nvSpPr>
         <p:spPr>
           <a:xfrm>
+            <a:off x="1144625" y="689667"/>
+            <a:ext cx="1475740" cy="932180"/>
+          </a:xfrm>
+          <a:prstGeom prst="rect">
+            <a:avLst/>
+          </a:prstGeom>
+          <a:ln w="12700">
+            <a:miter lim="400000"/>
+          </a:ln>
+        </p:spPr>
+        <p:txBody>
+          <a:bodyPr wrap="none" lIns="50800" tIns="50800" rIns="50800" bIns="50800" anchor="ctr">
+            <a:spAutoFit/>
+          </a:bodyPr>
+          <a:lstStyle>
+            <a:lvl1pPr algn="l">
+              <a:defRPr sz="5000">
+                <a:solidFill>
+                  <a:srgbClr val="FFFFFF"/>
+                </a:solidFill>
+                <a:latin typeface="PingFang SC Regular"/>
+                <a:ea typeface="PingFang SC Regular"/>
+                <a:cs typeface="PingFang SC Regular"/>
+                <a:sym typeface="PingFang SC Regular"/>
+              </a:defRPr>
+            </a:lvl1pPr>
+          </a:lstStyle>
+          <a:p>
+            <a:pPr algn="l"/>
+            <a:r>
+              <a:rPr lang="zh-CN" altLang="en-US" sz="5400" b="1">
+                <a:solidFill>
+                  <a:schemeClr val="bg1"/>
+                </a:solidFill>
+                <a:latin typeface="Helvetica Neue Medium"/>
+                <a:ea typeface="Helvetica Neue Medium"/>
+                <a:cs typeface="Helvetica Neue Medium"/>
+                <a:sym typeface="Helvetica Neue Medium"/>
+              </a:rPr>
+              <a:t>总结</a:t>
+            </a:r>
+          </a:p>
+        </p:txBody>
+      </p:sp>
+      <p:pic>
+        <p:nvPicPr>
+          <p:cNvPr id="144" name="pasted-image.pdf"/>
+          <p:cNvPicPr>
+            <a:picLocks noChangeAspect="1"/>
+          </p:cNvPicPr>
+          <p:nvPr/>
+        </p:nvPicPr>
+        <p:blipFill>
+          <a:blip r:embed="rId4"/>
+          <a:stretch>
+            <a:fillRect/>
+          </a:stretch>
+        </p:blipFill>
+        <p:spPr>
+          <a:xfrm>
+            <a:off x="19446721" y="813865"/>
+            <a:ext cx="3670301" cy="683785"/>
+          </a:xfrm>
+          <a:prstGeom prst="rect">
+            <a:avLst/>
+          </a:prstGeom>
+          <a:ln w="12700">
+            <a:miter lim="400000"/>
+            <a:headEnd/>
+            <a:tailEnd/>
+          </a:ln>
+        </p:spPr>
+      </p:pic>
+      <p:sp>
+        <p:nvSpPr>
+          <p:cNvPr id="2" name="文本框 1"/>
+          <p:cNvSpPr txBox="1"/>
+          <p:nvPr/>
+        </p:nvSpPr>
+        <p:spPr>
+          <a:xfrm>
+            <a:off x="1144905" y="2516330"/>
+            <a:ext cx="20107275" cy="5027017"/>
+          </a:xfrm>
+          <a:prstGeom prst="rect">
+            <a:avLst/>
+          </a:prstGeom>
+          <a:noFill/>
+          <a:ln w="12700" cap="flat">
+            <a:noFill/>
+            <a:miter lim="400000"/>
+          </a:ln>
+        </p:spPr>
+        <p:style>
+          <a:lnRef idx="0">
+            <a:scrgbClr r="0" g="0" b="0"/>
+          </a:lnRef>
+          <a:fillRef idx="0">
+            <a:scrgbClr r="0" g="0" b="0"/>
+          </a:fillRef>
+          <a:effectRef idx="0">
+            <a:scrgbClr r="0" g="0" b="0"/>
+          </a:effectRef>
+          <a:fontRef idx="none"/>
+        </p:style>
+        <p:txBody>
+          <a:bodyPr rot="0" vertOverflow="overflow" horzOverflow="overflow" vert="horz" wrap="square" lIns="50800" tIns="50800" rIns="50800" bIns="50800" numCol="1" spcCol="38100" rtlCol="0" anchor="ctr" forceAA="0">
+            <a:spAutoFit/>
+          </a:bodyPr>
+          <a:lstStyle/>
+          <a:p>
+            <a:pPr marL="742950" indent="-742950" algn="l">
+              <a:buFontTx/>
+              <a:buAutoNum type="arabicPeriod"/>
+            </a:pPr>
+            <a:r>
+              <a:rPr lang="zh-CN" altLang="en-US" sz="4000" b="1" dirty="0">
+                <a:latin typeface="微软雅黑" panose="020B0503020204020204" pitchFamily="34" charset="-122"/>
+                <a:ea typeface="微软雅黑" panose="020B0503020204020204" pitchFamily="34" charset="-122"/>
+              </a:rPr>
+              <a:t>尽量写小而美的函数（</a:t>
+            </a:r>
+            <a:r>
+              <a:rPr lang="en-US" altLang="zh-CN" sz="4000" b="1" dirty="0">
+                <a:latin typeface="微软雅黑" panose="020B0503020204020204" pitchFamily="34" charset="-122"/>
+                <a:ea typeface="微软雅黑" panose="020B0503020204020204" pitchFamily="34" charset="-122"/>
+              </a:rPr>
+              <a:t>60KB</a:t>
+            </a:r>
+            <a:r>
+              <a:rPr lang="zh-CN" altLang="en-US" sz="4000" b="1" dirty="0">
+                <a:latin typeface="微软雅黑" panose="020B0503020204020204" pitchFamily="34" charset="-122"/>
+                <a:ea typeface="微软雅黑" panose="020B0503020204020204" pitchFamily="34" charset="-122"/>
+              </a:rPr>
+              <a:t>限制，用构建工具可能会遇到）</a:t>
+            </a:r>
+            <a:endParaRPr lang="en-US" altLang="zh-CN" sz="4000" b="1" dirty="0">
+              <a:latin typeface="微软雅黑" panose="020B0503020204020204" pitchFamily="34" charset="-122"/>
+              <a:ea typeface="微软雅黑" panose="020B0503020204020204" pitchFamily="34" charset="-122"/>
+            </a:endParaRPr>
+          </a:p>
+          <a:p>
+            <a:pPr marL="742950" indent="-742950" algn="l">
+              <a:buFontTx/>
+              <a:buAutoNum type="arabicPeriod"/>
+            </a:pPr>
+            <a:endParaRPr lang="en-US" altLang="zh-CN" sz="4000" b="1" dirty="0">
+              <a:latin typeface="微软雅黑" panose="020B0503020204020204" pitchFamily="34" charset="-122"/>
+              <a:ea typeface="微软雅黑" panose="020B0503020204020204" pitchFamily="34" charset="-122"/>
+            </a:endParaRPr>
+          </a:p>
+          <a:p>
+            <a:pPr marL="742950" indent="-742950" algn="l">
+              <a:buAutoNum type="arabicPeriod"/>
+            </a:pPr>
+            <a:r>
+              <a:rPr lang="zh-CN" altLang="en-US" sz="4000" b="1" dirty="0">
+                <a:latin typeface="微软雅黑" panose="020B0503020204020204" pitchFamily="34" charset="-122"/>
+                <a:ea typeface="微软雅黑" panose="020B0503020204020204" pitchFamily="34" charset="-122"/>
+              </a:rPr>
+              <a:t>最好相同顺序初始化对象（减少不同类型</a:t>
+            </a:r>
+            <a:r>
+              <a:rPr lang="en-US" altLang="zh-CN" sz="4000" b="1" dirty="0">
+                <a:latin typeface="微软雅黑" panose="020B0503020204020204" pitchFamily="34" charset="-122"/>
+                <a:ea typeface="微软雅黑" panose="020B0503020204020204" pitchFamily="34" charset="-122"/>
+              </a:rPr>
+              <a:t>shape</a:t>
+            </a:r>
+            <a:r>
+              <a:rPr lang="zh-CN" altLang="en-US" sz="4000" b="1" dirty="0">
+                <a:latin typeface="微软雅黑" panose="020B0503020204020204" pitchFamily="34" charset="-122"/>
+                <a:ea typeface="微软雅黑" panose="020B0503020204020204" pitchFamily="34" charset="-122"/>
+              </a:rPr>
+              <a:t>的产生）</a:t>
+            </a:r>
+            <a:endParaRPr lang="en-US" altLang="zh-CN" sz="4000" b="1" dirty="0">
+              <a:latin typeface="微软雅黑" panose="020B0503020204020204" pitchFamily="34" charset="-122"/>
+              <a:ea typeface="微软雅黑" panose="020B0503020204020204" pitchFamily="34" charset="-122"/>
+            </a:endParaRPr>
+          </a:p>
+          <a:p>
+            <a:pPr marL="742950" indent="-742950" algn="l">
+              <a:buAutoNum type="arabicPeriod"/>
+            </a:pPr>
+            <a:endParaRPr lang="en-US" altLang="zh-CN" sz="4000" b="1" dirty="0">
+              <a:latin typeface="微软雅黑" panose="020B0503020204020204" pitchFamily="34" charset="-122"/>
+              <a:ea typeface="微软雅黑" panose="020B0503020204020204" pitchFamily="34" charset="-122"/>
+            </a:endParaRPr>
+          </a:p>
+          <a:p>
+            <a:pPr marL="742950" indent="-742950" algn="l">
+              <a:buAutoNum type="arabicPeriod"/>
+            </a:pPr>
+            <a:r>
+              <a:rPr lang="zh-CN" altLang="en-US" sz="4000" b="1" dirty="0">
+                <a:latin typeface="微软雅黑" panose="020B0503020204020204" pitchFamily="34" charset="-122"/>
+                <a:ea typeface="微软雅黑" panose="020B0503020204020204" pitchFamily="34" charset="-122"/>
+              </a:rPr>
+              <a:t>函数的返回类型最好是固定的</a:t>
+            </a:r>
+            <a:r>
+              <a:rPr lang="en-US" altLang="zh-CN" sz="4000" b="1" dirty="0">
+                <a:latin typeface="微软雅黑" panose="020B0503020204020204" pitchFamily="34" charset="-122"/>
+                <a:ea typeface="微软雅黑" panose="020B0503020204020204" pitchFamily="34" charset="-122"/>
+              </a:rPr>
+              <a:t>shape</a:t>
+            </a:r>
+            <a:r>
+              <a:rPr lang="zh-CN" altLang="en-US" sz="4000" b="1" dirty="0">
+                <a:latin typeface="微软雅黑" panose="020B0503020204020204" pitchFamily="34" charset="-122"/>
+                <a:ea typeface="微软雅黑" panose="020B0503020204020204" pitchFamily="34" charset="-122"/>
+              </a:rPr>
+              <a:t>（利用</a:t>
+            </a:r>
+            <a:r>
+              <a:rPr lang="en-US" altLang="zh-CN" sz="4000" b="1" dirty="0">
+                <a:latin typeface="微软雅黑" panose="020B0503020204020204" pitchFamily="34" charset="-122"/>
+                <a:ea typeface="微软雅黑" panose="020B0503020204020204" pitchFamily="34" charset="-122"/>
+              </a:rPr>
+              <a:t>inline cache</a:t>
+            </a:r>
+            <a:r>
+              <a:rPr lang="zh-CN" altLang="en-US" sz="4000" b="1" dirty="0">
+                <a:latin typeface="微软雅黑" panose="020B0503020204020204" pitchFamily="34" charset="-122"/>
+                <a:ea typeface="微软雅黑" panose="020B0503020204020204" pitchFamily="34" charset="-122"/>
+              </a:rPr>
+              <a:t>）</a:t>
+            </a:r>
+            <a:endParaRPr lang="en-US" altLang="zh-CN" sz="4000" b="1" dirty="0">
+              <a:latin typeface="微软雅黑" panose="020B0503020204020204" pitchFamily="34" charset="-122"/>
+              <a:ea typeface="微软雅黑" panose="020B0503020204020204" pitchFamily="34" charset="-122"/>
+            </a:endParaRPr>
+          </a:p>
+          <a:p>
+            <a:pPr marL="742950" indent="-742950" algn="l">
+              <a:buAutoNum type="arabicPeriod"/>
+            </a:pPr>
+            <a:endParaRPr lang="en-US" altLang="zh-CN" sz="4000" b="1" dirty="0">
+              <a:latin typeface="微软雅黑" panose="020B0503020204020204" pitchFamily="34" charset="-122"/>
+              <a:ea typeface="微软雅黑" panose="020B0503020204020204" pitchFamily="34" charset="-122"/>
+            </a:endParaRPr>
+          </a:p>
+          <a:p>
+            <a:pPr marL="742950" indent="-742950" algn="l">
+              <a:buAutoNum type="arabicPeriod"/>
+            </a:pPr>
+            <a:r>
+              <a:rPr lang="zh-CN" altLang="en-US" sz="4000" b="1" dirty="0">
+                <a:latin typeface="微软雅黑" panose="020B0503020204020204" pitchFamily="34" charset="-122"/>
+                <a:ea typeface="微软雅黑" panose="020B0503020204020204" pitchFamily="34" charset="-122"/>
+              </a:rPr>
+              <a:t>以上三点都是错的。性能优化的必要性 </a:t>
+            </a:r>
+            <a:r>
+              <a:rPr lang="en-US" altLang="zh-CN" sz="4000" b="1" dirty="0">
+                <a:latin typeface="微软雅黑" panose="020B0503020204020204" pitchFamily="34" charset="-122"/>
+                <a:ea typeface="微软雅黑" panose="020B0503020204020204" pitchFamily="34" charset="-122"/>
+              </a:rPr>
+              <a:t>– </a:t>
+            </a:r>
+            <a:r>
+              <a:rPr lang="zh-CN" altLang="en-US" sz="4000" b="1" dirty="0">
+                <a:latin typeface="微软雅黑" panose="020B0503020204020204" pitchFamily="34" charset="-122"/>
+                <a:ea typeface="微软雅黑" panose="020B0503020204020204" pitchFamily="34" charset="-122"/>
+              </a:rPr>
+              <a:t>脱离实际聊性能</a:t>
+            </a:r>
+            <a:endParaRPr lang="en-US" altLang="zh-CN" sz="4000" b="1" dirty="0">
+              <a:latin typeface="微软雅黑" panose="020B0503020204020204" pitchFamily="34" charset="-122"/>
+              <a:ea typeface="微软雅黑" panose="020B0503020204020204" pitchFamily="34" charset="-122"/>
+            </a:endParaRPr>
+          </a:p>
+          <a:p>
+            <a:pPr algn="l"/>
+            <a:r>
+              <a:rPr lang="en-US" altLang="zh-CN" sz="4000" dirty="0">
+                <a:latin typeface="微软雅黑" panose="020B0503020204020204" pitchFamily="34" charset="-122"/>
+                <a:ea typeface="微软雅黑" panose="020B0503020204020204" pitchFamily="34" charset="-122"/>
+                <a:hlinkClick r:id="rId5"/>
+              </a:rPr>
+              <a:t>     https://bugs.chromium.org/p/v8/issues/detail?id=8538</a:t>
+            </a:r>
+            <a:endParaRPr lang="en-US" altLang="zh-CN" sz="4000" b="1" dirty="0">
+              <a:latin typeface="微软雅黑" panose="020B0503020204020204" pitchFamily="34" charset="-122"/>
+              <a:ea typeface="微软雅黑" panose="020B0503020204020204" pitchFamily="34" charset="-122"/>
+            </a:endParaRPr>
+          </a:p>
+        </p:txBody>
+      </p:sp>
+    </p:spTree>
+  </p:cSld>
+  <p:clrMapOvr>
+    <a:masterClrMapping/>
+  </p:clrMapOvr>
+  <p:transition spd="slow"/>
+</p:sld>
+</file>
+
+<file path=ppt/slides/slide21.xml><?xml version="1.0" encoding="utf-8"?>
+<p:sld xmlns:a="http://schemas.openxmlformats.org/drawingml/2006/main" xmlns:r="http://schemas.openxmlformats.org/officeDocument/2006/relationships" xmlns:p="http://schemas.openxmlformats.org/presentationml/2006/main">
+  <p:cSld>
+    <p:spTree>
+      <p:nvGrpSpPr>
+        <p:cNvPr id="1" name=""/>
+        <p:cNvGrpSpPr/>
+        <p:nvPr/>
+      </p:nvGrpSpPr>
+      <p:grpSpPr>
+        <a:xfrm>
+          <a:off x="0" y="0"/>
+          <a:ext cx="0" cy="0"/>
+          <a:chOff x="0" y="0"/>
+          <a:chExt cx="0" cy="0"/>
+        </a:xfrm>
+      </p:grpSpPr>
+      <p:pic>
+        <p:nvPicPr>
+          <p:cNvPr id="142" name="pasted-image.pdf"/>
+          <p:cNvPicPr>
+            <a:picLocks noChangeAspect="1"/>
+          </p:cNvPicPr>
+          <p:nvPr/>
+        </p:nvPicPr>
+        <p:blipFill>
+          <a:blip r:embed="rId3"/>
+          <a:srcRect b="82595"/>
+          <a:stretch>
+            <a:fillRect/>
+          </a:stretch>
+        </p:blipFill>
+        <p:spPr>
+          <a:xfrm>
+            <a:off x="0" y="-37844"/>
+            <a:ext cx="24383841" cy="2387243"/>
+          </a:xfrm>
+          <a:prstGeom prst="rect">
+            <a:avLst/>
+          </a:prstGeom>
+          <a:ln w="12700">
+            <a:miter lim="400000"/>
+            <a:headEnd/>
+            <a:tailEnd/>
+          </a:ln>
+        </p:spPr>
+      </p:pic>
+      <p:sp>
+        <p:nvSpPr>
+          <p:cNvPr id="143" name="Shape 143" descr="NETEASE…"/>
+          <p:cNvSpPr/>
+          <p:nvPr/>
+        </p:nvSpPr>
+        <p:spPr>
+          <a:xfrm>
             <a:off x="1144625" y="688963"/>
             <a:ext cx="1641475" cy="933589"/>
           </a:xfrm>
@@ -11486,7 +11626,7 @@
 </p:sld>
 </file>
 
-<file path=ppt/slides/slide21.xml><?xml version="1.0" encoding="utf-8"?>
+<file path=ppt/slides/slide22.xml><?xml version="1.0" encoding="utf-8"?>
 <p:sld xmlns:a="http://schemas.openxmlformats.org/drawingml/2006/main" xmlns:r="http://schemas.openxmlformats.org/officeDocument/2006/relationships" xmlns:p="http://schemas.openxmlformats.org/presentationml/2006/main">
   <p:cSld>
     <p:spTree>
@@ -13191,7 +13331,7 @@
         </p:blipFill>
         <p:spPr>
           <a:xfrm>
-            <a:off x="159" y="-37844"/>
+            <a:off x="0" y="-37844"/>
             <a:ext cx="24383841" cy="2387243"/>
           </a:xfrm>
           <a:prstGeom prst="rect">
@@ -13212,8 +13352,8 @@
         </p:nvSpPr>
         <p:spPr>
           <a:xfrm>
-            <a:off x="1144625" y="688962"/>
-            <a:ext cx="6982681" cy="933589"/>
+            <a:off x="1144624" y="688963"/>
+            <a:ext cx="12071941" cy="933589"/>
           </a:xfrm>
           <a:prstGeom prst="rect">
             <a:avLst/>
@@ -13223,7 +13363,7 @@
           </a:ln>
         </p:spPr>
         <p:txBody>
-          <a:bodyPr wrap="none" lIns="50800" tIns="50800" rIns="50800" bIns="50800" anchor="ctr">
+          <a:bodyPr wrap="square" lIns="50800" tIns="50800" rIns="50800" bIns="50800" anchor="ctr">
             <a:spAutoFit/>
           </a:bodyPr>
           <a:lstStyle>
@@ -13241,24 +13381,6 @@
           </a:lstStyle>
           <a:p>
             <a:r>
-              <a:rPr lang="en-US" altLang="zh-CN" sz="5400" b="1" dirty="0"/>
-              <a:t>V8 </a:t>
-            </a:r>
-            <a:r>
-              <a:rPr lang="zh-CN" altLang="en-US" sz="5400" b="1" dirty="0"/>
-              <a:t>背景介绍</a:t>
-            </a:r>
-            <a:r>
-              <a:rPr lang="zh-CN" altLang="en-US" sz="5400" b="1" dirty="0">
-                <a:solidFill>
-                  <a:srgbClr val="000000"/>
-                </a:solidFill>
-                <a:latin typeface="Helvetica Neue Medium"/>
-                <a:sym typeface="Helvetica Neue Medium"/>
-              </a:rPr>
-              <a:t> </a:t>
-            </a:r>
-            <a:r>
               <a:rPr lang="en-US" altLang="zh-CN" sz="5400" b="1" dirty="0">
                 <a:solidFill>
                   <a:schemeClr val="bg1"/>
@@ -13268,7 +13390,7 @@
                 <a:cs typeface="Helvetica Neue Medium"/>
                 <a:sym typeface="Helvetica Neue Medium"/>
               </a:rPr>
-              <a:t>–</a:t>
+              <a:t>Turbofan </a:t>
             </a:r>
             <a:r>
               <a:rPr lang="zh-CN" altLang="en-US" sz="5400" b="1" dirty="0">
@@ -13280,7 +13402,7 @@
                 <a:cs typeface="Helvetica Neue Medium"/>
                 <a:sym typeface="Helvetica Neue Medium"/>
               </a:rPr>
-              <a:t> </a:t>
+              <a:t>优化限制 </a:t>
             </a:r>
             <a:r>
               <a:rPr lang="en-US" altLang="zh-CN" sz="5400" b="1" dirty="0">
@@ -13292,17 +13414,20 @@
                 <a:cs typeface="Helvetica Neue Medium"/>
                 <a:sym typeface="Helvetica Neue Medium"/>
               </a:rPr>
-              <a:t>Profiler</a:t>
-            </a:r>
-            <a:endParaRPr lang="zh-CN" altLang="en-US" sz="5400" b="1" dirty="0">
-              <a:solidFill>
-                <a:schemeClr val="bg1"/>
-              </a:solidFill>
-              <a:latin typeface="Helvetica Neue Medium"/>
-              <a:ea typeface="Helvetica Neue Medium"/>
-              <a:cs typeface="Helvetica Neue Medium"/>
-              <a:sym typeface="Helvetica Neue Medium"/>
-            </a:endParaRPr>
+              <a:t>– </a:t>
+            </a:r>
+            <a:r>
+              <a:rPr lang="zh-CN" altLang="en-US" sz="5400" b="1" dirty="0">
+                <a:solidFill>
+                  <a:schemeClr val="bg1"/>
+                </a:solidFill>
+                <a:latin typeface="Helvetica Neue Medium"/>
+                <a:ea typeface="Helvetica Neue Medium"/>
+                <a:cs typeface="Helvetica Neue Medium"/>
+                <a:sym typeface="Helvetica Neue Medium"/>
+              </a:rPr>
+              <a:t>从现象开始</a:t>
+            </a:r>
           </a:p>
         </p:txBody>
       </p:sp>
@@ -13337,10 +13462,10 @@
       </p:pic>
       <p:sp>
         <p:nvSpPr>
-          <p:cNvPr id="2" name="Rectangle 1">
+          <p:cNvPr id="6" name="Rectangle 3">
             <a:extLst>
               <a:ext uri="{FF2B5EF4-FFF2-40B4-BE49-F238E27FC236}">
-                <a16:creationId xmlns:a16="http://schemas.microsoft.com/office/drawing/2014/main" id="{ED2EF904-09B5-477F-92B5-838F8ACC22F2}"/>
+                <a16:creationId xmlns:a16="http://schemas.microsoft.com/office/drawing/2014/main" id="{E3F9946E-6BF7-4E2E-836B-9E88751D0190}"/>
               </a:ext>
             </a:extLst>
           </p:cNvPr>
@@ -13351,8 +13476,8 @@
         </p:nvSpPr>
         <p:spPr bwMode="auto">
           <a:xfrm>
-            <a:off x="7802573" y="4165105"/>
-            <a:ext cx="15314449" cy="6986528"/>
+            <a:off x="3228071" y="5760720"/>
+            <a:ext cx="15738604" cy="5016758"/>
           </a:xfrm>
           <a:prstGeom prst="rect">
             <a:avLst/>
@@ -13387,7 +13512,7 @@
           </a:extLst>
         </p:spPr>
         <p:txBody>
-          <a:bodyPr vert="horz" wrap="square" lIns="91440" tIns="45720" rIns="91440" bIns="45720" numCol="1" anchor="ctr" anchorCtr="0" compatLnSpc="1">
+          <a:bodyPr vert="horz" wrap="none" lIns="91440" tIns="45720" rIns="91440" bIns="45720" numCol="1" anchor="ctr" anchorCtr="0" compatLnSpc="1">
             <a:prstTxWarp prst="textNoShape">
               <a:avLst/>
             </a:prstTxWarp>
@@ -13412,20 +13537,46 @@
               <a:tabLst/>
             </a:pPr>
             <a:r>
-              <a:rPr kumimoji="0" lang="zh-CN" altLang="zh-CN" sz="2800" b="0" i="0" u="none" strike="noStrike" cap="none" normalizeH="0" baseline="0" dirty="0">
-                <a:ln>
-                  <a:noFill/>
-                </a:ln>
-                <a:solidFill>
-                  <a:srgbClr val="000000"/>
-                </a:solidFill>
-                <a:effectLst/>
-                <a:latin typeface="Consolas" panose="020B0609020204030204" pitchFamily="49" charset="0"/>
-              </a:rPr>
-              <a:t>OptimizationReason RuntimeProfiler::ShouldOptimize(JSFunction function,</a:t>
+              <a:rPr kumimoji="0" lang="zh-CN" altLang="zh-CN" sz="3200" b="1" i="0" u="none" strike="noStrike" cap="none" normalizeH="0" baseline="0" dirty="0">
+                <a:ln>
+                  <a:noFill/>
+                </a:ln>
+                <a:solidFill>
+                  <a:srgbClr val="000080"/>
+                </a:solidFill>
+                <a:effectLst/>
+                <a:latin typeface="Consolas" panose="020B0609020204030204" pitchFamily="49" charset="0"/>
+              </a:rPr>
+              <a:t>function </a:t>
+            </a:r>
+            <a:r>
+              <a:rPr kumimoji="0" lang="zh-CN" altLang="zh-CN" sz="3200" b="0" i="1" u="none" strike="noStrike" cap="none" normalizeH="0" baseline="0" dirty="0">
+                <a:ln>
+                  <a:noFill/>
+                </a:ln>
+                <a:solidFill>
+                  <a:srgbClr val="000000"/>
+                </a:solidFill>
+                <a:effectLst/>
+                <a:latin typeface="Consolas" panose="020B0609020204030204" pitchFamily="49" charset="0"/>
+              </a:rPr>
+              <a:t>generate</a:t>
+            </a:r>
+            <a:r>
+              <a:rPr kumimoji="0" lang="zh-CN" altLang="zh-CN" sz="3200" b="0" i="0" u="none" strike="noStrike" cap="none" normalizeH="0" baseline="0" dirty="0">
+                <a:ln>
+                  <a:noFill/>
+                </a:ln>
+                <a:solidFill>
+                  <a:srgbClr val="000000"/>
+                </a:solidFill>
+                <a:effectLst/>
+                <a:latin typeface="Consolas" panose="020B0609020204030204" pitchFamily="49" charset="0"/>
+              </a:rPr>
+              <a:t>(n) {</a:t>
             </a:r>
             <a:br>
-              <a:rPr kumimoji="0" lang="zh-CN" altLang="zh-CN" sz="2800" b="0" i="0" u="none" strike="noStrike" cap="none" normalizeH="0" baseline="0" dirty="0">
+              <a:rPr kumimoji="0" lang="zh-CN" altLang="zh-CN" sz="3200" b="0" i="0" u="none" strike="noStrike" cap="none" normalizeH="0" baseline="0" dirty="0">
                 <a:ln>
                   <a:noFill/>
                 </a:ln>
@@ -13437,20 +13588,111 @@
               </a:rPr>
             </a:br>
             <a:r>
-              <a:rPr kumimoji="0" lang="zh-CN" altLang="zh-CN" sz="2800" b="0" i="0" u="none" strike="noStrike" cap="none" normalizeH="0" baseline="0" dirty="0">
-                <a:ln>
-                  <a:noFill/>
-                </a:ln>
-                <a:solidFill>
-                  <a:srgbClr val="000000"/>
-                </a:solidFill>
-                <a:effectLst/>
-                <a:latin typeface="Consolas" panose="020B0609020204030204" pitchFamily="49" charset="0"/>
-              </a:rPr>
-              <a:t>                                                   BytecodeArray bytecode) {</a:t>
+              <a:rPr kumimoji="0" lang="zh-CN" altLang="zh-CN" sz="3200" b="0" i="0" u="none" strike="noStrike" cap="none" normalizeH="0" baseline="0" dirty="0">
+                <a:ln>
+                  <a:noFill/>
+                </a:ln>
+                <a:solidFill>
+                  <a:srgbClr val="000000"/>
+                </a:solidFill>
+                <a:effectLst/>
+                <a:latin typeface="Consolas" panose="020B0609020204030204" pitchFamily="49" charset="0"/>
+              </a:rPr>
+              <a:t>    </a:t>
+            </a:r>
+            <a:r>
+              <a:rPr kumimoji="0" lang="zh-CN" altLang="zh-CN" sz="3200" b="1" i="0" u="none" strike="noStrike" cap="none" normalizeH="0" baseline="0" dirty="0">
+                <a:ln>
+                  <a:noFill/>
+                </a:ln>
+                <a:solidFill>
+                  <a:srgbClr val="000080"/>
+                </a:solidFill>
+                <a:effectLst/>
+                <a:latin typeface="Consolas" panose="020B0609020204030204" pitchFamily="49" charset="0"/>
+              </a:rPr>
+              <a:t>let </a:t>
+            </a:r>
+            <a:r>
+              <a:rPr kumimoji="0" lang="zh-CN" altLang="zh-CN" sz="3200" b="0" i="0" u="none" strike="noStrike" cap="none" normalizeH="0" baseline="0" dirty="0">
+                <a:ln>
+                  <a:noFill/>
+                </a:ln>
+                <a:solidFill>
+                  <a:srgbClr val="458383"/>
+                </a:solidFill>
+                <a:effectLst/>
+                <a:latin typeface="Consolas" panose="020B0609020204030204" pitchFamily="49" charset="0"/>
+              </a:rPr>
+              <a:t>s </a:t>
+            </a:r>
+            <a:r>
+              <a:rPr kumimoji="0" lang="zh-CN" altLang="zh-CN" sz="3200" b="0" i="0" u="none" strike="noStrike" cap="none" normalizeH="0" baseline="0" dirty="0">
+                <a:ln>
+                  <a:noFill/>
+                </a:ln>
+                <a:solidFill>
+                  <a:srgbClr val="000000"/>
+                </a:solidFill>
+                <a:effectLst/>
+                <a:latin typeface="Consolas" panose="020B0609020204030204" pitchFamily="49" charset="0"/>
+              </a:rPr>
+              <a:t>= </a:t>
+            </a:r>
+            <a:r>
+              <a:rPr kumimoji="0" lang="zh-CN" altLang="zh-CN" sz="3200" b="1" i="0" u="none" strike="noStrike" cap="none" normalizeH="0" baseline="0" dirty="0">
+                <a:ln>
+                  <a:noFill/>
+                </a:ln>
+                <a:solidFill>
+                  <a:srgbClr val="008000"/>
+                </a:solidFill>
+                <a:effectLst/>
+                <a:latin typeface="Consolas" panose="020B0609020204030204" pitchFamily="49" charset="0"/>
+              </a:rPr>
+              <a:t>'(function func' </a:t>
+            </a:r>
+            <a:r>
+              <a:rPr kumimoji="0" lang="zh-CN" altLang="zh-CN" sz="3200" b="0" i="0" u="none" strike="noStrike" cap="none" normalizeH="0" baseline="0" dirty="0">
+                <a:ln>
+                  <a:noFill/>
+                </a:ln>
+                <a:solidFill>
+                  <a:srgbClr val="000000"/>
+                </a:solidFill>
+                <a:effectLst/>
+                <a:latin typeface="Consolas" panose="020B0609020204030204" pitchFamily="49" charset="0"/>
+              </a:rPr>
+              <a:t>+ n + </a:t>
+            </a:r>
+            <a:r>
+              <a:rPr kumimoji="0" lang="zh-CN" altLang="zh-CN" sz="3200" b="1" i="0" u="none" strike="noStrike" cap="none" normalizeH="0" baseline="0" dirty="0">
+                <a:ln>
+                  <a:noFill/>
+                </a:ln>
+                <a:solidFill>
+                  <a:srgbClr val="008000"/>
+                </a:solidFill>
+                <a:effectLst/>
+                <a:latin typeface="Consolas" panose="020B0609020204030204" pitchFamily="49" charset="0"/>
+              </a:rPr>
+              <a:t>'(x) { return 0'</a:t>
+            </a:r>
+            <a:r>
+              <a:rPr kumimoji="0" lang="zh-CN" altLang="zh-CN" sz="3200" b="0" i="0" u="none" strike="noStrike" cap="none" normalizeH="0" baseline="0" dirty="0">
+                <a:ln>
+                  <a:noFill/>
+                </a:ln>
+                <a:solidFill>
+                  <a:srgbClr val="000000"/>
+                </a:solidFill>
+                <a:effectLst/>
+                <a:latin typeface="Consolas" panose="020B0609020204030204" pitchFamily="49" charset="0"/>
+              </a:rPr>
+              <a:t>;</a:t>
             </a:r>
             <a:br>
-              <a:rPr kumimoji="0" lang="zh-CN" altLang="zh-CN" sz="2800" b="0" i="0" u="none" strike="noStrike" cap="none" normalizeH="0" baseline="0" dirty="0">
+              <a:rPr kumimoji="0" lang="zh-CN" altLang="zh-CN" sz="3200" b="0" i="0" u="none" strike="noStrike" cap="none" normalizeH="0" baseline="0" dirty="0">
                 <a:ln>
                   <a:noFill/>
                 </a:ln>
@@ -13462,20 +13704,20 @@
               </a:rPr>
             </a:br>
             <a:r>
-              <a:rPr kumimoji="0" lang="zh-CN" altLang="zh-CN" sz="2800" b="0" i="0" u="none" strike="noStrike" cap="none" normalizeH="0" baseline="0" dirty="0">
-                <a:ln>
-                  <a:noFill/>
-                </a:ln>
-                <a:solidFill>
-                  <a:srgbClr val="000000"/>
-                </a:solidFill>
-                <a:effectLst/>
-                <a:latin typeface="Consolas" panose="020B0609020204030204" pitchFamily="49" charset="0"/>
-              </a:rPr>
-              <a:t>  </a:t>
-            </a:r>
-            <a:r>
-              <a:rPr kumimoji="0" lang="zh-CN" altLang="zh-CN" sz="2800" b="1" i="0" u="none" strike="noStrike" cap="none" normalizeH="0" baseline="0" dirty="0">
+              <a:rPr kumimoji="0" lang="zh-CN" altLang="zh-CN" sz="3200" b="0" i="0" u="none" strike="noStrike" cap="none" normalizeH="0" baseline="0" dirty="0">
+                <a:ln>
+                  <a:noFill/>
+                </a:ln>
+                <a:solidFill>
+                  <a:srgbClr val="000000"/>
+                </a:solidFill>
+                <a:effectLst/>
+                <a:latin typeface="Consolas" panose="020B0609020204030204" pitchFamily="49" charset="0"/>
+              </a:rPr>
+              <a:t>    </a:t>
+            </a:r>
+            <a:r>
+              <a:rPr kumimoji="0" lang="zh-CN" altLang="zh-CN" sz="3200" b="1" i="0" u="none" strike="noStrike" cap="none" normalizeH="0" baseline="0" dirty="0">
                 <a:ln>
                   <a:noFill/>
                 </a:ln>
@@ -13485,75 +13727,140 @@
                 <a:effectLst/>
                 <a:latin typeface="Consolas" panose="020B0609020204030204" pitchFamily="49" charset="0"/>
               </a:rPr>
-              <a:t>int </a:t>
-            </a:r>
-            <a:r>
-              <a:rPr kumimoji="0" lang="zh-CN" altLang="zh-CN" sz="2800" b="0" i="0" u="none" strike="noStrike" cap="none" normalizeH="0" baseline="0" dirty="0">
-                <a:ln>
-                  <a:noFill/>
-                </a:ln>
-                <a:solidFill>
-                  <a:srgbClr val="000000"/>
-                </a:solidFill>
-                <a:effectLst/>
-                <a:latin typeface="Consolas" panose="020B0609020204030204" pitchFamily="49" charset="0"/>
-              </a:rPr>
-              <a:t>ticks = function</a:t>
-            </a:r>
-            <a:r>
-              <a:rPr kumimoji="0" lang="zh-CN" altLang="zh-CN" sz="2800" b="1" i="0" u="none" strike="noStrike" cap="none" normalizeH="0" baseline="0" dirty="0">
-                <a:ln>
-                  <a:noFill/>
-                </a:ln>
-                <a:solidFill>
-                  <a:srgbClr val="006666"/>
-                </a:solidFill>
-                <a:effectLst/>
-                <a:latin typeface="Consolas" panose="020B0609020204030204" pitchFamily="49" charset="0"/>
-              </a:rPr>
-              <a:t>-&gt;</a:t>
-            </a:r>
-            <a:r>
-              <a:rPr kumimoji="0" lang="zh-CN" altLang="zh-CN" sz="2800" b="0" i="0" u="none" strike="noStrike" cap="none" normalizeH="0" baseline="0" dirty="0">
-                <a:ln>
-                  <a:noFill/>
-                </a:ln>
-                <a:solidFill>
-                  <a:srgbClr val="000000"/>
-                </a:solidFill>
-                <a:effectLst/>
-                <a:latin typeface="Consolas" panose="020B0609020204030204" pitchFamily="49" charset="0"/>
-              </a:rPr>
-              <a:t>feedback_vector()</a:t>
-            </a:r>
-            <a:r>
-              <a:rPr kumimoji="0" lang="zh-CN" altLang="zh-CN" sz="2800" b="1" i="0" u="none" strike="noStrike" cap="none" normalizeH="0" baseline="0" dirty="0">
-                <a:ln>
-                  <a:noFill/>
-                </a:ln>
-                <a:solidFill>
-                  <a:srgbClr val="006666"/>
-                </a:solidFill>
-                <a:effectLst/>
-                <a:latin typeface="Consolas" panose="020B0609020204030204" pitchFamily="49" charset="0"/>
-              </a:rPr>
-              <a:t>-&gt;</a:t>
-            </a:r>
-            <a:r>
-              <a:rPr kumimoji="0" lang="zh-CN" altLang="zh-CN" sz="2800" b="0" i="0" u="none" strike="noStrike" cap="none" normalizeH="0" baseline="0" dirty="0">
-                <a:ln>
-                  <a:noFill/>
-                </a:ln>
-                <a:solidFill>
-                  <a:srgbClr val="000000"/>
-                </a:solidFill>
-                <a:effectLst/>
-                <a:latin typeface="Consolas" panose="020B0609020204030204" pitchFamily="49" charset="0"/>
-              </a:rPr>
-              <a:t>profiler_ticks();</a:t>
+              <a:t>for </a:t>
+            </a:r>
+            <a:r>
+              <a:rPr kumimoji="0" lang="zh-CN" altLang="zh-CN" sz="3200" b="0" i="0" u="none" strike="noStrike" cap="none" normalizeH="0" baseline="0" dirty="0">
+                <a:ln>
+                  <a:noFill/>
+                </a:ln>
+                <a:solidFill>
+                  <a:srgbClr val="000000"/>
+                </a:solidFill>
+                <a:effectLst/>
+                <a:latin typeface="Consolas" panose="020B0609020204030204" pitchFamily="49" charset="0"/>
+              </a:rPr>
+              <a:t>(</a:t>
+            </a:r>
+            <a:r>
+              <a:rPr kumimoji="0" lang="zh-CN" altLang="zh-CN" sz="3200" b="1" i="0" u="none" strike="noStrike" cap="none" normalizeH="0" baseline="0" dirty="0">
+                <a:ln>
+                  <a:noFill/>
+                </a:ln>
+                <a:solidFill>
+                  <a:srgbClr val="000080"/>
+                </a:solidFill>
+                <a:effectLst/>
+                <a:latin typeface="Consolas" panose="020B0609020204030204" pitchFamily="49" charset="0"/>
+              </a:rPr>
+              <a:t>let </a:t>
+            </a:r>
+            <a:r>
+              <a:rPr kumimoji="0" lang="zh-CN" altLang="zh-CN" sz="3200" b="0" i="0" u="none" strike="noStrike" cap="none" normalizeH="0" baseline="0" dirty="0">
+                <a:ln>
+                  <a:noFill/>
+                </a:ln>
+                <a:solidFill>
+                  <a:srgbClr val="458383"/>
+                </a:solidFill>
+                <a:effectLst/>
+                <a:latin typeface="Consolas" panose="020B0609020204030204" pitchFamily="49" charset="0"/>
+              </a:rPr>
+              <a:t>i </a:t>
+            </a:r>
+            <a:r>
+              <a:rPr kumimoji="0" lang="zh-CN" altLang="zh-CN" sz="3200" b="0" i="0" u="none" strike="noStrike" cap="none" normalizeH="0" baseline="0" dirty="0">
+                <a:ln>
+                  <a:noFill/>
+                </a:ln>
+                <a:solidFill>
+                  <a:srgbClr val="000000"/>
+                </a:solidFill>
+                <a:effectLst/>
+                <a:latin typeface="Consolas" panose="020B0609020204030204" pitchFamily="49" charset="0"/>
+              </a:rPr>
+              <a:t>= </a:t>
+            </a:r>
+            <a:r>
+              <a:rPr kumimoji="0" lang="zh-CN" altLang="zh-CN" sz="3200" b="0" i="0" u="none" strike="noStrike" cap="none" normalizeH="0" baseline="0" dirty="0">
+                <a:ln>
+                  <a:noFill/>
+                </a:ln>
+                <a:solidFill>
+                  <a:srgbClr val="0000FF"/>
+                </a:solidFill>
+                <a:effectLst/>
+                <a:latin typeface="Consolas" panose="020B0609020204030204" pitchFamily="49" charset="0"/>
+              </a:rPr>
+              <a:t>0</a:t>
+            </a:r>
+            <a:r>
+              <a:rPr kumimoji="0" lang="zh-CN" altLang="zh-CN" sz="3200" b="0" i="0" u="none" strike="noStrike" cap="none" normalizeH="0" baseline="0" dirty="0">
+                <a:ln>
+                  <a:noFill/>
+                </a:ln>
+                <a:solidFill>
+                  <a:srgbClr val="000000"/>
+                </a:solidFill>
+                <a:effectLst/>
+                <a:latin typeface="Consolas" panose="020B0609020204030204" pitchFamily="49" charset="0"/>
+              </a:rPr>
+              <a:t>; </a:t>
+            </a:r>
+            <a:r>
+              <a:rPr kumimoji="0" lang="zh-CN" altLang="zh-CN" sz="3200" b="0" i="0" u="none" strike="noStrike" cap="none" normalizeH="0" baseline="0" dirty="0">
+                <a:ln>
+                  <a:noFill/>
+                </a:ln>
+                <a:solidFill>
+                  <a:srgbClr val="458383"/>
+                </a:solidFill>
+                <a:effectLst/>
+                <a:latin typeface="Consolas" panose="020B0609020204030204" pitchFamily="49" charset="0"/>
+              </a:rPr>
+              <a:t>i </a:t>
+            </a:r>
+            <a:r>
+              <a:rPr kumimoji="0" lang="zh-CN" altLang="zh-CN" sz="3200" b="0" i="0" u="none" strike="noStrike" cap="none" normalizeH="0" baseline="0" dirty="0">
+                <a:ln>
+                  <a:noFill/>
+                </a:ln>
+                <a:solidFill>
+                  <a:srgbClr val="000000"/>
+                </a:solidFill>
+                <a:effectLst/>
+                <a:latin typeface="Consolas" panose="020B0609020204030204" pitchFamily="49" charset="0"/>
+              </a:rPr>
+              <a:t>&lt; n; ++</a:t>
+            </a:r>
+            <a:r>
+              <a:rPr kumimoji="0" lang="zh-CN" altLang="zh-CN" sz="3200" b="0" i="0" u="none" strike="noStrike" cap="none" normalizeH="0" baseline="0" dirty="0">
+                <a:ln>
+                  <a:noFill/>
+                </a:ln>
+                <a:solidFill>
+                  <a:srgbClr val="458383"/>
+                </a:solidFill>
+                <a:effectLst/>
+                <a:latin typeface="Consolas" panose="020B0609020204030204" pitchFamily="49" charset="0"/>
+              </a:rPr>
+              <a:t>i</a:t>
+            </a:r>
+            <a:r>
+              <a:rPr kumimoji="0" lang="zh-CN" altLang="zh-CN" sz="3200" b="0" i="0" u="none" strike="noStrike" cap="none" normalizeH="0" baseline="0" dirty="0">
+                <a:ln>
+                  <a:noFill/>
+                </a:ln>
+                <a:solidFill>
+                  <a:srgbClr val="000000"/>
+                </a:solidFill>
+                <a:effectLst/>
+                <a:latin typeface="Consolas" panose="020B0609020204030204" pitchFamily="49" charset="0"/>
+              </a:rPr>
+              <a:t>) {</a:t>
             </a:r>
             <a:br>
-              <a:rPr kumimoji="0" lang="zh-CN" altLang="zh-CN" sz="2800" b="0" i="0" u="none" strike="noStrike" cap="none" normalizeH="0" baseline="0" dirty="0">
+              <a:rPr kumimoji="0" lang="zh-CN" altLang="zh-CN" sz="3200" b="0" i="0" u="none" strike="noStrike" cap="none" normalizeH="0" baseline="0" dirty="0">
                 <a:ln>
                   <a:noFill/>
                 </a:ln>
@@ -13565,20 +13872,199 @@
               </a:rPr>
             </a:br>
             <a:r>
-              <a:rPr kumimoji="0" lang="zh-CN" altLang="zh-CN" sz="2800" b="0" i="0" u="none" strike="noStrike" cap="none" normalizeH="0" baseline="0" dirty="0">
-                <a:ln>
-                  <a:noFill/>
-                </a:ln>
-                <a:solidFill>
-                  <a:srgbClr val="000000"/>
-                </a:solidFill>
-                <a:effectLst/>
-                <a:latin typeface="Consolas" panose="020B0609020204030204" pitchFamily="49" charset="0"/>
-              </a:rPr>
-              <a:t>  </a:t>
-            </a:r>
-            <a:r>
-              <a:rPr kumimoji="0" lang="zh-CN" altLang="zh-CN" sz="2800" b="1" i="0" u="none" strike="noStrike" cap="none" normalizeH="0" baseline="0" dirty="0">
+              <a:rPr kumimoji="0" lang="zh-CN" altLang="zh-CN" sz="3200" b="0" i="0" u="none" strike="noStrike" cap="none" normalizeH="0" baseline="0" dirty="0">
+                <a:ln>
+                  <a:noFill/>
+                </a:ln>
+                <a:solidFill>
+                  <a:srgbClr val="000000"/>
+                </a:solidFill>
+                <a:effectLst/>
+                <a:latin typeface="Consolas" panose="020B0609020204030204" pitchFamily="49" charset="0"/>
+              </a:rPr>
+              <a:t>        </a:t>
+            </a:r>
+            <a:r>
+              <a:rPr kumimoji="0" lang="zh-CN" altLang="zh-CN" sz="3200" b="0" i="0" u="none" strike="noStrike" cap="none" normalizeH="0" baseline="0" dirty="0">
+                <a:ln>
+                  <a:noFill/>
+                </a:ln>
+                <a:solidFill>
+                  <a:srgbClr val="458383"/>
+                </a:solidFill>
+                <a:effectLst/>
+                <a:latin typeface="Consolas" panose="020B0609020204030204" pitchFamily="49" charset="0"/>
+              </a:rPr>
+              <a:t>s </a:t>
+            </a:r>
+            <a:r>
+              <a:rPr kumimoji="0" lang="zh-CN" altLang="zh-CN" sz="3200" b="0" i="0" u="none" strike="noStrike" cap="none" normalizeH="0" baseline="0" dirty="0">
+                <a:ln>
+                  <a:noFill/>
+                </a:ln>
+                <a:solidFill>
+                  <a:srgbClr val="000000"/>
+                </a:solidFill>
+                <a:effectLst/>
+                <a:latin typeface="Consolas" panose="020B0609020204030204" pitchFamily="49" charset="0"/>
+              </a:rPr>
+              <a:t>+= </a:t>
+            </a:r>
+            <a:r>
+              <a:rPr kumimoji="0" lang="zh-CN" altLang="zh-CN" sz="3200" b="1" i="0" u="none" strike="noStrike" cap="none" normalizeH="0" baseline="0" dirty="0">
+                <a:ln>
+                  <a:noFill/>
+                </a:ln>
+                <a:solidFill>
+                  <a:srgbClr val="008000"/>
+                </a:solidFill>
+                <a:effectLst/>
+                <a:latin typeface="Consolas" panose="020B0609020204030204" pitchFamily="49" charset="0"/>
+              </a:rPr>
+              <a:t>'+x'</a:t>
+            </a:r>
+            <a:r>
+              <a:rPr kumimoji="0" lang="zh-CN" altLang="zh-CN" sz="3200" b="0" i="0" u="none" strike="noStrike" cap="none" normalizeH="0" baseline="0" dirty="0">
+                <a:ln>
+                  <a:noFill/>
+                </a:ln>
+                <a:solidFill>
+                  <a:srgbClr val="000000"/>
+                </a:solidFill>
+                <a:effectLst/>
+                <a:latin typeface="Consolas" panose="020B0609020204030204" pitchFamily="49" charset="0"/>
+              </a:rPr>
+              <a:t>;</a:t>
+            </a:r>
+            <a:br>
+              <a:rPr kumimoji="0" lang="zh-CN" altLang="zh-CN" sz="3200" b="0" i="0" u="none" strike="noStrike" cap="none" normalizeH="0" baseline="0" dirty="0">
+                <a:ln>
+                  <a:noFill/>
+                </a:ln>
+                <a:solidFill>
+                  <a:srgbClr val="000000"/>
+                </a:solidFill>
+                <a:effectLst/>
+                <a:latin typeface="Consolas" panose="020B0609020204030204" pitchFamily="49" charset="0"/>
+              </a:rPr>
+            </a:br>
+            <a:r>
+              <a:rPr kumimoji="0" lang="zh-CN" altLang="zh-CN" sz="3200" b="0" i="0" u="none" strike="noStrike" cap="none" normalizeH="0" baseline="0" dirty="0">
+                <a:ln>
+                  <a:noFill/>
+                </a:ln>
+                <a:solidFill>
+                  <a:srgbClr val="000000"/>
+                </a:solidFill>
+                <a:effectLst/>
+                <a:latin typeface="Consolas" panose="020B0609020204030204" pitchFamily="49" charset="0"/>
+              </a:rPr>
+              <a:t>    }</a:t>
+            </a:r>
+            <a:br>
+              <a:rPr kumimoji="0" lang="zh-CN" altLang="zh-CN" sz="3200" b="0" i="0" u="none" strike="noStrike" cap="none" normalizeH="0" baseline="0" dirty="0">
+                <a:ln>
+                  <a:noFill/>
+                </a:ln>
+                <a:solidFill>
+                  <a:srgbClr val="000000"/>
+                </a:solidFill>
+                <a:effectLst/>
+                <a:latin typeface="Consolas" panose="020B0609020204030204" pitchFamily="49" charset="0"/>
+              </a:rPr>
+            </a:br>
+            <a:r>
+              <a:rPr kumimoji="0" lang="zh-CN" altLang="zh-CN" sz="3200" b="0" i="0" u="none" strike="noStrike" cap="none" normalizeH="0" baseline="0" dirty="0">
+                <a:ln>
+                  <a:noFill/>
+                </a:ln>
+                <a:solidFill>
+                  <a:srgbClr val="000000"/>
+                </a:solidFill>
+                <a:effectLst/>
+                <a:latin typeface="Consolas" panose="020B0609020204030204" pitchFamily="49" charset="0"/>
+              </a:rPr>
+              <a:t>    </a:t>
+            </a:r>
+            <a:r>
+              <a:rPr kumimoji="0" lang="zh-CN" altLang="zh-CN" sz="3200" b="0" i="0" u="none" strike="noStrike" cap="none" normalizeH="0" baseline="0" dirty="0">
+                <a:ln>
+                  <a:noFill/>
+                </a:ln>
+                <a:solidFill>
+                  <a:srgbClr val="458383"/>
+                </a:solidFill>
+                <a:effectLst/>
+                <a:latin typeface="Consolas" panose="020B0609020204030204" pitchFamily="49" charset="0"/>
+              </a:rPr>
+              <a:t>s </a:t>
+            </a:r>
+            <a:r>
+              <a:rPr kumimoji="0" lang="zh-CN" altLang="zh-CN" sz="3200" b="0" i="0" u="none" strike="noStrike" cap="none" normalizeH="0" baseline="0" dirty="0">
+                <a:ln>
+                  <a:noFill/>
+                </a:ln>
+                <a:solidFill>
+                  <a:srgbClr val="000000"/>
+                </a:solidFill>
+                <a:effectLst/>
+                <a:latin typeface="Consolas" panose="020B0609020204030204" pitchFamily="49" charset="0"/>
+              </a:rPr>
+              <a:t>+= </a:t>
+            </a:r>
+            <a:r>
+              <a:rPr kumimoji="0" lang="zh-CN" altLang="zh-CN" sz="3200" b="1" i="0" u="none" strike="noStrike" cap="none" normalizeH="0" baseline="0" dirty="0">
+                <a:ln>
+                  <a:noFill/>
+                </a:ln>
+                <a:solidFill>
+                  <a:srgbClr val="008000"/>
+                </a:solidFill>
+                <a:effectLst/>
+                <a:latin typeface="Consolas" panose="020B0609020204030204" pitchFamily="49" charset="0"/>
+              </a:rPr>
+              <a:t>'; })'</a:t>
+            </a:r>
+            <a:r>
+              <a:rPr kumimoji="0" lang="zh-CN" altLang="zh-CN" sz="3200" b="0" i="0" u="none" strike="noStrike" cap="none" normalizeH="0" baseline="0" dirty="0">
+                <a:ln>
+                  <a:noFill/>
+                </a:ln>
+                <a:solidFill>
+                  <a:srgbClr val="000000"/>
+                </a:solidFill>
+                <a:effectLst/>
+                <a:latin typeface="Consolas" panose="020B0609020204030204" pitchFamily="49" charset="0"/>
+              </a:rPr>
+              <a:t>;</a:t>
+            </a:r>
+            <a:br>
+              <a:rPr kumimoji="0" lang="zh-CN" altLang="zh-CN" sz="3200" b="0" i="0" u="none" strike="noStrike" cap="none" normalizeH="0" baseline="0" dirty="0">
+                <a:ln>
+                  <a:noFill/>
+                </a:ln>
+                <a:solidFill>
+                  <a:srgbClr val="000000"/>
+                </a:solidFill>
+                <a:effectLst/>
+                <a:latin typeface="Consolas" panose="020B0609020204030204" pitchFamily="49" charset="0"/>
+              </a:rPr>
+            </a:br>
+            <a:r>
+              <a:rPr kumimoji="0" lang="zh-CN" altLang="zh-CN" sz="3200" b="0" i="0" u="none" strike="noStrike" cap="none" normalizeH="0" baseline="0" dirty="0">
+                <a:ln>
+                  <a:noFill/>
+                </a:ln>
+                <a:solidFill>
+                  <a:srgbClr val="000000"/>
+                </a:solidFill>
+                <a:effectLst/>
+                <a:latin typeface="Consolas" panose="020B0609020204030204" pitchFamily="49" charset="0"/>
+              </a:rPr>
+              <a:t>    </a:t>
+            </a:r>
+            <a:r>
+              <a:rPr kumimoji="0" lang="zh-CN" altLang="zh-CN" sz="3200" b="1" i="0" u="none" strike="noStrike" cap="none" normalizeH="0" baseline="0" dirty="0">
                 <a:ln>
                   <a:noFill/>
                 </a:ln>
@@ -13588,23 +14074,62 @@
                 <a:effectLst/>
                 <a:latin typeface="Consolas" panose="020B0609020204030204" pitchFamily="49" charset="0"/>
               </a:rPr>
-              <a:t>int </a:t>
-            </a:r>
-            <a:r>
-              <a:rPr kumimoji="0" lang="zh-CN" altLang="zh-CN" sz="2800" b="0" i="0" u="none" strike="noStrike" cap="none" normalizeH="0" baseline="0" dirty="0">
-                <a:ln>
-                  <a:noFill/>
-                </a:ln>
-                <a:solidFill>
-                  <a:srgbClr val="000000"/>
-                </a:solidFill>
-                <a:effectLst/>
-                <a:latin typeface="Consolas" panose="020B0609020204030204" pitchFamily="49" charset="0"/>
-              </a:rPr>
-              <a:t>ticks_for_optimization =</a:t>
+              <a:t>return </a:t>
+            </a:r>
+            <a:r>
+              <a:rPr kumimoji="0" lang="zh-CN" altLang="zh-CN" sz="3200" b="0" i="1" u="none" strike="noStrike" cap="none" normalizeH="0" baseline="0" dirty="0">
+                <a:ln>
+                  <a:noFill/>
+                </a:ln>
+                <a:solidFill>
+                  <a:srgbClr val="000000"/>
+                </a:solidFill>
+                <a:effectLst/>
+                <a:latin typeface="Consolas" panose="020B0609020204030204" pitchFamily="49" charset="0"/>
+              </a:rPr>
+              <a:t>eval</a:t>
+            </a:r>
+            <a:r>
+              <a:rPr kumimoji="0" lang="zh-CN" altLang="zh-CN" sz="3200" b="0" i="0" u="none" strike="noStrike" cap="none" normalizeH="0" baseline="0" dirty="0">
+                <a:ln>
+                  <a:noFill/>
+                </a:ln>
+                <a:solidFill>
+                  <a:srgbClr val="000000"/>
+                </a:solidFill>
+                <a:effectLst/>
+                <a:latin typeface="Consolas" panose="020B0609020204030204" pitchFamily="49" charset="0"/>
+              </a:rPr>
+              <a:t>(</a:t>
+            </a:r>
+            <a:r>
+              <a:rPr kumimoji="0" lang="zh-CN" altLang="zh-CN" sz="3200" b="0" i="0" u="none" strike="noStrike" cap="none" normalizeH="0" baseline="0" dirty="0">
+                <a:ln>
+                  <a:noFill/>
+                </a:ln>
+                <a:solidFill>
+                  <a:srgbClr val="458383"/>
+                </a:solidFill>
+                <a:effectLst/>
+                <a:latin typeface="Consolas" panose="020B0609020204030204" pitchFamily="49" charset="0"/>
+              </a:rPr>
+              <a:t>s</a:t>
+            </a:r>
+            <a:r>
+              <a:rPr kumimoji="0" lang="zh-CN" altLang="zh-CN" sz="3200" b="0" i="0" u="none" strike="noStrike" cap="none" normalizeH="0" baseline="0" dirty="0">
+                <a:ln>
+                  <a:noFill/>
+                </a:ln>
+                <a:solidFill>
+                  <a:srgbClr val="000000"/>
+                </a:solidFill>
+                <a:effectLst/>
+                <a:latin typeface="Consolas" panose="020B0609020204030204" pitchFamily="49" charset="0"/>
+              </a:rPr>
+              <a:t>);</a:t>
             </a:r>
             <a:br>
-              <a:rPr kumimoji="0" lang="zh-CN" altLang="zh-CN" sz="2800" b="0" i="0" u="none" strike="noStrike" cap="none" normalizeH="0" baseline="0" dirty="0">
+              <a:rPr kumimoji="0" lang="zh-CN" altLang="zh-CN" sz="3200" b="0" i="0" u="none" strike="noStrike" cap="none" normalizeH="0" baseline="0" dirty="0">
                 <a:ln>
                   <a:noFill/>
                 </a:ln>
@@ -13616,61 +14141,20 @@
               </a:rPr>
             </a:br>
             <a:r>
-              <a:rPr kumimoji="0" lang="zh-CN" altLang="zh-CN" sz="2800" b="0" i="0" u="none" strike="noStrike" cap="none" normalizeH="0" baseline="0" dirty="0">
-                <a:ln>
-                  <a:noFill/>
-                </a:ln>
-                <a:solidFill>
-                  <a:srgbClr val="000000"/>
-                </a:solidFill>
-                <a:effectLst/>
-                <a:latin typeface="Consolas" panose="020B0609020204030204" pitchFamily="49" charset="0"/>
-              </a:rPr>
-              <a:t>      kProfilerTicksBeforeOptimization</a:t>
-            </a:r>
-            <a:r>
-              <a:rPr kumimoji="0" lang="en-US" altLang="zh-CN" sz="2800" b="0" i="0" u="none" strike="noStrike" cap="none" normalizeH="0" baseline="0" dirty="0">
-                <a:ln>
-                  <a:noFill/>
-                </a:ln>
-                <a:solidFill>
-                  <a:srgbClr val="000000"/>
-                </a:solidFill>
-                <a:effectLst/>
-                <a:latin typeface="Consolas" panose="020B0609020204030204" pitchFamily="49" charset="0"/>
-              </a:rPr>
-              <a:t> </a:t>
-            </a:r>
-            <a:r>
-              <a:rPr kumimoji="0" lang="en-US" altLang="zh-CN" sz="2800" b="0" i="0" u="none" strike="noStrike" cap="none" normalizeH="0" baseline="0" dirty="0">
-                <a:ln>
-                  <a:noFill/>
-                </a:ln>
-                <a:solidFill>
-                  <a:schemeClr val="accent3">
-                    <a:lumMod val="75000"/>
-                  </a:schemeClr>
-                </a:solidFill>
-                <a:effectLst/>
-                <a:latin typeface="Consolas" panose="020B0609020204030204" pitchFamily="49" charset="0"/>
-              </a:rPr>
-              <a:t>// 2</a:t>
-            </a:r>
-            <a:r>
-              <a:rPr kumimoji="0" lang="zh-CN" altLang="zh-CN" sz="2800" b="0" i="0" u="none" strike="noStrike" cap="none" normalizeH="0" baseline="0" dirty="0">
-                <a:ln>
-                  <a:noFill/>
-                </a:ln>
-                <a:solidFill>
-                  <a:srgbClr val="000000"/>
-                </a:solidFill>
-                <a:effectLst/>
-                <a:latin typeface="Consolas" panose="020B0609020204030204" pitchFamily="49" charset="0"/>
-              </a:rPr>
-              <a:t> +</a:t>
+              <a:rPr kumimoji="0" lang="zh-CN" altLang="zh-CN" sz="3200" b="0" i="0" u="none" strike="noStrike" cap="none" normalizeH="0" baseline="0" dirty="0">
+                <a:ln>
+                  <a:noFill/>
+                </a:ln>
+                <a:solidFill>
+                  <a:srgbClr val="000000"/>
+                </a:solidFill>
+                <a:effectLst/>
+                <a:latin typeface="Consolas" panose="020B0609020204030204" pitchFamily="49" charset="0"/>
+              </a:rPr>
+              <a:t>}</a:t>
             </a:r>
             <a:br>
-              <a:rPr kumimoji="0" lang="zh-CN" altLang="zh-CN" sz="2800" b="0" i="0" u="none" strike="noStrike" cap="none" normalizeH="0" baseline="0" dirty="0">
+              <a:rPr kumimoji="0" lang="zh-CN" altLang="zh-CN" sz="3200" b="0" i="0" u="none" strike="noStrike" cap="none" normalizeH="0" baseline="0" dirty="0">
                 <a:ln>
                   <a:noFill/>
                 </a:ln>
@@ -13681,88 +14165,8 @@
                 <a:latin typeface="Consolas" panose="020B0609020204030204" pitchFamily="49" charset="0"/>
               </a:rPr>
             </a:br>
-            <a:r>
-              <a:rPr kumimoji="0" lang="zh-CN" altLang="zh-CN" sz="2800" b="0" i="0" u="none" strike="noStrike" cap="none" normalizeH="0" baseline="0" dirty="0">
-                <a:ln>
-                  <a:noFill/>
-                </a:ln>
-                <a:solidFill>
-                  <a:srgbClr val="000000"/>
-                </a:solidFill>
-                <a:effectLst/>
-                <a:latin typeface="Consolas" panose="020B0609020204030204" pitchFamily="49" charset="0"/>
-              </a:rPr>
-              <a:t>      (bytecode</a:t>
-            </a:r>
-            <a:r>
-              <a:rPr kumimoji="0" lang="zh-CN" altLang="zh-CN" sz="2800" b="1" i="0" u="none" strike="noStrike" cap="none" normalizeH="0" baseline="0" dirty="0">
-                <a:ln>
-                  <a:noFill/>
-                </a:ln>
-                <a:solidFill>
-                  <a:srgbClr val="006666"/>
-                </a:solidFill>
-                <a:effectLst/>
-                <a:latin typeface="Consolas" panose="020B0609020204030204" pitchFamily="49" charset="0"/>
-              </a:rPr>
-              <a:t>-&gt;</a:t>
-            </a:r>
-            <a:r>
-              <a:rPr kumimoji="0" lang="zh-CN" altLang="zh-CN" sz="2800" b="0" i="0" u="none" strike="noStrike" cap="none" normalizeH="0" baseline="0" dirty="0">
-                <a:ln>
-                  <a:noFill/>
-                </a:ln>
-                <a:solidFill>
-                  <a:srgbClr val="000000"/>
-                </a:solidFill>
-                <a:effectLst/>
-                <a:latin typeface="Consolas" panose="020B0609020204030204" pitchFamily="49" charset="0"/>
-              </a:rPr>
-              <a:t>length() / kBytecodeSizeAllowancePerTick</a:t>
-            </a:r>
-            <a:r>
-              <a:rPr kumimoji="0" lang="en-US" altLang="zh-CN" sz="2800" b="0" i="0" u="none" strike="noStrike" cap="none" normalizeH="0" baseline="0" dirty="0">
-                <a:ln>
-                  <a:noFill/>
-                </a:ln>
-                <a:solidFill>
-                  <a:srgbClr val="000000"/>
-                </a:solidFill>
-                <a:effectLst/>
-                <a:latin typeface="Consolas" panose="020B0609020204030204" pitchFamily="49" charset="0"/>
-              </a:rPr>
-              <a:t> </a:t>
-            </a:r>
-            <a:r>
-              <a:rPr kumimoji="0" lang="en-US" altLang="zh-CN" sz="2800" b="0" i="0" u="none" strike="noStrike" cap="none" normalizeH="0" baseline="0" dirty="0">
-                <a:ln>
-                  <a:noFill/>
-                </a:ln>
-                <a:solidFill>
-                  <a:schemeClr val="accent3">
-                    <a:lumMod val="75000"/>
-                  </a:schemeClr>
-                </a:solidFill>
-                <a:effectLst/>
-                <a:latin typeface="Consolas" panose="020B0609020204030204" pitchFamily="49" charset="0"/>
-              </a:rPr>
-              <a:t>// 1200</a:t>
-            </a:r>
-            <a:r>
-              <a:rPr kumimoji="0" lang="zh-CN" altLang="zh-CN" sz="2800" b="0" i="0" u="none" strike="noStrike" cap="none" normalizeH="0" baseline="0" dirty="0">
-                <a:ln>
-                  <a:noFill/>
-                </a:ln>
-                <a:solidFill>
-                  <a:srgbClr val="000000"/>
-                </a:solidFill>
-                <a:effectLst/>
-                <a:latin typeface="Consolas" panose="020B0609020204030204" pitchFamily="49" charset="0"/>
-              </a:rPr>
-              <a:t>);</a:t>
-            </a:r>
             <a:br>
-              <a:rPr kumimoji="0" lang="zh-CN" altLang="zh-CN" sz="2800" b="0" i="0" u="none" strike="noStrike" cap="none" normalizeH="0" baseline="0" dirty="0">
+              <a:rPr kumimoji="0" lang="zh-CN" altLang="zh-CN" sz="3200" b="0" i="0" u="none" strike="noStrike" cap="none" normalizeH="0" baseline="0" dirty="0">
                 <a:ln>
                   <a:noFill/>
                 </a:ln>
@@ -13774,224 +14178,7 @@
               </a:rPr>
             </a:br>
             <a:r>
-              <a:rPr kumimoji="0" lang="zh-CN" altLang="zh-CN" sz="2800" b="0" i="0" u="none" strike="noStrike" cap="none" normalizeH="0" baseline="0" dirty="0">
-                <a:ln>
-                  <a:noFill/>
-                </a:ln>
-                <a:solidFill>
-                  <a:srgbClr val="000000"/>
-                </a:solidFill>
-                <a:effectLst/>
-                <a:latin typeface="Consolas" panose="020B0609020204030204" pitchFamily="49" charset="0"/>
-              </a:rPr>
-              <a:t>  </a:t>
-            </a:r>
-            <a:r>
-              <a:rPr kumimoji="0" lang="zh-CN" altLang="zh-CN" sz="2800" b="1" i="0" u="none" strike="noStrike" cap="none" normalizeH="0" baseline="0" dirty="0">
-                <a:ln>
-                  <a:noFill/>
-                </a:ln>
-                <a:solidFill>
-                  <a:srgbClr val="000080"/>
-                </a:solidFill>
-                <a:effectLst/>
-                <a:latin typeface="Consolas" panose="020B0609020204030204" pitchFamily="49" charset="0"/>
-              </a:rPr>
-              <a:t>if </a:t>
-            </a:r>
-            <a:r>
-              <a:rPr kumimoji="0" lang="zh-CN" altLang="zh-CN" sz="2800" b="0" i="0" u="none" strike="noStrike" cap="none" normalizeH="0" baseline="0" dirty="0">
-                <a:ln>
-                  <a:noFill/>
-                </a:ln>
-                <a:solidFill>
-                  <a:srgbClr val="000000"/>
-                </a:solidFill>
-                <a:effectLst/>
-                <a:latin typeface="Consolas" panose="020B0609020204030204" pitchFamily="49" charset="0"/>
-              </a:rPr>
-              <a:t>(ticks &gt;= ticks_for_optimization) {</a:t>
-            </a:r>
-            <a:br>
-              <a:rPr kumimoji="0" lang="zh-CN" altLang="zh-CN" sz="2800" b="0" i="0" u="none" strike="noStrike" cap="none" normalizeH="0" baseline="0" dirty="0">
-                <a:ln>
-                  <a:noFill/>
-                </a:ln>
-                <a:solidFill>
-                  <a:srgbClr val="000000"/>
-                </a:solidFill>
-                <a:effectLst/>
-                <a:latin typeface="Consolas" panose="020B0609020204030204" pitchFamily="49" charset="0"/>
-              </a:rPr>
-            </a:br>
-            <a:r>
-              <a:rPr kumimoji="0" lang="zh-CN" altLang="zh-CN" sz="2800" b="0" i="0" u="none" strike="noStrike" cap="none" normalizeH="0" baseline="0" dirty="0">
-                <a:ln>
-                  <a:noFill/>
-                </a:ln>
-                <a:solidFill>
-                  <a:srgbClr val="000000"/>
-                </a:solidFill>
-                <a:effectLst/>
-                <a:latin typeface="Consolas" panose="020B0609020204030204" pitchFamily="49" charset="0"/>
-              </a:rPr>
-              <a:t>    </a:t>
-            </a:r>
-            <a:r>
-              <a:rPr kumimoji="0" lang="zh-CN" altLang="zh-CN" sz="2800" b="1" i="0" u="none" strike="noStrike" cap="none" normalizeH="0" baseline="0" dirty="0">
-                <a:ln>
-                  <a:noFill/>
-                </a:ln>
-                <a:solidFill>
-                  <a:srgbClr val="000080"/>
-                </a:solidFill>
-                <a:effectLst/>
-                <a:latin typeface="Consolas" panose="020B0609020204030204" pitchFamily="49" charset="0"/>
-              </a:rPr>
-              <a:t>return </a:t>
-            </a:r>
-            <a:r>
-              <a:rPr kumimoji="0" lang="zh-CN" altLang="zh-CN" sz="2800" b="0" i="0" u="none" strike="noStrike" cap="none" normalizeH="0" baseline="0" dirty="0">
-                <a:ln>
-                  <a:noFill/>
-                </a:ln>
-                <a:solidFill>
-                  <a:srgbClr val="000000"/>
-                </a:solidFill>
-                <a:effectLst/>
-                <a:latin typeface="Consolas" panose="020B0609020204030204" pitchFamily="49" charset="0"/>
-              </a:rPr>
-              <a:t>OptimizationReason::kHotAndStable;</a:t>
-            </a:r>
-            <a:br>
-              <a:rPr kumimoji="0" lang="zh-CN" altLang="zh-CN" sz="2800" b="0" i="0" u="none" strike="noStrike" cap="none" normalizeH="0" baseline="0" dirty="0">
-                <a:ln>
-                  <a:noFill/>
-                </a:ln>
-                <a:solidFill>
-                  <a:srgbClr val="000000"/>
-                </a:solidFill>
-                <a:effectLst/>
-                <a:latin typeface="Consolas" panose="020B0609020204030204" pitchFamily="49" charset="0"/>
-              </a:rPr>
-            </a:br>
-            <a:r>
-              <a:rPr kumimoji="0" lang="zh-CN" altLang="zh-CN" sz="2800" b="0" i="0" u="none" strike="noStrike" cap="none" normalizeH="0" baseline="0" dirty="0">
-                <a:ln>
-                  <a:noFill/>
-                </a:ln>
-                <a:solidFill>
-                  <a:srgbClr val="000000"/>
-                </a:solidFill>
-                <a:effectLst/>
-                <a:latin typeface="Consolas" panose="020B0609020204030204" pitchFamily="49" charset="0"/>
-              </a:rPr>
-              <a:t>  } </a:t>
-            </a:r>
-            <a:r>
-              <a:rPr kumimoji="0" lang="zh-CN" altLang="zh-CN" sz="2800" b="1" i="0" u="none" strike="noStrike" cap="none" normalizeH="0" baseline="0" dirty="0">
-                <a:ln>
-                  <a:noFill/>
-                </a:ln>
-                <a:solidFill>
-                  <a:srgbClr val="000080"/>
-                </a:solidFill>
-                <a:effectLst/>
-                <a:latin typeface="Consolas" panose="020B0609020204030204" pitchFamily="49" charset="0"/>
-              </a:rPr>
-              <a:t>else if </a:t>
-            </a:r>
-            <a:r>
-              <a:rPr kumimoji="0" lang="zh-CN" altLang="zh-CN" sz="2800" b="0" i="0" u="none" strike="noStrike" cap="none" normalizeH="0" baseline="0" dirty="0">
-                <a:ln>
-                  <a:noFill/>
-                </a:ln>
-                <a:solidFill>
-                  <a:srgbClr val="000000"/>
-                </a:solidFill>
-                <a:effectLst/>
-                <a:latin typeface="Consolas" panose="020B0609020204030204" pitchFamily="49" charset="0"/>
-              </a:rPr>
-              <a:t>(!any_ic_changed_ &amp;&amp;</a:t>
-            </a:r>
-            <a:br>
-              <a:rPr kumimoji="0" lang="zh-CN" altLang="zh-CN" sz="2800" b="0" i="0" u="none" strike="noStrike" cap="none" normalizeH="0" baseline="0" dirty="0">
-                <a:ln>
-                  <a:noFill/>
-                </a:ln>
-                <a:solidFill>
-                  <a:srgbClr val="000000"/>
-                </a:solidFill>
-                <a:effectLst/>
-                <a:latin typeface="Consolas" panose="020B0609020204030204" pitchFamily="49" charset="0"/>
-              </a:rPr>
-            </a:br>
-            <a:r>
-              <a:rPr kumimoji="0" lang="zh-CN" altLang="zh-CN" sz="2800" b="0" i="0" u="none" strike="noStrike" cap="none" normalizeH="0" baseline="0" dirty="0">
-                <a:ln>
-                  <a:noFill/>
-                </a:ln>
-                <a:solidFill>
-                  <a:srgbClr val="000000"/>
-                </a:solidFill>
-                <a:effectLst/>
-                <a:latin typeface="Consolas" panose="020B0609020204030204" pitchFamily="49" charset="0"/>
-              </a:rPr>
-              <a:t>             bytecode</a:t>
-            </a:r>
-            <a:r>
-              <a:rPr kumimoji="0" lang="zh-CN" altLang="zh-CN" sz="2800" b="1" i="0" u="none" strike="noStrike" cap="none" normalizeH="0" baseline="0" dirty="0">
-                <a:ln>
-                  <a:noFill/>
-                </a:ln>
-                <a:solidFill>
-                  <a:srgbClr val="006666"/>
-                </a:solidFill>
-                <a:effectLst/>
-                <a:latin typeface="Consolas" panose="020B0609020204030204" pitchFamily="49" charset="0"/>
-              </a:rPr>
-              <a:t>-&gt;</a:t>
-            </a:r>
-            <a:r>
-              <a:rPr kumimoji="0" lang="zh-CN" altLang="zh-CN" sz="2800" b="0" i="0" u="none" strike="noStrike" cap="none" normalizeH="0" baseline="0" dirty="0">
-                <a:ln>
-                  <a:noFill/>
-                </a:ln>
-                <a:solidFill>
-                  <a:srgbClr val="000000"/>
-                </a:solidFill>
-                <a:effectLst/>
-                <a:latin typeface="Consolas" panose="020B0609020204030204" pitchFamily="49" charset="0"/>
-              </a:rPr>
-              <a:t>length() &lt; kMaxBytecodeSizeForEarlyOpt) {</a:t>
-            </a:r>
-            <a:br>
-              <a:rPr kumimoji="0" lang="zh-CN" altLang="zh-CN" sz="2800" b="0" i="0" u="none" strike="noStrike" cap="none" normalizeH="0" baseline="0" dirty="0">
-                <a:ln>
-                  <a:noFill/>
-                </a:ln>
-                <a:solidFill>
-                  <a:srgbClr val="000000"/>
-                </a:solidFill>
-                <a:effectLst/>
-                <a:latin typeface="Consolas" panose="020B0609020204030204" pitchFamily="49" charset="0"/>
-              </a:rPr>
-            </a:br>
-            <a:r>
-              <a:rPr kumimoji="0" lang="zh-CN" altLang="zh-CN" sz="2800" b="0" i="0" u="none" strike="noStrike" cap="none" normalizeH="0" baseline="0" dirty="0">
-                <a:ln>
-                  <a:noFill/>
-                </a:ln>
-                <a:solidFill>
-                  <a:srgbClr val="000000"/>
-                </a:solidFill>
-                <a:effectLst/>
-                <a:latin typeface="Consolas" panose="020B0609020204030204" pitchFamily="49" charset="0"/>
-              </a:rPr>
-              <a:t>    </a:t>
-            </a:r>
-            <a:r>
-              <a:rPr kumimoji="0" lang="zh-CN" altLang="zh-CN" sz="2800" b="0" i="1" u="none" strike="noStrike" cap="none" normalizeH="0" baseline="0" dirty="0">
+              <a:rPr kumimoji="0" lang="zh-CN" altLang="zh-CN" sz="3200" b="0" i="1" u="none" strike="noStrike" cap="none" normalizeH="0" baseline="0" dirty="0">
                 <a:ln>
                   <a:noFill/>
                 </a:ln>
@@ -14001,10 +14188,10 @@
                 <a:effectLst/>
                 <a:latin typeface="Consolas" panose="020B0609020204030204" pitchFamily="49" charset="0"/>
               </a:rPr>
-              <a:t>// If no IC was patched since the last tick and this function is very</a:t>
-            </a:r>
-            <a:br>
-              <a:rPr kumimoji="0" lang="zh-CN" altLang="zh-CN" sz="2800" b="0" i="1" u="none" strike="noStrike" cap="none" normalizeH="0" baseline="0" dirty="0">
+              <a:t>//generate(10)</a:t>
+            </a:r>
+            <a:r>
+              <a:rPr kumimoji="0" lang="zh-CN" altLang="zh-CN" sz="3200" b="0" i="1" u="none" strike="noStrike" cap="none" normalizeH="0" baseline="0" dirty="0">
                 <a:ln>
                   <a:noFill/>
                 </a:ln>
@@ -14012,11 +14199,13 @@
                   <a:srgbClr val="808080"/>
                 </a:solidFill>
                 <a:effectLst/>
-                <a:latin typeface="Consolas" panose="020B0609020204030204" pitchFamily="49" charset="0"/>
-              </a:rPr>
-            </a:br>
-            <a:r>
-              <a:rPr kumimoji="0" lang="zh-CN" altLang="zh-CN" sz="2800" b="0" i="1" u="none" strike="noStrike" cap="none" normalizeH="0" baseline="0" dirty="0">
+                <a:latin typeface="Microsoft JhengHei" panose="020B0604030504040204" pitchFamily="34" charset="-120"/>
+                <a:ea typeface="Microsoft JhengHei" panose="020B0604030504040204" pitchFamily="34" charset="-120"/>
+              </a:rPr>
+              <a:t>：</a:t>
+            </a:r>
+            <a:r>
+              <a:rPr kumimoji="0" lang="zh-CN" altLang="zh-CN" sz="3200" b="0" i="1" u="none" strike="noStrike" cap="none" normalizeH="0" baseline="0" dirty="0">
                 <a:ln>
                   <a:noFill/>
                 </a:ln>
@@ -14026,161 +14215,9 @@
                 <a:effectLst/>
                 <a:latin typeface="Consolas" panose="020B0609020204030204" pitchFamily="49" charset="0"/>
               </a:rPr>
-              <a:t>    // small, optimistically optimize it now.</a:t>
-            </a:r>
-            <a:br>
-              <a:rPr kumimoji="0" lang="zh-CN" altLang="zh-CN" sz="2800" b="0" i="1" u="none" strike="noStrike" cap="none" normalizeH="0" baseline="0" dirty="0">
-                <a:ln>
-                  <a:noFill/>
-                </a:ln>
-                <a:solidFill>
-                  <a:srgbClr val="808080"/>
-                </a:solidFill>
-                <a:effectLst/>
-                <a:latin typeface="Consolas" panose="020B0609020204030204" pitchFamily="49" charset="0"/>
-              </a:rPr>
-            </a:br>
-            <a:r>
-              <a:rPr kumimoji="0" lang="zh-CN" altLang="zh-CN" sz="2800" b="0" i="1" u="none" strike="noStrike" cap="none" normalizeH="0" baseline="0" dirty="0">
-                <a:ln>
-                  <a:noFill/>
-                </a:ln>
-                <a:solidFill>
-                  <a:srgbClr val="808080"/>
-                </a:solidFill>
-                <a:effectLst/>
-                <a:latin typeface="Consolas" panose="020B0609020204030204" pitchFamily="49" charset="0"/>
-              </a:rPr>
-              <a:t>    </a:t>
-            </a:r>
-            <a:r>
-              <a:rPr kumimoji="0" lang="zh-CN" altLang="zh-CN" sz="2800" b="1" i="0" u="none" strike="noStrike" cap="none" normalizeH="0" baseline="0" dirty="0">
-                <a:ln>
-                  <a:noFill/>
-                </a:ln>
-                <a:solidFill>
-                  <a:srgbClr val="000080"/>
-                </a:solidFill>
-                <a:effectLst/>
-                <a:latin typeface="Consolas" panose="020B0609020204030204" pitchFamily="49" charset="0"/>
-              </a:rPr>
-              <a:t>return </a:t>
-            </a:r>
-            <a:r>
-              <a:rPr kumimoji="0" lang="zh-CN" altLang="zh-CN" sz="2800" b="0" i="0" u="none" strike="noStrike" cap="none" normalizeH="0" baseline="0" dirty="0">
-                <a:ln>
-                  <a:noFill/>
-                </a:ln>
-                <a:solidFill>
-                  <a:srgbClr val="000000"/>
-                </a:solidFill>
-                <a:effectLst/>
-                <a:latin typeface="Consolas" panose="020B0609020204030204" pitchFamily="49" charset="0"/>
-              </a:rPr>
-              <a:t>OptimizationReason::kSmallFunction;</a:t>
-            </a:r>
-            <a:br>
-              <a:rPr kumimoji="0" lang="zh-CN" altLang="zh-CN" sz="2800" b="0" i="0" u="none" strike="noStrike" cap="none" normalizeH="0" baseline="0" dirty="0">
-                <a:ln>
-                  <a:noFill/>
-                </a:ln>
-                <a:solidFill>
-                  <a:srgbClr val="000000"/>
-                </a:solidFill>
-                <a:effectLst/>
-                <a:latin typeface="Consolas" panose="020B0609020204030204" pitchFamily="49" charset="0"/>
-              </a:rPr>
-            </a:br>
-            <a:r>
-              <a:rPr kumimoji="0" lang="zh-CN" altLang="zh-CN" sz="2800" b="0" i="0" u="none" strike="noStrike" cap="none" normalizeH="0" baseline="0" dirty="0">
-                <a:ln>
-                  <a:noFill/>
-                </a:ln>
-                <a:solidFill>
-                  <a:srgbClr val="000000"/>
-                </a:solidFill>
-                <a:effectLst/>
-                <a:latin typeface="Consolas" panose="020B0609020204030204" pitchFamily="49" charset="0"/>
-              </a:rPr>
-              <a:t>  }</a:t>
-            </a:r>
-            <a:br>
-              <a:rPr kumimoji="0" lang="zh-CN" altLang="zh-CN" sz="2800" b="0" i="0" u="none" strike="noStrike" cap="none" normalizeH="0" baseline="0" dirty="0">
-                <a:ln>
-                  <a:noFill/>
-                </a:ln>
-                <a:solidFill>
-                  <a:srgbClr val="000000"/>
-                </a:solidFill>
-                <a:effectLst/>
-                <a:latin typeface="Consolas" panose="020B0609020204030204" pitchFamily="49" charset="0"/>
-              </a:rPr>
-            </a:br>
-            <a:r>
-              <a:rPr kumimoji="0" lang="zh-CN" altLang="zh-CN" sz="2800" b="0" i="0" u="none" strike="noStrike" cap="none" normalizeH="0" baseline="0" dirty="0">
-                <a:ln>
-                  <a:noFill/>
-                </a:ln>
-                <a:solidFill>
-                  <a:srgbClr val="000000"/>
-                </a:solidFill>
-                <a:effectLst/>
-                <a:latin typeface="Consolas" panose="020B0609020204030204" pitchFamily="49" charset="0"/>
-              </a:rPr>
-              <a:t>  </a:t>
-            </a:r>
-            <a:r>
-              <a:rPr kumimoji="0" lang="zh-CN" altLang="zh-CN" sz="2800" b="1" i="0" u="none" strike="noStrike" cap="none" normalizeH="0" baseline="0" dirty="0">
-                <a:ln>
-                  <a:noFill/>
-                </a:ln>
-                <a:solidFill>
-                  <a:srgbClr val="000080"/>
-                </a:solidFill>
-                <a:effectLst/>
-                <a:latin typeface="Consolas" panose="020B0609020204030204" pitchFamily="49" charset="0"/>
-              </a:rPr>
-              <a:t>return </a:t>
-            </a:r>
-            <a:r>
-              <a:rPr kumimoji="0" lang="zh-CN" altLang="zh-CN" sz="2800" b="0" i="0" u="none" strike="noStrike" cap="none" normalizeH="0" baseline="0" dirty="0">
-                <a:ln>
-                  <a:noFill/>
-                </a:ln>
-                <a:solidFill>
-                  <a:srgbClr val="000000"/>
-                </a:solidFill>
-                <a:effectLst/>
-                <a:latin typeface="Consolas" panose="020B0609020204030204" pitchFamily="49" charset="0"/>
-              </a:rPr>
-              <a:t>OptimizationReason::kDoNotOptimize;</a:t>
-            </a:r>
-            <a:br>
-              <a:rPr kumimoji="0" lang="zh-CN" altLang="zh-CN" sz="2800" b="0" i="0" u="none" strike="noStrike" cap="none" normalizeH="0" baseline="0" dirty="0">
-                <a:ln>
-                  <a:noFill/>
-                </a:ln>
-                <a:solidFill>
-                  <a:srgbClr val="000000"/>
-                </a:solidFill>
-                <a:effectLst/>
-                <a:latin typeface="Consolas" panose="020B0609020204030204" pitchFamily="49" charset="0"/>
-              </a:rPr>
-            </a:br>
-            <a:r>
-              <a:rPr kumimoji="0" lang="zh-CN" altLang="zh-CN" sz="2800" b="0" i="0" u="none" strike="noStrike" cap="none" normalizeH="0" baseline="0" dirty="0">
-                <a:ln>
-                  <a:noFill/>
-                </a:ln>
-                <a:solidFill>
-                  <a:srgbClr val="000000"/>
-                </a:solidFill>
-                <a:effectLst/>
-                <a:latin typeface="Consolas" panose="020B0609020204030204" pitchFamily="49" charset="0"/>
-              </a:rPr>
-              <a:t>}</a:t>
-            </a:r>
-            <a:endParaRPr kumimoji="0" lang="zh-CN" altLang="zh-CN" sz="5400" b="0" i="0" u="none" strike="noStrike" cap="none" normalizeH="0" baseline="0" dirty="0">
+              <a:t> function func10(x) { return 0+x+x+x+x+x+x+x+x+x+x; }</a:t>
+            </a:r>
+            <a:endParaRPr kumimoji="0" lang="zh-CN" altLang="zh-CN" sz="6000" b="0" i="0" u="none" strike="noStrike" cap="none" normalizeH="0" baseline="0" dirty="0">
               <a:ln>
                 <a:noFill/>
               </a:ln>
@@ -14195,45 +14232,209 @@
       </p:sp>
       <p:sp>
         <p:nvSpPr>
-          <p:cNvPr id="5" name="矩形 4">
+          <p:cNvPr id="9" name="文本框 8">
             <a:extLst>
               <a:ext uri="{FF2B5EF4-FFF2-40B4-BE49-F238E27FC236}">
-                <a16:creationId xmlns:a16="http://schemas.microsoft.com/office/drawing/2014/main" id="{273EBEB9-F670-434D-BF2A-397BFC1AAC46}"/>
+                <a16:creationId xmlns:a16="http://schemas.microsoft.com/office/drawing/2014/main" id="{4EB9BC0F-5D9B-4051-87F5-8589242E589B}"/>
               </a:ext>
             </a:extLst>
           </p:cNvPr>
-          <p:cNvSpPr/>
+          <p:cNvSpPr txBox="1"/>
           <p:nvPr/>
         </p:nvSpPr>
         <p:spPr>
           <a:xfrm>
-            <a:off x="620087" y="5722612"/>
-            <a:ext cx="6661785" cy="646331"/>
+            <a:off x="3228071" y="3889097"/>
+            <a:ext cx="14792960" cy="1579920"/>
           </a:xfrm>
           <a:prstGeom prst="rect">
             <a:avLst/>
           </a:prstGeom>
+          <a:noFill/>
+          <a:ln w="12700" cap="flat">
+            <a:noFill/>
+            <a:miter lim="400000"/>
+          </a:ln>
         </p:spPr>
+        <p:style>
+          <a:lnRef idx="0">
+            <a:scrgbClr r="0" g="0" b="0"/>
+          </a:lnRef>
+          <a:fillRef idx="0">
+            <a:scrgbClr r="0" g="0" b="0"/>
+          </a:fillRef>
+          <a:effectRef idx="0">
+            <a:scrgbClr r="0" g="0" b="0"/>
+          </a:effectRef>
+          <a:fontRef idx="none"/>
+        </p:style>
         <p:txBody>
-          <a:bodyPr wrap="square">
+          <a:bodyPr rot="0" spcFirstLastPara="1" vertOverflow="overflow" horzOverflow="overflow" vert="horz" wrap="square" lIns="50800" tIns="50800" rIns="50800" bIns="50800" numCol="1" spcCol="38100" rtlCol="0" anchor="ctr">
             <a:spAutoFit/>
           </a:bodyPr>
           <a:lstStyle/>
           <a:p>
-            <a:r>
-              <a:rPr lang="en-US" altLang="zh-CN" sz="3600" dirty="0">
-                <a:hlinkClick r:id="rId5"/>
-              </a:rPr>
-              <a:t>/deps/v8/src/runtime-profiler.cc</a:t>
-            </a:r>
-            <a:endParaRPr lang="zh-CN" altLang="en-US" sz="3600" dirty="0"/>
+            <a:pPr marL="514350" marR="0" indent="-514350" algn="l" defTabSz="825500" rtl="0" fontAlgn="auto" latinLnBrk="0" hangingPunct="0">
+              <a:lnSpc>
+                <a:spcPct val="100000"/>
+              </a:lnSpc>
+              <a:spcBef>
+                <a:spcPts val="0"/>
+              </a:spcBef>
+              <a:spcAft>
+                <a:spcPts val="0"/>
+              </a:spcAft>
+              <a:buClrTx/>
+              <a:buSzTx/>
+              <a:buFontTx/>
+              <a:buAutoNum type="arabicPeriod"/>
+            </a:pPr>
+            <a:r>
+              <a:rPr lang="en-US" altLang="zh-CN" sz="3200" dirty="0">
+                <a:latin typeface="微软雅黑" panose="020B0503020204020204" pitchFamily="34" charset="-122"/>
+                <a:ea typeface="微软雅黑" panose="020B0503020204020204" pitchFamily="34" charset="-122"/>
+              </a:rPr>
+              <a:t>Node</a:t>
+            </a:r>
+            <a:r>
+              <a:rPr lang="zh-CN" altLang="en-US" sz="3200" dirty="0">
+                <a:latin typeface="微软雅黑" panose="020B0503020204020204" pitchFamily="34" charset="-122"/>
+                <a:ea typeface="微软雅黑" panose="020B0503020204020204" pitchFamily="34" charset="-122"/>
+              </a:rPr>
+              <a:t> </a:t>
+            </a:r>
+            <a:r>
+              <a:rPr lang="en-US" altLang="zh-CN" sz="3200" dirty="0">
+                <a:solidFill>
+                  <a:schemeClr val="tx2">
+                    <a:lumMod val="75000"/>
+                  </a:schemeClr>
+                </a:solidFill>
+                <a:latin typeface="微软雅黑" panose="020B0503020204020204" pitchFamily="34" charset="-122"/>
+                <a:ea typeface="微软雅黑" panose="020B0503020204020204" pitchFamily="34" charset="-122"/>
+              </a:rPr>
+              <a:t>--opt / --no-opt</a:t>
+            </a:r>
+            <a:r>
+              <a:rPr lang="en-US" altLang="zh-CN" sz="3200" dirty="0">
+                <a:latin typeface="微软雅黑" panose="020B0503020204020204" pitchFamily="34" charset="-122"/>
+                <a:ea typeface="微软雅黑" panose="020B0503020204020204" pitchFamily="34" charset="-122"/>
+              </a:rPr>
+              <a:t>     </a:t>
+            </a:r>
+            <a:r>
+              <a:rPr lang="zh-CN" altLang="en-US" sz="3200" dirty="0">
+                <a:latin typeface="微软雅黑" panose="020B0503020204020204" pitchFamily="34" charset="-122"/>
+                <a:ea typeface="微软雅黑" panose="020B0503020204020204" pitchFamily="34" charset="-122"/>
+              </a:rPr>
+              <a:t>开启 </a:t>
+            </a:r>
+            <a:r>
+              <a:rPr lang="en-US" altLang="zh-CN" sz="3200" dirty="0">
+                <a:latin typeface="微软雅黑" panose="020B0503020204020204" pitchFamily="34" charset="-122"/>
+                <a:ea typeface="微软雅黑" panose="020B0503020204020204" pitchFamily="34" charset="-122"/>
+              </a:rPr>
+              <a:t>/ </a:t>
+            </a:r>
+            <a:r>
+              <a:rPr lang="zh-CN" altLang="en-US" sz="3200" dirty="0">
+                <a:latin typeface="微软雅黑" panose="020B0503020204020204" pitchFamily="34" charset="-122"/>
+                <a:ea typeface="微软雅黑" panose="020B0503020204020204" pitchFamily="34" charset="-122"/>
+              </a:rPr>
+              <a:t>关闭 </a:t>
+            </a:r>
+            <a:r>
+              <a:rPr lang="en-US" altLang="zh-CN" sz="3200" dirty="0">
+                <a:latin typeface="微软雅黑" panose="020B0503020204020204" pitchFamily="34" charset="-122"/>
+                <a:ea typeface="微软雅黑" panose="020B0503020204020204" pitchFamily="34" charset="-122"/>
+              </a:rPr>
+              <a:t>Turbofan </a:t>
+            </a:r>
+            <a:r>
+              <a:rPr lang="zh-CN" altLang="en-US" sz="3200" dirty="0">
+                <a:latin typeface="微软雅黑" panose="020B0503020204020204" pitchFamily="34" charset="-122"/>
+                <a:ea typeface="微软雅黑" panose="020B0503020204020204" pitchFamily="34" charset="-122"/>
+              </a:rPr>
+              <a:t>优化（默认开启）</a:t>
+            </a:r>
+            <a:endParaRPr lang="en-US" altLang="zh-CN" sz="3200" dirty="0">
+              <a:latin typeface="微软雅黑" panose="020B0503020204020204" pitchFamily="34" charset="-122"/>
+              <a:ea typeface="微软雅黑" panose="020B0503020204020204" pitchFamily="34" charset="-122"/>
+            </a:endParaRPr>
+          </a:p>
+          <a:p>
+            <a:pPr marL="514350" marR="0" indent="-514350" algn="l" defTabSz="825500" rtl="0" fontAlgn="auto" latinLnBrk="0" hangingPunct="0">
+              <a:lnSpc>
+                <a:spcPct val="100000"/>
+              </a:lnSpc>
+              <a:spcBef>
+                <a:spcPts val="0"/>
+              </a:spcBef>
+              <a:spcAft>
+                <a:spcPts val="0"/>
+              </a:spcAft>
+              <a:buClrTx/>
+              <a:buSzTx/>
+              <a:buFontTx/>
+              <a:buAutoNum type="arabicPeriod"/>
+            </a:pPr>
+            <a:endParaRPr kumimoji="0" lang="en-US" altLang="zh-CN" sz="3200" b="0" i="0" u="none" strike="noStrike" cap="none" spc="0" normalizeH="0" baseline="0" dirty="0">
+              <a:ln>
+                <a:noFill/>
+              </a:ln>
+              <a:solidFill>
+                <a:srgbClr val="000000"/>
+              </a:solidFill>
+              <a:effectLst/>
+              <a:uFillTx/>
+              <a:latin typeface="微软雅黑" panose="020B0503020204020204" pitchFamily="34" charset="-122"/>
+              <a:ea typeface="微软雅黑" panose="020B0503020204020204" pitchFamily="34" charset="-122"/>
+              <a:sym typeface="Helvetica Neue Medium"/>
+            </a:endParaRPr>
+          </a:p>
+          <a:p>
+            <a:pPr marL="514350" marR="0" indent="-514350" algn="l" defTabSz="825500" rtl="0" fontAlgn="auto" latinLnBrk="0" hangingPunct="0">
+              <a:lnSpc>
+                <a:spcPct val="100000"/>
+              </a:lnSpc>
+              <a:spcBef>
+                <a:spcPts val="0"/>
+              </a:spcBef>
+              <a:spcAft>
+                <a:spcPts val="0"/>
+              </a:spcAft>
+              <a:buClrTx/>
+              <a:buSzTx/>
+              <a:buFontTx/>
+              <a:buAutoNum type="arabicPeriod"/>
+            </a:pPr>
+            <a:r>
+              <a:rPr lang="zh-CN" altLang="en-US" sz="3200" dirty="0">
+                <a:latin typeface="微软雅黑" panose="020B0503020204020204" pitchFamily="34" charset="-122"/>
+                <a:ea typeface="微软雅黑" panose="020B0503020204020204" pitchFamily="34" charset="-122"/>
+              </a:rPr>
+              <a:t>函数生成</a:t>
+            </a:r>
+            <a:endParaRPr kumimoji="0" lang="zh-CN" altLang="en-US" sz="3200" b="0" i="0" u="none" strike="noStrike" cap="none" spc="0" normalizeH="0" baseline="0" dirty="0">
+              <a:ln>
+                <a:noFill/>
+              </a:ln>
+              <a:solidFill>
+                <a:srgbClr val="000000"/>
+              </a:solidFill>
+              <a:effectLst/>
+              <a:uFillTx/>
+              <a:latin typeface="微软雅黑" panose="020B0503020204020204" pitchFamily="34" charset="-122"/>
+              <a:ea typeface="微软雅黑" panose="020B0503020204020204" pitchFamily="34" charset="-122"/>
+              <a:sym typeface="Helvetica Neue Medium"/>
+            </a:endParaRPr>
           </a:p>
         </p:txBody>
       </p:sp>
     </p:spTree>
     <p:extLst>
       <p:ext uri="{BB962C8B-B14F-4D97-AF65-F5344CB8AC3E}">
-        <p14:creationId xmlns:p14="http://schemas.microsoft.com/office/powerpoint/2010/main" val="2140821272"/>
+        <p14:creationId xmlns:p14="http://schemas.microsoft.com/office/powerpoint/2010/main" val="199629400"/>
       </p:ext>
     </p:extLst>
   </p:cSld>
@@ -14409,10 +14610,10 @@
       </p:pic>
       <p:sp>
         <p:nvSpPr>
-          <p:cNvPr id="6" name="Rectangle 3">
+          <p:cNvPr id="2" name="Rectangle 1">
             <a:extLst>
               <a:ext uri="{FF2B5EF4-FFF2-40B4-BE49-F238E27FC236}">
-                <a16:creationId xmlns:a16="http://schemas.microsoft.com/office/drawing/2014/main" id="{E3F9946E-6BF7-4E2E-836B-9E88751D0190}"/>
+                <a16:creationId xmlns:a16="http://schemas.microsoft.com/office/drawing/2014/main" id="{69BDFEF3-DC07-4135-BA40-7F31D5A79B86}"/>
               </a:ext>
             </a:extLst>
           </p:cNvPr>
@@ -14423,8 +14624,8 @@
         </p:nvSpPr>
         <p:spPr bwMode="auto">
           <a:xfrm>
-            <a:off x="3228071" y="5760720"/>
-            <a:ext cx="15738604" cy="5016758"/>
+            <a:off x="1763486" y="5560236"/>
+            <a:ext cx="9825126" cy="4832092"/>
           </a:xfrm>
           <a:prstGeom prst="rect">
             <a:avLst/>
@@ -14484,7 +14685,7 @@
               <a:tabLst/>
             </a:pPr>
             <a:r>
-              <a:rPr kumimoji="0" lang="zh-CN" altLang="zh-CN" sz="3200" b="1" i="0" u="none" strike="noStrike" cap="none" normalizeH="0" baseline="0" dirty="0">
+              <a:rPr kumimoji="0" lang="zh-CN" altLang="zh-CN" sz="4400" b="1" i="0" u="none" strike="noStrike" cap="none" normalizeH="0" baseline="0" dirty="0">
                 <a:ln>
                   <a:noFill/>
                 </a:ln>
@@ -14494,10 +14695,36 @@
                 <a:effectLst/>
                 <a:latin typeface="Consolas" panose="020B0609020204030204" pitchFamily="49" charset="0"/>
               </a:rPr>
-              <a:t>function </a:t>
-            </a:r>
-            <a:r>
-              <a:rPr kumimoji="0" lang="zh-CN" altLang="zh-CN" sz="3200" b="0" i="1" u="none" strike="noStrike" cap="none" normalizeH="0" baseline="0" dirty="0">
+              <a:t>const </a:t>
+            </a:r>
+            <a:r>
+              <a:rPr kumimoji="0" lang="zh-CN" altLang="zh-CN" sz="4400" b="1" i="1" u="none" strike="noStrike" cap="none" normalizeH="0" baseline="0" dirty="0">
+                <a:ln>
+                  <a:noFill/>
+                </a:ln>
+                <a:solidFill>
+                  <a:srgbClr val="660E7A"/>
+                </a:solidFill>
+                <a:effectLst/>
+                <a:latin typeface="Consolas" panose="020B0609020204030204" pitchFamily="49" charset="0"/>
+              </a:rPr>
+              <a:t>func10 </a:t>
+            </a:r>
+            <a:r>
+              <a:rPr kumimoji="0" lang="zh-CN" altLang="zh-CN" sz="4400" b="0" i="0" u="none" strike="noStrike" cap="none" normalizeH="0" baseline="0" dirty="0">
+                <a:ln>
+                  <a:noFill/>
+                </a:ln>
+                <a:solidFill>
+                  <a:srgbClr val="000000"/>
+                </a:solidFill>
+                <a:effectLst/>
+                <a:latin typeface="Consolas" panose="020B0609020204030204" pitchFamily="49" charset="0"/>
+              </a:rPr>
+              <a:t>= </a:t>
+            </a:r>
+            <a:r>
+              <a:rPr kumimoji="0" lang="zh-CN" altLang="zh-CN" sz="4400" b="0" i="1" u="none" strike="noStrike" cap="none" normalizeH="0" baseline="0" dirty="0">
                 <a:ln>
                   <a:noFill/>
                 </a:ln>
@@ -14510,20 +14737,46 @@
               <a:t>generate</a:t>
             </a:r>
             <a:r>
-              <a:rPr kumimoji="0" lang="zh-CN" altLang="zh-CN" sz="3200" b="0" i="0" u="none" strike="noStrike" cap="none" normalizeH="0" baseline="0" dirty="0">
-                <a:ln>
-                  <a:noFill/>
-                </a:ln>
-                <a:solidFill>
-                  <a:srgbClr val="000000"/>
-                </a:solidFill>
-                <a:effectLst/>
-                <a:latin typeface="Consolas" panose="020B0609020204030204" pitchFamily="49" charset="0"/>
-              </a:rPr>
-              <a:t>(n) {</a:t>
+              <a:rPr kumimoji="0" lang="zh-CN" altLang="zh-CN" sz="4400" b="0" i="0" u="none" strike="noStrike" cap="none" normalizeH="0" baseline="0" dirty="0">
+                <a:ln>
+                  <a:noFill/>
+                </a:ln>
+                <a:solidFill>
+                  <a:srgbClr val="000000"/>
+                </a:solidFill>
+                <a:effectLst/>
+                <a:latin typeface="Consolas" panose="020B0609020204030204" pitchFamily="49" charset="0"/>
+              </a:rPr>
+              <a:t>(</a:t>
+            </a:r>
+            <a:r>
+              <a:rPr kumimoji="0" lang="zh-CN" altLang="zh-CN" sz="4400" b="0" i="0" u="none" strike="noStrike" cap="none" normalizeH="0" baseline="0" dirty="0">
+                <a:ln>
+                  <a:noFill/>
+                </a:ln>
+                <a:solidFill>
+                  <a:srgbClr val="0000FF"/>
+                </a:solidFill>
+                <a:effectLst/>
+                <a:latin typeface="Consolas" panose="020B0609020204030204" pitchFamily="49" charset="0"/>
+              </a:rPr>
+              <a:t>10</a:t>
+            </a:r>
+            <a:r>
+              <a:rPr kumimoji="0" lang="zh-CN" altLang="zh-CN" sz="4400" b="0" i="0" u="none" strike="noStrike" cap="none" normalizeH="0" baseline="0" dirty="0">
+                <a:ln>
+                  <a:noFill/>
+                </a:ln>
+                <a:solidFill>
+                  <a:srgbClr val="000000"/>
+                </a:solidFill>
+                <a:effectLst/>
+                <a:latin typeface="Consolas" panose="020B0609020204030204" pitchFamily="49" charset="0"/>
+              </a:rPr>
+              <a:t>);</a:t>
             </a:r>
             <a:br>
-              <a:rPr kumimoji="0" lang="zh-CN" altLang="zh-CN" sz="3200" b="0" i="0" u="none" strike="noStrike" cap="none" normalizeH="0" baseline="0" dirty="0">
+              <a:rPr kumimoji="0" lang="zh-CN" altLang="zh-CN" sz="4400" b="0" i="0" u="none" strike="noStrike" cap="none" normalizeH="0" baseline="0" dirty="0">
                 <a:ln>
                   <a:noFill/>
                 </a:ln>
@@ -14535,7 +14788,355 @@
               </a:rPr>
             </a:br>
             <a:r>
-              <a:rPr kumimoji="0" lang="zh-CN" altLang="zh-CN" sz="3200" b="0" i="0" u="none" strike="noStrike" cap="none" normalizeH="0" baseline="0" dirty="0">
+              <a:rPr kumimoji="0" lang="zh-CN" altLang="zh-CN" sz="4400" b="1" i="1" u="none" strike="noStrike" cap="none" normalizeH="0" baseline="0" dirty="0">
+                <a:ln>
+                  <a:noFill/>
+                </a:ln>
+                <a:solidFill>
+                  <a:srgbClr val="660E7A"/>
+                </a:solidFill>
+                <a:effectLst/>
+                <a:latin typeface="Consolas" panose="020B0609020204030204" pitchFamily="49" charset="0"/>
+              </a:rPr>
+              <a:t>console</a:t>
+            </a:r>
+            <a:r>
+              <a:rPr kumimoji="0" lang="zh-CN" altLang="zh-CN" sz="4400" b="0" i="0" u="none" strike="noStrike" cap="none" normalizeH="0" baseline="0" dirty="0">
+                <a:ln>
+                  <a:noFill/>
+                </a:ln>
+                <a:solidFill>
+                  <a:srgbClr val="000000"/>
+                </a:solidFill>
+                <a:effectLst/>
+                <a:latin typeface="Consolas" panose="020B0609020204030204" pitchFamily="49" charset="0"/>
+              </a:rPr>
+              <a:t>.</a:t>
+            </a:r>
+            <a:r>
+              <a:rPr kumimoji="0" lang="zh-CN" altLang="zh-CN" sz="4400" b="0" i="0" u="none" strike="noStrike" cap="none" normalizeH="0" baseline="0" dirty="0">
+                <a:ln>
+                  <a:noFill/>
+                </a:ln>
+                <a:solidFill>
+                  <a:srgbClr val="7A7A43"/>
+                </a:solidFill>
+                <a:effectLst/>
+                <a:latin typeface="Consolas" panose="020B0609020204030204" pitchFamily="49" charset="0"/>
+              </a:rPr>
+              <a:t>time</a:t>
+            </a:r>
+            <a:r>
+              <a:rPr kumimoji="0" lang="zh-CN" altLang="zh-CN" sz="4400" b="0" i="0" u="none" strike="noStrike" cap="none" normalizeH="0" baseline="0" dirty="0">
+                <a:ln>
+                  <a:noFill/>
+                </a:ln>
+                <a:solidFill>
+                  <a:srgbClr val="000000"/>
+                </a:solidFill>
+                <a:effectLst/>
+                <a:latin typeface="Consolas" panose="020B0609020204030204" pitchFamily="49" charset="0"/>
+              </a:rPr>
+              <a:t>(</a:t>
+            </a:r>
+            <a:r>
+              <a:rPr kumimoji="0" lang="zh-CN" altLang="zh-CN" sz="4400" b="1" i="0" u="none" strike="noStrike" cap="none" normalizeH="0" baseline="0" dirty="0">
+                <a:ln>
+                  <a:noFill/>
+                </a:ln>
+                <a:solidFill>
+                  <a:srgbClr val="008000"/>
+                </a:solidFill>
+                <a:effectLst/>
+                <a:latin typeface="Consolas" panose="020B0609020204030204" pitchFamily="49" charset="0"/>
+              </a:rPr>
+              <a:t>'measure'</a:t>
+            </a:r>
+            <a:r>
+              <a:rPr kumimoji="0" lang="zh-CN" altLang="zh-CN" sz="4400" b="0" i="0" u="none" strike="noStrike" cap="none" normalizeH="0" baseline="0" dirty="0">
+                <a:ln>
+                  <a:noFill/>
+                </a:ln>
+                <a:solidFill>
+                  <a:srgbClr val="000000"/>
+                </a:solidFill>
+                <a:effectLst/>
+                <a:latin typeface="Consolas" panose="020B0609020204030204" pitchFamily="49" charset="0"/>
+              </a:rPr>
+              <a:t>);</a:t>
+            </a:r>
+            <a:br>
+              <a:rPr kumimoji="0" lang="zh-CN" altLang="zh-CN" sz="4400" b="0" i="0" u="none" strike="noStrike" cap="none" normalizeH="0" baseline="0" dirty="0">
+                <a:ln>
+                  <a:noFill/>
+                </a:ln>
+                <a:solidFill>
+                  <a:srgbClr val="000000"/>
+                </a:solidFill>
+                <a:effectLst/>
+                <a:latin typeface="Consolas" panose="020B0609020204030204" pitchFamily="49" charset="0"/>
+              </a:rPr>
+            </a:br>
+            <a:r>
+              <a:rPr kumimoji="0" lang="zh-CN" altLang="zh-CN" sz="4400" b="1" i="0" u="none" strike="noStrike" cap="none" normalizeH="0" baseline="0" dirty="0">
+                <a:ln>
+                  <a:noFill/>
+                </a:ln>
+                <a:solidFill>
+                  <a:srgbClr val="000080"/>
+                </a:solidFill>
+                <a:effectLst/>
+                <a:latin typeface="Consolas" panose="020B0609020204030204" pitchFamily="49" charset="0"/>
+              </a:rPr>
+              <a:t>let </a:t>
+            </a:r>
+            <a:r>
+              <a:rPr kumimoji="0" lang="zh-CN" altLang="zh-CN" sz="4400" b="1" i="1" u="none" strike="noStrike" cap="none" normalizeH="0" baseline="0" dirty="0">
+                <a:ln>
+                  <a:noFill/>
+                </a:ln>
+                <a:solidFill>
+                  <a:srgbClr val="660E7A"/>
+                </a:solidFill>
+                <a:effectLst/>
+                <a:latin typeface="Consolas" panose="020B0609020204030204" pitchFamily="49" charset="0"/>
+              </a:rPr>
+              <a:t>result </a:t>
+            </a:r>
+            <a:r>
+              <a:rPr kumimoji="0" lang="zh-CN" altLang="zh-CN" sz="4400" b="0" i="0" u="none" strike="noStrike" cap="none" normalizeH="0" baseline="0" dirty="0">
+                <a:ln>
+                  <a:noFill/>
+                </a:ln>
+                <a:solidFill>
+                  <a:srgbClr val="000000"/>
+                </a:solidFill>
+                <a:effectLst/>
+                <a:latin typeface="Consolas" panose="020B0609020204030204" pitchFamily="49" charset="0"/>
+              </a:rPr>
+              <a:t>= </a:t>
+            </a:r>
+            <a:r>
+              <a:rPr kumimoji="0" lang="zh-CN" altLang="zh-CN" sz="4400" b="0" i="0" u="none" strike="noStrike" cap="none" normalizeH="0" baseline="0" dirty="0">
+                <a:ln>
+                  <a:noFill/>
+                </a:ln>
+                <a:solidFill>
+                  <a:srgbClr val="0000FF"/>
+                </a:solidFill>
+                <a:effectLst/>
+                <a:latin typeface="Consolas" panose="020B0609020204030204" pitchFamily="49" charset="0"/>
+              </a:rPr>
+              <a:t>0</a:t>
+            </a:r>
+            <a:r>
+              <a:rPr kumimoji="0" lang="zh-CN" altLang="zh-CN" sz="4400" b="0" i="0" u="none" strike="noStrike" cap="none" normalizeH="0" baseline="0" dirty="0">
+                <a:ln>
+                  <a:noFill/>
+                </a:ln>
+                <a:solidFill>
+                  <a:srgbClr val="000000"/>
+                </a:solidFill>
+                <a:effectLst/>
+                <a:latin typeface="Consolas" panose="020B0609020204030204" pitchFamily="49" charset="0"/>
+              </a:rPr>
+              <a:t>;</a:t>
+            </a:r>
+            <a:br>
+              <a:rPr kumimoji="0" lang="zh-CN" altLang="zh-CN" sz="4400" b="0" i="0" u="none" strike="noStrike" cap="none" normalizeH="0" baseline="0" dirty="0">
+                <a:ln>
+                  <a:noFill/>
+                </a:ln>
+                <a:solidFill>
+                  <a:srgbClr val="000000"/>
+                </a:solidFill>
+                <a:effectLst/>
+                <a:latin typeface="Consolas" panose="020B0609020204030204" pitchFamily="49" charset="0"/>
+              </a:rPr>
+            </a:br>
+            <a:r>
+              <a:rPr kumimoji="0" lang="zh-CN" altLang="zh-CN" sz="4400" b="1" i="0" u="none" strike="noStrike" cap="none" normalizeH="0" baseline="0" dirty="0">
+                <a:ln>
+                  <a:noFill/>
+                </a:ln>
+                <a:solidFill>
+                  <a:srgbClr val="000080"/>
+                </a:solidFill>
+                <a:effectLst/>
+                <a:latin typeface="Consolas" panose="020B0609020204030204" pitchFamily="49" charset="0"/>
+              </a:rPr>
+              <a:t>for </a:t>
+            </a:r>
+            <a:r>
+              <a:rPr kumimoji="0" lang="zh-CN" altLang="zh-CN" sz="4400" b="0" i="0" u="none" strike="noStrike" cap="none" normalizeH="0" baseline="0" dirty="0">
+                <a:ln>
+                  <a:noFill/>
+                </a:ln>
+                <a:solidFill>
+                  <a:srgbClr val="000000"/>
+                </a:solidFill>
+                <a:effectLst/>
+                <a:latin typeface="Consolas" panose="020B0609020204030204" pitchFamily="49" charset="0"/>
+              </a:rPr>
+              <a:t>(</a:t>
+            </a:r>
+            <a:r>
+              <a:rPr kumimoji="0" lang="zh-CN" altLang="zh-CN" sz="4400" b="1" i="0" u="none" strike="noStrike" cap="none" normalizeH="0" baseline="0" dirty="0">
+                <a:ln>
+                  <a:noFill/>
+                </a:ln>
+                <a:solidFill>
+                  <a:srgbClr val="000080"/>
+                </a:solidFill>
+                <a:effectLst/>
+                <a:latin typeface="Consolas" panose="020B0609020204030204" pitchFamily="49" charset="0"/>
+              </a:rPr>
+              <a:t>let </a:t>
+            </a:r>
+            <a:r>
+              <a:rPr kumimoji="0" lang="zh-CN" altLang="zh-CN" sz="4400" b="1" i="1" u="none" strike="noStrike" cap="none" normalizeH="0" baseline="0" dirty="0">
+                <a:ln>
+                  <a:noFill/>
+                </a:ln>
+                <a:solidFill>
+                  <a:srgbClr val="660E7A"/>
+                </a:solidFill>
+                <a:effectLst/>
+                <a:latin typeface="Consolas" panose="020B0609020204030204" pitchFamily="49" charset="0"/>
+              </a:rPr>
+              <a:t>i </a:t>
+            </a:r>
+            <a:r>
+              <a:rPr kumimoji="0" lang="zh-CN" altLang="zh-CN" sz="4400" b="0" i="0" u="none" strike="noStrike" cap="none" normalizeH="0" baseline="0" dirty="0">
+                <a:ln>
+                  <a:noFill/>
+                </a:ln>
+                <a:solidFill>
+                  <a:srgbClr val="000000"/>
+                </a:solidFill>
+                <a:effectLst/>
+                <a:latin typeface="Consolas" panose="020B0609020204030204" pitchFamily="49" charset="0"/>
+              </a:rPr>
+              <a:t>= </a:t>
+            </a:r>
+            <a:r>
+              <a:rPr kumimoji="0" lang="zh-CN" altLang="zh-CN" sz="4400" b="0" i="0" u="none" strike="noStrike" cap="none" normalizeH="0" baseline="0" dirty="0">
+                <a:ln>
+                  <a:noFill/>
+                </a:ln>
+                <a:solidFill>
+                  <a:srgbClr val="0000FF"/>
+                </a:solidFill>
+                <a:effectLst/>
+                <a:latin typeface="Consolas" panose="020B0609020204030204" pitchFamily="49" charset="0"/>
+              </a:rPr>
+              <a:t>0</a:t>
+            </a:r>
+            <a:r>
+              <a:rPr kumimoji="0" lang="zh-CN" altLang="zh-CN" sz="4400" b="0" i="0" u="none" strike="noStrike" cap="none" normalizeH="0" baseline="0" dirty="0">
+                <a:ln>
+                  <a:noFill/>
+                </a:ln>
+                <a:solidFill>
+                  <a:srgbClr val="000000"/>
+                </a:solidFill>
+                <a:effectLst/>
+                <a:latin typeface="Consolas" panose="020B0609020204030204" pitchFamily="49" charset="0"/>
+              </a:rPr>
+              <a:t>; </a:t>
+            </a:r>
+            <a:r>
+              <a:rPr kumimoji="0" lang="zh-CN" altLang="zh-CN" sz="4400" b="1" i="1" u="none" strike="noStrike" cap="none" normalizeH="0" baseline="0" dirty="0">
+                <a:ln>
+                  <a:noFill/>
+                </a:ln>
+                <a:solidFill>
+                  <a:srgbClr val="660E7A"/>
+                </a:solidFill>
+                <a:effectLst/>
+                <a:latin typeface="Consolas" panose="020B0609020204030204" pitchFamily="49" charset="0"/>
+              </a:rPr>
+              <a:t>i </a:t>
+            </a:r>
+            <a:r>
+              <a:rPr kumimoji="0" lang="zh-CN" altLang="zh-CN" sz="4400" b="0" i="0" u="none" strike="noStrike" cap="none" normalizeH="0" baseline="0" dirty="0">
+                <a:ln>
+                  <a:noFill/>
+                </a:ln>
+                <a:solidFill>
+                  <a:srgbClr val="000000"/>
+                </a:solidFill>
+                <a:effectLst/>
+                <a:latin typeface="Consolas" panose="020B0609020204030204" pitchFamily="49" charset="0"/>
+              </a:rPr>
+              <a:t>&lt; </a:t>
+            </a:r>
+            <a:r>
+              <a:rPr kumimoji="0" lang="zh-CN" altLang="zh-CN" sz="4400" b="0" i="0" u="none" strike="noStrike" cap="none" normalizeH="0" baseline="0" dirty="0">
+                <a:ln>
+                  <a:noFill/>
+                </a:ln>
+                <a:solidFill>
+                  <a:srgbClr val="0000FF"/>
+                </a:solidFill>
+                <a:effectLst/>
+                <a:latin typeface="Consolas" panose="020B0609020204030204" pitchFamily="49" charset="0"/>
+              </a:rPr>
+              <a:t>5e6</a:t>
+            </a:r>
+            <a:r>
+              <a:rPr kumimoji="0" lang="zh-CN" altLang="zh-CN" sz="4400" b="0" i="0" u="none" strike="noStrike" cap="none" normalizeH="0" baseline="0" dirty="0">
+                <a:ln>
+                  <a:noFill/>
+                </a:ln>
+                <a:solidFill>
+                  <a:srgbClr val="000000"/>
+                </a:solidFill>
+                <a:effectLst/>
+                <a:latin typeface="Consolas" panose="020B0609020204030204" pitchFamily="49" charset="0"/>
+              </a:rPr>
+              <a:t>; ++</a:t>
+            </a:r>
+            <a:r>
+              <a:rPr kumimoji="0" lang="zh-CN" altLang="zh-CN" sz="4400" b="1" i="1" u="none" strike="noStrike" cap="none" normalizeH="0" baseline="0" dirty="0">
+                <a:ln>
+                  <a:noFill/>
+                </a:ln>
+                <a:solidFill>
+                  <a:srgbClr val="660E7A"/>
+                </a:solidFill>
+                <a:effectLst/>
+                <a:latin typeface="Consolas" panose="020B0609020204030204" pitchFamily="49" charset="0"/>
+              </a:rPr>
+              <a:t>i</a:t>
+            </a:r>
+            <a:r>
+              <a:rPr kumimoji="0" lang="zh-CN" altLang="zh-CN" sz="4400" b="0" i="0" u="none" strike="noStrike" cap="none" normalizeH="0" baseline="0" dirty="0">
+                <a:ln>
+                  <a:noFill/>
+                </a:ln>
+                <a:solidFill>
+                  <a:srgbClr val="000000"/>
+                </a:solidFill>
+                <a:effectLst/>
+                <a:latin typeface="Consolas" panose="020B0609020204030204" pitchFamily="49" charset="0"/>
+              </a:rPr>
+              <a:t>) {</a:t>
+            </a:r>
+            <a:br>
+              <a:rPr kumimoji="0" lang="zh-CN" altLang="zh-CN" sz="4400" b="0" i="0" u="none" strike="noStrike" cap="none" normalizeH="0" baseline="0" dirty="0">
+                <a:ln>
+                  <a:noFill/>
+                </a:ln>
+                <a:solidFill>
+                  <a:srgbClr val="000000"/>
+                </a:solidFill>
+                <a:effectLst/>
+                <a:latin typeface="Consolas" panose="020B0609020204030204" pitchFamily="49" charset="0"/>
+              </a:rPr>
+            </a:br>
+            <a:r>
+              <a:rPr kumimoji="0" lang="zh-CN" altLang="zh-CN" sz="4400" b="0" i="0" u="none" strike="noStrike" cap="none" normalizeH="0" baseline="0" dirty="0">
                 <a:ln>
                   <a:noFill/>
                 </a:ln>
@@ -14548,46 +15149,174 @@
               <a:t>    </a:t>
             </a:r>
             <a:r>
-              <a:rPr kumimoji="0" lang="zh-CN" altLang="zh-CN" sz="3200" b="1" i="0" u="none" strike="noStrike" cap="none" normalizeH="0" baseline="0" dirty="0">
-                <a:ln>
-                  <a:noFill/>
-                </a:ln>
-                <a:solidFill>
-                  <a:srgbClr val="000080"/>
-                </a:solidFill>
-                <a:effectLst/>
-                <a:latin typeface="Consolas" panose="020B0609020204030204" pitchFamily="49" charset="0"/>
-              </a:rPr>
-              <a:t>let </a:t>
-            </a:r>
-            <a:r>
-              <a:rPr kumimoji="0" lang="zh-CN" altLang="zh-CN" sz="3200" b="0" i="0" u="none" strike="noStrike" cap="none" normalizeH="0" baseline="0" dirty="0">
-                <a:ln>
-                  <a:noFill/>
-                </a:ln>
-                <a:solidFill>
-                  <a:srgbClr val="458383"/>
-                </a:solidFill>
-                <a:effectLst/>
-                <a:latin typeface="Consolas" panose="020B0609020204030204" pitchFamily="49" charset="0"/>
-              </a:rPr>
-              <a:t>s </a:t>
-            </a:r>
-            <a:r>
-              <a:rPr kumimoji="0" lang="zh-CN" altLang="zh-CN" sz="3200" b="0" i="0" u="none" strike="noStrike" cap="none" normalizeH="0" baseline="0" dirty="0">
-                <a:ln>
-                  <a:noFill/>
-                </a:ln>
-                <a:solidFill>
-                  <a:srgbClr val="000000"/>
-                </a:solidFill>
-                <a:effectLst/>
-                <a:latin typeface="Consolas" panose="020B0609020204030204" pitchFamily="49" charset="0"/>
-              </a:rPr>
-              <a:t>= </a:t>
-            </a:r>
-            <a:r>
-              <a:rPr kumimoji="0" lang="zh-CN" altLang="zh-CN" sz="3200" b="1" i="0" u="none" strike="noStrike" cap="none" normalizeH="0" baseline="0" dirty="0">
+              <a:rPr kumimoji="0" lang="zh-CN" altLang="zh-CN" sz="4400" b="1" i="1" u="none" strike="noStrike" cap="none" normalizeH="0" baseline="0" dirty="0">
+                <a:ln>
+                  <a:noFill/>
+                </a:ln>
+                <a:solidFill>
+                  <a:srgbClr val="660E7A"/>
+                </a:solidFill>
+                <a:effectLst/>
+                <a:latin typeface="Consolas" panose="020B0609020204030204" pitchFamily="49" charset="0"/>
+              </a:rPr>
+              <a:t>result </a:t>
+            </a:r>
+            <a:r>
+              <a:rPr kumimoji="0" lang="zh-CN" altLang="zh-CN" sz="4400" b="0" i="0" u="none" strike="noStrike" cap="none" normalizeH="0" baseline="0" dirty="0">
+                <a:ln>
+                  <a:noFill/>
+                </a:ln>
+                <a:solidFill>
+                  <a:srgbClr val="000000"/>
+                </a:solidFill>
+                <a:effectLst/>
+                <a:latin typeface="Consolas" panose="020B0609020204030204" pitchFamily="49" charset="0"/>
+              </a:rPr>
+              <a:t>+= </a:t>
+            </a:r>
+            <a:r>
+              <a:rPr kumimoji="0" lang="zh-CN" altLang="zh-CN" sz="4400" b="1" i="1" u="none" strike="noStrike" cap="none" normalizeH="0" baseline="0" dirty="0">
+                <a:ln>
+                  <a:noFill/>
+                </a:ln>
+                <a:solidFill>
+                  <a:srgbClr val="660E7A"/>
+                </a:solidFill>
+                <a:effectLst/>
+                <a:latin typeface="Consolas" panose="020B0609020204030204" pitchFamily="49" charset="0"/>
+              </a:rPr>
+              <a:t>func10</a:t>
+            </a:r>
+            <a:r>
+              <a:rPr kumimoji="0" lang="zh-CN" altLang="zh-CN" sz="4400" b="0" i="0" u="none" strike="noStrike" cap="none" normalizeH="0" baseline="0" dirty="0">
+                <a:ln>
+                  <a:noFill/>
+                </a:ln>
+                <a:solidFill>
+                  <a:srgbClr val="000000"/>
+                </a:solidFill>
+                <a:effectLst/>
+                <a:latin typeface="Consolas" panose="020B0609020204030204" pitchFamily="49" charset="0"/>
+              </a:rPr>
+              <a:t>(</a:t>
+            </a:r>
+            <a:r>
+              <a:rPr kumimoji="0" lang="zh-CN" altLang="zh-CN" sz="4400" b="1" i="1" u="none" strike="noStrike" cap="none" normalizeH="0" baseline="0" dirty="0">
+                <a:ln>
+                  <a:noFill/>
+                </a:ln>
+                <a:solidFill>
+                  <a:srgbClr val="660E7A"/>
+                </a:solidFill>
+                <a:effectLst/>
+                <a:latin typeface="Consolas" panose="020B0609020204030204" pitchFamily="49" charset="0"/>
+              </a:rPr>
+              <a:t>i</a:t>
+            </a:r>
+            <a:r>
+              <a:rPr kumimoji="0" lang="zh-CN" altLang="zh-CN" sz="4400" b="0" i="0" u="none" strike="noStrike" cap="none" normalizeH="0" baseline="0" dirty="0">
+                <a:ln>
+                  <a:noFill/>
+                </a:ln>
+                <a:solidFill>
+                  <a:srgbClr val="000000"/>
+                </a:solidFill>
+                <a:effectLst/>
+                <a:latin typeface="Consolas" panose="020B0609020204030204" pitchFamily="49" charset="0"/>
+              </a:rPr>
+              <a:t>);</a:t>
+            </a:r>
+            <a:br>
+              <a:rPr kumimoji="0" lang="zh-CN" altLang="zh-CN" sz="4400" b="0" i="0" u="none" strike="noStrike" cap="none" normalizeH="0" baseline="0" dirty="0">
+                <a:ln>
+                  <a:noFill/>
+                </a:ln>
+                <a:solidFill>
+                  <a:srgbClr val="000000"/>
+                </a:solidFill>
+                <a:effectLst/>
+                <a:latin typeface="Consolas" panose="020B0609020204030204" pitchFamily="49" charset="0"/>
+              </a:rPr>
+            </a:br>
+            <a:r>
+              <a:rPr kumimoji="0" lang="zh-CN" altLang="zh-CN" sz="4400" b="0" i="0" u="none" strike="noStrike" cap="none" normalizeH="0" baseline="0" dirty="0">
+                <a:ln>
+                  <a:noFill/>
+                </a:ln>
+                <a:solidFill>
+                  <a:srgbClr val="000000"/>
+                </a:solidFill>
+                <a:effectLst/>
+                <a:latin typeface="Consolas" panose="020B0609020204030204" pitchFamily="49" charset="0"/>
+              </a:rPr>
+              <a:t>}</a:t>
+            </a:r>
+            <a:br>
+              <a:rPr kumimoji="0" lang="zh-CN" altLang="zh-CN" sz="4400" b="0" i="0" u="none" strike="noStrike" cap="none" normalizeH="0" baseline="0" dirty="0">
+                <a:ln>
+                  <a:noFill/>
+                </a:ln>
+                <a:solidFill>
+                  <a:srgbClr val="000000"/>
+                </a:solidFill>
+                <a:effectLst/>
+                <a:latin typeface="Consolas" panose="020B0609020204030204" pitchFamily="49" charset="0"/>
+              </a:rPr>
+            </a:br>
+            <a:r>
+              <a:rPr kumimoji="0" lang="zh-CN" altLang="zh-CN" sz="4400" b="1" i="1" u="none" strike="noStrike" cap="none" normalizeH="0" baseline="0" dirty="0">
+                <a:ln>
+                  <a:noFill/>
+                </a:ln>
+                <a:solidFill>
+                  <a:srgbClr val="660E7A"/>
+                </a:solidFill>
+                <a:effectLst/>
+                <a:latin typeface="Consolas" panose="020B0609020204030204" pitchFamily="49" charset="0"/>
+              </a:rPr>
+              <a:t>console</a:t>
+            </a:r>
+            <a:r>
+              <a:rPr kumimoji="0" lang="zh-CN" altLang="zh-CN" sz="4400" b="0" i="0" u="none" strike="noStrike" cap="none" normalizeH="0" baseline="0" dirty="0">
+                <a:ln>
+                  <a:noFill/>
+                </a:ln>
+                <a:solidFill>
+                  <a:srgbClr val="000000"/>
+                </a:solidFill>
+                <a:effectLst/>
+                <a:latin typeface="Consolas" panose="020B0609020204030204" pitchFamily="49" charset="0"/>
+              </a:rPr>
+              <a:t>.</a:t>
+            </a:r>
+            <a:r>
+              <a:rPr kumimoji="0" lang="zh-CN" altLang="zh-CN" sz="4400" b="0" i="0" u="none" strike="noStrike" cap="none" normalizeH="0" baseline="0" dirty="0">
+                <a:ln>
+                  <a:noFill/>
+                </a:ln>
+                <a:solidFill>
+                  <a:srgbClr val="7A7A43"/>
+                </a:solidFill>
+                <a:effectLst/>
+                <a:latin typeface="Consolas" panose="020B0609020204030204" pitchFamily="49" charset="0"/>
+              </a:rPr>
+              <a:t>timeEnd</a:t>
+            </a:r>
+            <a:r>
+              <a:rPr kumimoji="0" lang="zh-CN" altLang="zh-CN" sz="4400" b="0" i="0" u="none" strike="noStrike" cap="none" normalizeH="0" baseline="0" dirty="0">
+                <a:ln>
+                  <a:noFill/>
+                </a:ln>
+                <a:solidFill>
+                  <a:srgbClr val="000000"/>
+                </a:solidFill>
+                <a:effectLst/>
+                <a:latin typeface="Consolas" panose="020B0609020204030204" pitchFamily="49" charset="0"/>
+              </a:rPr>
+              <a:t>(</a:t>
+            </a:r>
+            <a:r>
+              <a:rPr kumimoji="0" lang="zh-CN" altLang="zh-CN" sz="4400" b="1" i="0" u="none" strike="noStrike" cap="none" normalizeH="0" baseline="0" dirty="0">
                 <a:ln>
                   <a:noFill/>
                 </a:ln>
@@ -14597,473 +15326,10 @@
                 <a:effectLst/>
                 <a:latin typeface="Consolas" panose="020B0609020204030204" pitchFamily="49" charset="0"/>
               </a:rPr>
-              <a:t>'(function func' </a:t>
-            </a:r>
-            <a:r>
-              <a:rPr kumimoji="0" lang="zh-CN" altLang="zh-CN" sz="3200" b="0" i="0" u="none" strike="noStrike" cap="none" normalizeH="0" baseline="0" dirty="0">
-                <a:ln>
-                  <a:noFill/>
-                </a:ln>
-                <a:solidFill>
-                  <a:srgbClr val="000000"/>
-                </a:solidFill>
-                <a:effectLst/>
-                <a:latin typeface="Consolas" panose="020B0609020204030204" pitchFamily="49" charset="0"/>
-              </a:rPr>
-              <a:t>+ n + </a:t>
-            </a:r>
-            <a:r>
-              <a:rPr kumimoji="0" lang="zh-CN" altLang="zh-CN" sz="3200" b="1" i="0" u="none" strike="noStrike" cap="none" normalizeH="0" baseline="0" dirty="0">
-                <a:ln>
-                  <a:noFill/>
-                </a:ln>
-                <a:solidFill>
-                  <a:srgbClr val="008000"/>
-                </a:solidFill>
-                <a:effectLst/>
-                <a:latin typeface="Consolas" panose="020B0609020204030204" pitchFamily="49" charset="0"/>
-              </a:rPr>
-              <a:t>'(x) { return 0'</a:t>
-            </a:r>
-            <a:r>
-              <a:rPr kumimoji="0" lang="zh-CN" altLang="zh-CN" sz="3200" b="0" i="0" u="none" strike="noStrike" cap="none" normalizeH="0" baseline="0" dirty="0">
-                <a:ln>
-                  <a:noFill/>
-                </a:ln>
-                <a:solidFill>
-                  <a:srgbClr val="000000"/>
-                </a:solidFill>
-                <a:effectLst/>
-                <a:latin typeface="Consolas" panose="020B0609020204030204" pitchFamily="49" charset="0"/>
-              </a:rPr>
-              <a:t>;</a:t>
-            </a:r>
-            <a:br>
-              <a:rPr kumimoji="0" lang="zh-CN" altLang="zh-CN" sz="3200" b="0" i="0" u="none" strike="noStrike" cap="none" normalizeH="0" baseline="0" dirty="0">
-                <a:ln>
-                  <a:noFill/>
-                </a:ln>
-                <a:solidFill>
-                  <a:srgbClr val="000000"/>
-                </a:solidFill>
-                <a:effectLst/>
-                <a:latin typeface="Consolas" panose="020B0609020204030204" pitchFamily="49" charset="0"/>
-              </a:rPr>
-            </a:br>
-            <a:r>
-              <a:rPr kumimoji="0" lang="zh-CN" altLang="zh-CN" sz="3200" b="0" i="0" u="none" strike="noStrike" cap="none" normalizeH="0" baseline="0" dirty="0">
-                <a:ln>
-                  <a:noFill/>
-                </a:ln>
-                <a:solidFill>
-                  <a:srgbClr val="000000"/>
-                </a:solidFill>
-                <a:effectLst/>
-                <a:latin typeface="Consolas" panose="020B0609020204030204" pitchFamily="49" charset="0"/>
-              </a:rPr>
-              <a:t>    </a:t>
-            </a:r>
-            <a:r>
-              <a:rPr kumimoji="0" lang="zh-CN" altLang="zh-CN" sz="3200" b="1" i="0" u="none" strike="noStrike" cap="none" normalizeH="0" baseline="0" dirty="0">
-                <a:ln>
-                  <a:noFill/>
-                </a:ln>
-                <a:solidFill>
-                  <a:srgbClr val="000080"/>
-                </a:solidFill>
-                <a:effectLst/>
-                <a:latin typeface="Consolas" panose="020B0609020204030204" pitchFamily="49" charset="0"/>
-              </a:rPr>
-              <a:t>for </a:t>
-            </a:r>
-            <a:r>
-              <a:rPr kumimoji="0" lang="zh-CN" altLang="zh-CN" sz="3200" b="0" i="0" u="none" strike="noStrike" cap="none" normalizeH="0" baseline="0" dirty="0">
-                <a:ln>
-                  <a:noFill/>
-                </a:ln>
-                <a:solidFill>
-                  <a:srgbClr val="000000"/>
-                </a:solidFill>
-                <a:effectLst/>
-                <a:latin typeface="Consolas" panose="020B0609020204030204" pitchFamily="49" charset="0"/>
-              </a:rPr>
-              <a:t>(</a:t>
-            </a:r>
-            <a:r>
-              <a:rPr kumimoji="0" lang="zh-CN" altLang="zh-CN" sz="3200" b="1" i="0" u="none" strike="noStrike" cap="none" normalizeH="0" baseline="0" dirty="0">
-                <a:ln>
-                  <a:noFill/>
-                </a:ln>
-                <a:solidFill>
-                  <a:srgbClr val="000080"/>
-                </a:solidFill>
-                <a:effectLst/>
-                <a:latin typeface="Consolas" panose="020B0609020204030204" pitchFamily="49" charset="0"/>
-              </a:rPr>
-              <a:t>let </a:t>
-            </a:r>
-            <a:r>
-              <a:rPr kumimoji="0" lang="zh-CN" altLang="zh-CN" sz="3200" b="0" i="0" u="none" strike="noStrike" cap="none" normalizeH="0" baseline="0" dirty="0">
-                <a:ln>
-                  <a:noFill/>
-                </a:ln>
-                <a:solidFill>
-                  <a:srgbClr val="458383"/>
-                </a:solidFill>
-                <a:effectLst/>
-                <a:latin typeface="Consolas" panose="020B0609020204030204" pitchFamily="49" charset="0"/>
-              </a:rPr>
-              <a:t>i </a:t>
-            </a:r>
-            <a:r>
-              <a:rPr kumimoji="0" lang="zh-CN" altLang="zh-CN" sz="3200" b="0" i="0" u="none" strike="noStrike" cap="none" normalizeH="0" baseline="0" dirty="0">
-                <a:ln>
-                  <a:noFill/>
-                </a:ln>
-                <a:solidFill>
-                  <a:srgbClr val="000000"/>
-                </a:solidFill>
-                <a:effectLst/>
-                <a:latin typeface="Consolas" panose="020B0609020204030204" pitchFamily="49" charset="0"/>
-              </a:rPr>
-              <a:t>= </a:t>
-            </a:r>
-            <a:r>
-              <a:rPr kumimoji="0" lang="zh-CN" altLang="zh-CN" sz="3200" b="0" i="0" u="none" strike="noStrike" cap="none" normalizeH="0" baseline="0" dirty="0">
-                <a:ln>
-                  <a:noFill/>
-                </a:ln>
-                <a:solidFill>
-                  <a:srgbClr val="0000FF"/>
-                </a:solidFill>
-                <a:effectLst/>
-                <a:latin typeface="Consolas" panose="020B0609020204030204" pitchFamily="49" charset="0"/>
-              </a:rPr>
-              <a:t>0</a:t>
-            </a:r>
-            <a:r>
-              <a:rPr kumimoji="0" lang="zh-CN" altLang="zh-CN" sz="3200" b="0" i="0" u="none" strike="noStrike" cap="none" normalizeH="0" baseline="0" dirty="0">
-                <a:ln>
-                  <a:noFill/>
-                </a:ln>
-                <a:solidFill>
-                  <a:srgbClr val="000000"/>
-                </a:solidFill>
-                <a:effectLst/>
-                <a:latin typeface="Consolas" panose="020B0609020204030204" pitchFamily="49" charset="0"/>
-              </a:rPr>
-              <a:t>; </a:t>
-            </a:r>
-            <a:r>
-              <a:rPr kumimoji="0" lang="zh-CN" altLang="zh-CN" sz="3200" b="0" i="0" u="none" strike="noStrike" cap="none" normalizeH="0" baseline="0" dirty="0">
-                <a:ln>
-                  <a:noFill/>
-                </a:ln>
-                <a:solidFill>
-                  <a:srgbClr val="458383"/>
-                </a:solidFill>
-                <a:effectLst/>
-                <a:latin typeface="Consolas" panose="020B0609020204030204" pitchFamily="49" charset="0"/>
-              </a:rPr>
-              <a:t>i </a:t>
-            </a:r>
-            <a:r>
-              <a:rPr kumimoji="0" lang="zh-CN" altLang="zh-CN" sz="3200" b="0" i="0" u="none" strike="noStrike" cap="none" normalizeH="0" baseline="0" dirty="0">
-                <a:ln>
-                  <a:noFill/>
-                </a:ln>
-                <a:solidFill>
-                  <a:srgbClr val="000000"/>
-                </a:solidFill>
-                <a:effectLst/>
-                <a:latin typeface="Consolas" panose="020B0609020204030204" pitchFamily="49" charset="0"/>
-              </a:rPr>
-              <a:t>&lt; n; ++</a:t>
-            </a:r>
-            <a:r>
-              <a:rPr kumimoji="0" lang="zh-CN" altLang="zh-CN" sz="3200" b="0" i="0" u="none" strike="noStrike" cap="none" normalizeH="0" baseline="0" dirty="0">
-                <a:ln>
-                  <a:noFill/>
-                </a:ln>
-                <a:solidFill>
-                  <a:srgbClr val="458383"/>
-                </a:solidFill>
-                <a:effectLst/>
-                <a:latin typeface="Consolas" panose="020B0609020204030204" pitchFamily="49" charset="0"/>
-              </a:rPr>
-              <a:t>i</a:t>
-            </a:r>
-            <a:r>
-              <a:rPr kumimoji="0" lang="zh-CN" altLang="zh-CN" sz="3200" b="0" i="0" u="none" strike="noStrike" cap="none" normalizeH="0" baseline="0" dirty="0">
-                <a:ln>
-                  <a:noFill/>
-                </a:ln>
-                <a:solidFill>
-                  <a:srgbClr val="000000"/>
-                </a:solidFill>
-                <a:effectLst/>
-                <a:latin typeface="Consolas" panose="020B0609020204030204" pitchFamily="49" charset="0"/>
-              </a:rPr>
-              <a:t>) {</a:t>
-            </a:r>
-            <a:br>
-              <a:rPr kumimoji="0" lang="zh-CN" altLang="zh-CN" sz="3200" b="0" i="0" u="none" strike="noStrike" cap="none" normalizeH="0" baseline="0" dirty="0">
-                <a:ln>
-                  <a:noFill/>
-                </a:ln>
-                <a:solidFill>
-                  <a:srgbClr val="000000"/>
-                </a:solidFill>
-                <a:effectLst/>
-                <a:latin typeface="Consolas" panose="020B0609020204030204" pitchFamily="49" charset="0"/>
-              </a:rPr>
-            </a:br>
-            <a:r>
-              <a:rPr kumimoji="0" lang="zh-CN" altLang="zh-CN" sz="3200" b="0" i="0" u="none" strike="noStrike" cap="none" normalizeH="0" baseline="0" dirty="0">
-                <a:ln>
-                  <a:noFill/>
-                </a:ln>
-                <a:solidFill>
-                  <a:srgbClr val="000000"/>
-                </a:solidFill>
-                <a:effectLst/>
-                <a:latin typeface="Consolas" panose="020B0609020204030204" pitchFamily="49" charset="0"/>
-              </a:rPr>
-              <a:t>        </a:t>
-            </a:r>
-            <a:r>
-              <a:rPr kumimoji="0" lang="zh-CN" altLang="zh-CN" sz="3200" b="0" i="0" u="none" strike="noStrike" cap="none" normalizeH="0" baseline="0" dirty="0">
-                <a:ln>
-                  <a:noFill/>
-                </a:ln>
-                <a:solidFill>
-                  <a:srgbClr val="458383"/>
-                </a:solidFill>
-                <a:effectLst/>
-                <a:latin typeface="Consolas" panose="020B0609020204030204" pitchFamily="49" charset="0"/>
-              </a:rPr>
-              <a:t>s </a:t>
-            </a:r>
-            <a:r>
-              <a:rPr kumimoji="0" lang="zh-CN" altLang="zh-CN" sz="3200" b="0" i="0" u="none" strike="noStrike" cap="none" normalizeH="0" baseline="0" dirty="0">
-                <a:ln>
-                  <a:noFill/>
-                </a:ln>
-                <a:solidFill>
-                  <a:srgbClr val="000000"/>
-                </a:solidFill>
-                <a:effectLst/>
-                <a:latin typeface="Consolas" panose="020B0609020204030204" pitchFamily="49" charset="0"/>
-              </a:rPr>
-              <a:t>+= </a:t>
-            </a:r>
-            <a:r>
-              <a:rPr kumimoji="0" lang="zh-CN" altLang="zh-CN" sz="3200" b="1" i="0" u="none" strike="noStrike" cap="none" normalizeH="0" baseline="0" dirty="0">
-                <a:ln>
-                  <a:noFill/>
-                </a:ln>
-                <a:solidFill>
-                  <a:srgbClr val="008000"/>
-                </a:solidFill>
-                <a:effectLst/>
-                <a:latin typeface="Consolas" panose="020B0609020204030204" pitchFamily="49" charset="0"/>
-              </a:rPr>
-              <a:t>'+x'</a:t>
-            </a:r>
-            <a:r>
-              <a:rPr kumimoji="0" lang="zh-CN" altLang="zh-CN" sz="3200" b="0" i="0" u="none" strike="noStrike" cap="none" normalizeH="0" baseline="0" dirty="0">
-                <a:ln>
-                  <a:noFill/>
-                </a:ln>
-                <a:solidFill>
-                  <a:srgbClr val="000000"/>
-                </a:solidFill>
-                <a:effectLst/>
-                <a:latin typeface="Consolas" panose="020B0609020204030204" pitchFamily="49" charset="0"/>
-              </a:rPr>
-              <a:t>;</a:t>
-            </a:r>
-            <a:br>
-              <a:rPr kumimoji="0" lang="zh-CN" altLang="zh-CN" sz="3200" b="0" i="0" u="none" strike="noStrike" cap="none" normalizeH="0" baseline="0" dirty="0">
-                <a:ln>
-                  <a:noFill/>
-                </a:ln>
-                <a:solidFill>
-                  <a:srgbClr val="000000"/>
-                </a:solidFill>
-                <a:effectLst/>
-                <a:latin typeface="Consolas" panose="020B0609020204030204" pitchFamily="49" charset="0"/>
-              </a:rPr>
-            </a:br>
-            <a:r>
-              <a:rPr kumimoji="0" lang="zh-CN" altLang="zh-CN" sz="3200" b="0" i="0" u="none" strike="noStrike" cap="none" normalizeH="0" baseline="0" dirty="0">
-                <a:ln>
-                  <a:noFill/>
-                </a:ln>
-                <a:solidFill>
-                  <a:srgbClr val="000000"/>
-                </a:solidFill>
-                <a:effectLst/>
-                <a:latin typeface="Consolas" panose="020B0609020204030204" pitchFamily="49" charset="0"/>
-              </a:rPr>
-              <a:t>    }</a:t>
-            </a:r>
-            <a:br>
-              <a:rPr kumimoji="0" lang="zh-CN" altLang="zh-CN" sz="3200" b="0" i="0" u="none" strike="noStrike" cap="none" normalizeH="0" baseline="0" dirty="0">
-                <a:ln>
-                  <a:noFill/>
-                </a:ln>
-                <a:solidFill>
-                  <a:srgbClr val="000000"/>
-                </a:solidFill>
-                <a:effectLst/>
-                <a:latin typeface="Consolas" panose="020B0609020204030204" pitchFamily="49" charset="0"/>
-              </a:rPr>
-            </a:br>
-            <a:r>
-              <a:rPr kumimoji="0" lang="zh-CN" altLang="zh-CN" sz="3200" b="0" i="0" u="none" strike="noStrike" cap="none" normalizeH="0" baseline="0" dirty="0">
-                <a:ln>
-                  <a:noFill/>
-                </a:ln>
-                <a:solidFill>
-                  <a:srgbClr val="000000"/>
-                </a:solidFill>
-                <a:effectLst/>
-                <a:latin typeface="Consolas" panose="020B0609020204030204" pitchFamily="49" charset="0"/>
-              </a:rPr>
-              <a:t>    </a:t>
-            </a:r>
-            <a:r>
-              <a:rPr kumimoji="0" lang="zh-CN" altLang="zh-CN" sz="3200" b="0" i="0" u="none" strike="noStrike" cap="none" normalizeH="0" baseline="0" dirty="0">
-                <a:ln>
-                  <a:noFill/>
-                </a:ln>
-                <a:solidFill>
-                  <a:srgbClr val="458383"/>
-                </a:solidFill>
-                <a:effectLst/>
-                <a:latin typeface="Consolas" panose="020B0609020204030204" pitchFamily="49" charset="0"/>
-              </a:rPr>
-              <a:t>s </a:t>
-            </a:r>
-            <a:r>
-              <a:rPr kumimoji="0" lang="zh-CN" altLang="zh-CN" sz="3200" b="0" i="0" u="none" strike="noStrike" cap="none" normalizeH="0" baseline="0" dirty="0">
-                <a:ln>
-                  <a:noFill/>
-                </a:ln>
-                <a:solidFill>
-                  <a:srgbClr val="000000"/>
-                </a:solidFill>
-                <a:effectLst/>
-                <a:latin typeface="Consolas" panose="020B0609020204030204" pitchFamily="49" charset="0"/>
-              </a:rPr>
-              <a:t>+= </a:t>
-            </a:r>
-            <a:r>
-              <a:rPr kumimoji="0" lang="zh-CN" altLang="zh-CN" sz="3200" b="1" i="0" u="none" strike="noStrike" cap="none" normalizeH="0" baseline="0" dirty="0">
-                <a:ln>
-                  <a:noFill/>
-                </a:ln>
-                <a:solidFill>
-                  <a:srgbClr val="008000"/>
-                </a:solidFill>
-                <a:effectLst/>
-                <a:latin typeface="Consolas" panose="020B0609020204030204" pitchFamily="49" charset="0"/>
-              </a:rPr>
-              <a:t>'; })'</a:t>
-            </a:r>
-            <a:r>
-              <a:rPr kumimoji="0" lang="zh-CN" altLang="zh-CN" sz="3200" b="0" i="0" u="none" strike="noStrike" cap="none" normalizeH="0" baseline="0" dirty="0">
-                <a:ln>
-                  <a:noFill/>
-                </a:ln>
-                <a:solidFill>
-                  <a:srgbClr val="000000"/>
-                </a:solidFill>
-                <a:effectLst/>
-                <a:latin typeface="Consolas" panose="020B0609020204030204" pitchFamily="49" charset="0"/>
-              </a:rPr>
-              <a:t>;</a:t>
-            </a:r>
-            <a:br>
-              <a:rPr kumimoji="0" lang="zh-CN" altLang="zh-CN" sz="3200" b="0" i="0" u="none" strike="noStrike" cap="none" normalizeH="0" baseline="0" dirty="0">
-                <a:ln>
-                  <a:noFill/>
-                </a:ln>
-                <a:solidFill>
-                  <a:srgbClr val="000000"/>
-                </a:solidFill>
-                <a:effectLst/>
-                <a:latin typeface="Consolas" panose="020B0609020204030204" pitchFamily="49" charset="0"/>
-              </a:rPr>
-            </a:br>
-            <a:r>
-              <a:rPr kumimoji="0" lang="zh-CN" altLang="zh-CN" sz="3200" b="0" i="0" u="none" strike="noStrike" cap="none" normalizeH="0" baseline="0" dirty="0">
-                <a:ln>
-                  <a:noFill/>
-                </a:ln>
-                <a:solidFill>
-                  <a:srgbClr val="000000"/>
-                </a:solidFill>
-                <a:effectLst/>
-                <a:latin typeface="Consolas" panose="020B0609020204030204" pitchFamily="49" charset="0"/>
-              </a:rPr>
-              <a:t>    </a:t>
-            </a:r>
-            <a:r>
-              <a:rPr kumimoji="0" lang="zh-CN" altLang="zh-CN" sz="3200" b="1" i="0" u="none" strike="noStrike" cap="none" normalizeH="0" baseline="0" dirty="0">
-                <a:ln>
-                  <a:noFill/>
-                </a:ln>
-                <a:solidFill>
-                  <a:srgbClr val="000080"/>
-                </a:solidFill>
-                <a:effectLst/>
-                <a:latin typeface="Consolas" panose="020B0609020204030204" pitchFamily="49" charset="0"/>
-              </a:rPr>
-              <a:t>return </a:t>
-            </a:r>
-            <a:r>
-              <a:rPr kumimoji="0" lang="zh-CN" altLang="zh-CN" sz="3200" b="0" i="1" u="none" strike="noStrike" cap="none" normalizeH="0" baseline="0" dirty="0">
-                <a:ln>
-                  <a:noFill/>
-                </a:ln>
-                <a:solidFill>
-                  <a:srgbClr val="000000"/>
-                </a:solidFill>
-                <a:effectLst/>
-                <a:latin typeface="Consolas" panose="020B0609020204030204" pitchFamily="49" charset="0"/>
-              </a:rPr>
-              <a:t>eval</a:t>
-            </a:r>
-            <a:r>
-              <a:rPr kumimoji="0" lang="zh-CN" altLang="zh-CN" sz="3200" b="0" i="0" u="none" strike="noStrike" cap="none" normalizeH="0" baseline="0" dirty="0">
-                <a:ln>
-                  <a:noFill/>
-                </a:ln>
-                <a:solidFill>
-                  <a:srgbClr val="000000"/>
-                </a:solidFill>
-                <a:effectLst/>
-                <a:latin typeface="Consolas" panose="020B0609020204030204" pitchFamily="49" charset="0"/>
-              </a:rPr>
-              <a:t>(</a:t>
-            </a:r>
-            <a:r>
-              <a:rPr kumimoji="0" lang="zh-CN" altLang="zh-CN" sz="3200" b="0" i="0" u="none" strike="noStrike" cap="none" normalizeH="0" baseline="0" dirty="0">
-                <a:ln>
-                  <a:noFill/>
-                </a:ln>
-                <a:solidFill>
-                  <a:srgbClr val="458383"/>
-                </a:solidFill>
-                <a:effectLst/>
-                <a:latin typeface="Consolas" panose="020B0609020204030204" pitchFamily="49" charset="0"/>
-              </a:rPr>
-              <a:t>s</a:t>
-            </a:r>
-            <a:r>
-              <a:rPr kumimoji="0" lang="zh-CN" altLang="zh-CN" sz="3200" b="0" i="0" u="none" strike="noStrike" cap="none" normalizeH="0" baseline="0" dirty="0">
+              <a:t>'measure'</a:t>
+            </a:r>
+            <a:r>
+              <a:rPr kumimoji="0" lang="zh-CN" altLang="zh-CN" sz="4400" b="0" i="0" u="none" strike="noStrike" cap="none" normalizeH="0" baseline="0" dirty="0">
                 <a:ln>
                   <a:noFill/>
                 </a:ln>
@@ -15075,96 +15341,7 @@
               </a:rPr>
               <a:t>);</a:t>
             </a:r>
-            <a:br>
-              <a:rPr kumimoji="0" lang="zh-CN" altLang="zh-CN" sz="3200" b="0" i="0" u="none" strike="noStrike" cap="none" normalizeH="0" baseline="0" dirty="0">
-                <a:ln>
-                  <a:noFill/>
-                </a:ln>
-                <a:solidFill>
-                  <a:srgbClr val="000000"/>
-                </a:solidFill>
-                <a:effectLst/>
-                <a:latin typeface="Consolas" panose="020B0609020204030204" pitchFamily="49" charset="0"/>
-              </a:rPr>
-            </a:br>
-            <a:r>
-              <a:rPr kumimoji="0" lang="zh-CN" altLang="zh-CN" sz="3200" b="0" i="0" u="none" strike="noStrike" cap="none" normalizeH="0" baseline="0" dirty="0">
-                <a:ln>
-                  <a:noFill/>
-                </a:ln>
-                <a:solidFill>
-                  <a:srgbClr val="000000"/>
-                </a:solidFill>
-                <a:effectLst/>
-                <a:latin typeface="Consolas" panose="020B0609020204030204" pitchFamily="49" charset="0"/>
-              </a:rPr>
-              <a:t>}</a:t>
-            </a:r>
-            <a:br>
-              <a:rPr kumimoji="0" lang="zh-CN" altLang="zh-CN" sz="3200" b="0" i="0" u="none" strike="noStrike" cap="none" normalizeH="0" baseline="0" dirty="0">
-                <a:ln>
-                  <a:noFill/>
-                </a:ln>
-                <a:solidFill>
-                  <a:srgbClr val="000000"/>
-                </a:solidFill>
-                <a:effectLst/>
-                <a:latin typeface="Consolas" panose="020B0609020204030204" pitchFamily="49" charset="0"/>
-              </a:rPr>
-            </a:br>
-            <a:br>
-              <a:rPr kumimoji="0" lang="zh-CN" altLang="zh-CN" sz="3200" b="0" i="0" u="none" strike="noStrike" cap="none" normalizeH="0" baseline="0" dirty="0">
-                <a:ln>
-                  <a:noFill/>
-                </a:ln>
-                <a:solidFill>
-                  <a:srgbClr val="000000"/>
-                </a:solidFill>
-                <a:effectLst/>
-                <a:latin typeface="Consolas" panose="020B0609020204030204" pitchFamily="49" charset="0"/>
-              </a:rPr>
-            </a:br>
-            <a:r>
-              <a:rPr kumimoji="0" lang="zh-CN" altLang="zh-CN" sz="3200" b="0" i="1" u="none" strike="noStrike" cap="none" normalizeH="0" baseline="0" dirty="0">
-                <a:ln>
-                  <a:noFill/>
-                </a:ln>
-                <a:solidFill>
-                  <a:srgbClr val="808080"/>
-                </a:solidFill>
-                <a:effectLst/>
-                <a:latin typeface="Consolas" panose="020B0609020204030204" pitchFamily="49" charset="0"/>
-              </a:rPr>
-              <a:t>//generate(10)</a:t>
-            </a:r>
-            <a:r>
-              <a:rPr kumimoji="0" lang="zh-CN" altLang="zh-CN" sz="3200" b="0" i="1" u="none" strike="noStrike" cap="none" normalizeH="0" baseline="0" dirty="0">
-                <a:ln>
-                  <a:noFill/>
-                </a:ln>
-                <a:solidFill>
-                  <a:srgbClr val="808080"/>
-                </a:solidFill>
-                <a:effectLst/>
-                <a:latin typeface="Microsoft JhengHei" panose="020B0604030504040204" pitchFamily="34" charset="-120"/>
-                <a:ea typeface="Microsoft JhengHei" panose="020B0604030504040204" pitchFamily="34" charset="-120"/>
-              </a:rPr>
-              <a:t>：</a:t>
-            </a:r>
-            <a:r>
-              <a:rPr kumimoji="0" lang="zh-CN" altLang="zh-CN" sz="3200" b="0" i="1" u="none" strike="noStrike" cap="none" normalizeH="0" baseline="0" dirty="0">
-                <a:ln>
-                  <a:noFill/>
-                </a:ln>
-                <a:solidFill>
-                  <a:srgbClr val="808080"/>
-                </a:solidFill>
-                <a:effectLst/>
-                <a:latin typeface="Consolas" panose="020B0609020204030204" pitchFamily="49" charset="0"/>
-              </a:rPr>
-              <a:t> function func10(x) { return 0+x+x+x+x+x+x+x+x+x+x; }</a:t>
-            </a:r>
-            <a:endParaRPr kumimoji="0" lang="zh-CN" altLang="zh-CN" sz="6000" b="0" i="0" u="none" strike="noStrike" cap="none" normalizeH="0" baseline="0" dirty="0">
+            <a:endParaRPr kumimoji="0" lang="zh-CN" altLang="zh-CN" sz="4400" b="0" i="0" u="none" strike="noStrike" cap="none" normalizeH="0" baseline="0" dirty="0">
               <a:ln>
                 <a:noFill/>
               </a:ln>
@@ -15179,10 +15356,10 @@
       </p:sp>
       <p:sp>
         <p:nvSpPr>
-          <p:cNvPr id="9" name="文本框 8">
+          <p:cNvPr id="5" name="文本框 4">
             <a:extLst>
               <a:ext uri="{FF2B5EF4-FFF2-40B4-BE49-F238E27FC236}">
-                <a16:creationId xmlns:a16="http://schemas.microsoft.com/office/drawing/2014/main" id="{4EB9BC0F-5D9B-4051-87F5-8589242E589B}"/>
+                <a16:creationId xmlns:a16="http://schemas.microsoft.com/office/drawing/2014/main" id="{BE12DA25-DD9B-40FD-BAE7-66102175D6B7}"/>
               </a:ext>
             </a:extLst>
           </p:cNvPr>
@@ -15191,8 +15368,8 @@
         </p:nvSpPr>
         <p:spPr>
           <a:xfrm>
-            <a:off x="3228071" y="3889097"/>
-            <a:ext cx="14792960" cy="1579920"/>
+            <a:off x="1763486" y="3999130"/>
+            <a:ext cx="6052457" cy="933589"/>
           </a:xfrm>
           <a:prstGeom prst="rect">
             <a:avLst/>
@@ -15221,111 +15398,12 @@
           </a:bodyPr>
           <a:lstStyle/>
           <a:p>
-            <a:pPr marL="514350" marR="0" indent="-514350" algn="l" defTabSz="825500" rtl="0" fontAlgn="auto" latinLnBrk="0" hangingPunct="0">
-              <a:lnSpc>
-                <a:spcPct val="100000"/>
-              </a:lnSpc>
-              <a:spcBef>
-                <a:spcPts val="0"/>
-              </a:spcBef>
-              <a:spcAft>
-                <a:spcPts val="0"/>
-              </a:spcAft>
-              <a:buClrTx/>
-              <a:buSzTx/>
-              <a:buFontTx/>
-              <a:buAutoNum type="arabicPeriod"/>
-            </a:pPr>
-            <a:r>
-              <a:rPr lang="en-US" altLang="zh-CN" sz="3200" dirty="0">
-                <a:latin typeface="微软雅黑" panose="020B0503020204020204" pitchFamily="34" charset="-122"/>
-                <a:ea typeface="微软雅黑" panose="020B0503020204020204" pitchFamily="34" charset="-122"/>
-              </a:rPr>
-              <a:t>Node</a:t>
-            </a:r>
-            <a:r>
-              <a:rPr lang="zh-CN" altLang="en-US" sz="3200" dirty="0">
-                <a:latin typeface="微软雅黑" panose="020B0503020204020204" pitchFamily="34" charset="-122"/>
-                <a:ea typeface="微软雅黑" panose="020B0503020204020204" pitchFamily="34" charset="-122"/>
-              </a:rPr>
-              <a:t> </a:t>
-            </a:r>
-            <a:r>
-              <a:rPr lang="en-US" altLang="zh-CN" sz="3200" dirty="0">
-                <a:solidFill>
-                  <a:schemeClr val="tx2">
-                    <a:lumMod val="75000"/>
-                  </a:schemeClr>
-                </a:solidFill>
-                <a:latin typeface="微软雅黑" panose="020B0503020204020204" pitchFamily="34" charset="-122"/>
-                <a:ea typeface="微软雅黑" panose="020B0503020204020204" pitchFamily="34" charset="-122"/>
-              </a:rPr>
-              <a:t>--opt / --no-opt</a:t>
-            </a:r>
-            <a:r>
-              <a:rPr lang="en-US" altLang="zh-CN" sz="3200" dirty="0">
-                <a:latin typeface="微软雅黑" panose="020B0503020204020204" pitchFamily="34" charset="-122"/>
-                <a:ea typeface="微软雅黑" panose="020B0503020204020204" pitchFamily="34" charset="-122"/>
-              </a:rPr>
-              <a:t>     </a:t>
-            </a:r>
-            <a:r>
-              <a:rPr lang="zh-CN" altLang="en-US" sz="3200" dirty="0">
-                <a:latin typeface="微软雅黑" panose="020B0503020204020204" pitchFamily="34" charset="-122"/>
-                <a:ea typeface="微软雅黑" panose="020B0503020204020204" pitchFamily="34" charset="-122"/>
-              </a:rPr>
-              <a:t>开启 </a:t>
-            </a:r>
-            <a:r>
-              <a:rPr lang="en-US" altLang="zh-CN" sz="3200" dirty="0">
-                <a:latin typeface="微软雅黑" panose="020B0503020204020204" pitchFamily="34" charset="-122"/>
-                <a:ea typeface="微软雅黑" panose="020B0503020204020204" pitchFamily="34" charset="-122"/>
-              </a:rPr>
-              <a:t>/ </a:t>
-            </a:r>
-            <a:r>
-              <a:rPr lang="zh-CN" altLang="en-US" sz="3200" dirty="0">
-                <a:latin typeface="微软雅黑" panose="020B0503020204020204" pitchFamily="34" charset="-122"/>
-                <a:ea typeface="微软雅黑" panose="020B0503020204020204" pitchFamily="34" charset="-122"/>
-              </a:rPr>
-              <a:t>关闭 </a:t>
-            </a:r>
-            <a:r>
-              <a:rPr lang="en-US" altLang="zh-CN" sz="3200" dirty="0">
-                <a:latin typeface="微软雅黑" panose="020B0503020204020204" pitchFamily="34" charset="-122"/>
-                <a:ea typeface="微软雅黑" panose="020B0503020204020204" pitchFamily="34" charset="-122"/>
-              </a:rPr>
-              <a:t>Turbofan </a:t>
-            </a:r>
-            <a:r>
-              <a:rPr lang="zh-CN" altLang="en-US" sz="3200" dirty="0">
-                <a:latin typeface="微软雅黑" panose="020B0503020204020204" pitchFamily="34" charset="-122"/>
-                <a:ea typeface="微软雅黑" panose="020B0503020204020204" pitchFamily="34" charset="-122"/>
-              </a:rPr>
-              <a:t>优化（默认开启）</a:t>
-            </a:r>
-            <a:endParaRPr lang="en-US" altLang="zh-CN" sz="3200" dirty="0">
-              <a:latin typeface="微软雅黑" panose="020B0503020204020204" pitchFamily="34" charset="-122"/>
-              <a:ea typeface="微软雅黑" panose="020B0503020204020204" pitchFamily="34" charset="-122"/>
-            </a:endParaRPr>
-          </a:p>
-          <a:p>
-            <a:pPr marL="514350" marR="0" indent="-514350" algn="l" defTabSz="825500" rtl="0" fontAlgn="auto" latinLnBrk="0" hangingPunct="0">
-              <a:lnSpc>
-                <a:spcPct val="100000"/>
-              </a:lnSpc>
-              <a:spcBef>
-                <a:spcPts val="0"/>
-              </a:spcBef>
-              <a:spcAft>
-                <a:spcPts val="0"/>
-              </a:spcAft>
-              <a:buClrTx/>
-              <a:buSzTx/>
-              <a:buFontTx/>
-              <a:buAutoNum type="arabicPeriod"/>
-            </a:pPr>
-            <a:endParaRPr kumimoji="0" lang="en-US" altLang="zh-CN" sz="3200" b="0" i="0" u="none" strike="noStrike" cap="none" spc="0" normalizeH="0" baseline="0" dirty="0">
+            <a:pPr algn="l"/>
+            <a:r>
+              <a:rPr lang="en-US" altLang="zh-CN" sz="5400" b="1" dirty="0"/>
+              <a:t>case-func10.js</a:t>
+            </a:r>
+            <a:endParaRPr kumimoji="0" lang="zh-CN" altLang="en-US" sz="5400" b="1" i="0" u="none" strike="noStrike" cap="none" spc="0" normalizeH="0" baseline="0" dirty="0">
               <a:ln>
                 <a:noFill/>
               </a:ln>
@@ -15334,35 +15412,64 @@
               </a:solidFill>
               <a:effectLst/>
               <a:uFillTx/>
-              <a:latin typeface="微软雅黑" panose="020B0503020204020204" pitchFamily="34" charset="-122"/>
-              <a:ea typeface="微软雅黑" panose="020B0503020204020204" pitchFamily="34" charset="-122"/>
+              <a:latin typeface="Helvetica Neue Medium"/>
+              <a:ea typeface="Helvetica Neue Medium"/>
+              <a:cs typeface="Helvetica Neue Medium"/>
               <a:sym typeface="Helvetica Neue Medium"/>
             </a:endParaRPr>
           </a:p>
-          <a:p>
-            <a:pPr marL="514350" marR="0" indent="-514350" algn="l" defTabSz="825500" rtl="0" fontAlgn="auto" latinLnBrk="0" hangingPunct="0">
-              <a:lnSpc>
-                <a:spcPct val="100000"/>
-              </a:lnSpc>
-              <a:spcBef>
-                <a:spcPts val="0"/>
-              </a:spcBef>
-              <a:spcAft>
-                <a:spcPts val="0"/>
-              </a:spcAft>
-              <a:buClrTx/>
-              <a:buSzTx/>
-              <a:buFontTx/>
-              <a:buAutoNum type="arabicPeriod"/>
-            </a:pPr>
-            <a:r>
-              <a:rPr lang="zh-CN" altLang="en-US" sz="3200" dirty="0">
-                <a:latin typeface="微软雅黑" panose="020B0503020204020204" pitchFamily="34" charset="-122"/>
-                <a:ea typeface="微软雅黑" panose="020B0503020204020204" pitchFamily="34" charset="-122"/>
-              </a:rPr>
-              <a:t>函数生成</a:t>
-            </a:r>
-            <a:endParaRPr kumimoji="0" lang="zh-CN" altLang="en-US" sz="3200" b="0" i="0" u="none" strike="noStrike" cap="none" spc="0" normalizeH="0" baseline="0" dirty="0">
+        </p:txBody>
+      </p:sp>
+      <p:sp>
+        <p:nvSpPr>
+          <p:cNvPr id="11" name="文本框 10">
+            <a:extLst>
+              <a:ext uri="{FF2B5EF4-FFF2-40B4-BE49-F238E27FC236}">
+                <a16:creationId xmlns:a16="http://schemas.microsoft.com/office/drawing/2014/main" id="{9BA9C80A-EB65-43E9-9CB9-AD49348A70B9}"/>
+              </a:ext>
+            </a:extLst>
+          </p:cNvPr>
+          <p:cNvSpPr txBox="1"/>
+          <p:nvPr/>
+        </p:nvSpPr>
+        <p:spPr>
+          <a:xfrm>
+            <a:off x="12453258" y="3999129"/>
+            <a:ext cx="6052457" cy="933589"/>
+          </a:xfrm>
+          <a:prstGeom prst="rect">
+            <a:avLst/>
+          </a:prstGeom>
+          <a:noFill/>
+          <a:ln w="12700" cap="flat">
+            <a:noFill/>
+            <a:miter lim="400000"/>
+          </a:ln>
+        </p:spPr>
+        <p:style>
+          <a:lnRef idx="0">
+            <a:scrgbClr r="0" g="0" b="0"/>
+          </a:lnRef>
+          <a:fillRef idx="0">
+            <a:scrgbClr r="0" g="0" b="0"/>
+          </a:fillRef>
+          <a:effectRef idx="0">
+            <a:scrgbClr r="0" g="0" b="0"/>
+          </a:effectRef>
+          <a:fontRef idx="none"/>
+        </p:style>
+        <p:txBody>
+          <a:bodyPr rot="0" spcFirstLastPara="1" vertOverflow="overflow" horzOverflow="overflow" vert="horz" wrap="square" lIns="50800" tIns="50800" rIns="50800" bIns="50800" numCol="1" spcCol="38100" rtlCol="0" anchor="ctr">
+            <a:spAutoFit/>
+          </a:bodyPr>
+          <a:lstStyle/>
+          <a:p>
+            <a:pPr algn="l"/>
+            <a:r>
+              <a:rPr lang="en-US" altLang="zh-CN" sz="5400" b="1" dirty="0"/>
+              <a:t>case-func10000.js</a:t>
+            </a:r>
+            <a:endParaRPr kumimoji="0" lang="zh-CN" altLang="en-US" sz="5400" b="1" i="0" u="none" strike="noStrike" cap="none" spc="0" normalizeH="0" baseline="0" dirty="0">
               <a:ln>
                 <a:noFill/>
               </a:ln>
@@ -15371,9 +15478,756 @@
               </a:solidFill>
               <a:effectLst/>
               <a:uFillTx/>
-              <a:latin typeface="微软雅黑" panose="020B0503020204020204" pitchFamily="34" charset="-122"/>
-              <a:ea typeface="微软雅黑" panose="020B0503020204020204" pitchFamily="34" charset="-122"/>
+              <a:latin typeface="Helvetica Neue Medium"/>
+              <a:ea typeface="Helvetica Neue Medium"/>
+              <a:cs typeface="Helvetica Neue Medium"/>
               <a:sym typeface="Helvetica Neue Medium"/>
+            </a:endParaRPr>
+          </a:p>
+        </p:txBody>
+      </p:sp>
+      <p:sp>
+        <p:nvSpPr>
+          <p:cNvPr id="7" name="Rectangle 3">
+            <a:extLst>
+              <a:ext uri="{FF2B5EF4-FFF2-40B4-BE49-F238E27FC236}">
+                <a16:creationId xmlns:a16="http://schemas.microsoft.com/office/drawing/2014/main" id="{ECD67476-6D25-46DA-AF4E-BA72E09FE217}"/>
+              </a:ext>
+            </a:extLst>
+          </p:cNvPr>
+          <p:cNvSpPr>
+            <a:spLocks noChangeArrowheads="1"/>
+          </p:cNvSpPr>
+          <p:nvPr/>
+        </p:nvSpPr>
+        <p:spPr bwMode="auto">
+          <a:xfrm>
+            <a:off x="12453258" y="5560236"/>
+            <a:ext cx="10758073" cy="4832092"/>
+          </a:xfrm>
+          <a:prstGeom prst="rect">
+            <a:avLst/>
+          </a:prstGeom>
+          <a:solidFill>
+            <a:srgbClr val="FFFFFF"/>
+          </a:solidFill>
+          <a:ln>
+            <a:noFill/>
+          </a:ln>
+          <a:effectLst/>
+          <a:extLst>
+            <a:ext uri="{91240B29-F687-4F45-9708-019B960494DF}">
+              <a14:hiddenLine xmlns:a14="http://schemas.microsoft.com/office/drawing/2010/main" w="9525">
+                <a:solidFill>
+                  <a:schemeClr val="tx1"/>
+                </a:solidFill>
+                <a:miter lim="800000"/>
+                <a:headEnd/>
+                <a:tailEnd/>
+              </a14:hiddenLine>
+            </a:ext>
+            <a:ext uri="{AF507438-7753-43E0-B8FC-AC1667EBCBE1}">
+              <a14:hiddenEffects xmlns:a14="http://schemas.microsoft.com/office/drawing/2010/main">
+                <a:effectLst>
+                  <a:outerShdw dist="35921" dir="2700000" algn="ctr" rotWithShape="0">
+                    <a:schemeClr val="bg2"/>
+                  </a:outerShdw>
+                </a:effectLst>
+              </a14:hiddenEffects>
+            </a:ext>
+          </a:extLst>
+        </p:spPr>
+        <p:txBody>
+          <a:bodyPr vert="horz" wrap="none" lIns="91440" tIns="45720" rIns="91440" bIns="45720" numCol="1" anchor="ctr" anchorCtr="0" compatLnSpc="1">
+            <a:prstTxWarp prst="textNoShape">
+              <a:avLst/>
+            </a:prstTxWarp>
+            <a:spAutoFit/>
+          </a:bodyPr>
+          <a:lstStyle/>
+          <a:p>
+            <a:pPr marL="0" marR="0" lvl="0" indent="0" algn="l" defTabSz="914400" rtl="0" eaLnBrk="0" fontAlgn="base" latinLnBrk="0" hangingPunct="0">
+              <a:lnSpc>
+                <a:spcPct val="100000"/>
+              </a:lnSpc>
+              <a:spcBef>
+                <a:spcPct val="0"/>
+              </a:spcBef>
+              <a:spcAft>
+                <a:spcPct val="0"/>
+              </a:spcAft>
+              <a:buClrTx/>
+              <a:buSzTx/>
+              <a:buFontTx/>
+              <a:buNone/>
+              <a:tabLst/>
+            </a:pPr>
+            <a:r>
+              <a:rPr kumimoji="0" lang="zh-CN" altLang="zh-CN" sz="4400" b="1" i="0" u="none" strike="noStrike" cap="none" normalizeH="0" baseline="0" dirty="0">
+                <a:ln>
+                  <a:noFill/>
+                </a:ln>
+                <a:solidFill>
+                  <a:srgbClr val="000080"/>
+                </a:solidFill>
+                <a:effectLst/>
+                <a:latin typeface="Consolas" panose="020B0609020204030204" pitchFamily="49" charset="0"/>
+              </a:rPr>
+              <a:t>const </a:t>
+            </a:r>
+            <a:r>
+              <a:rPr kumimoji="0" lang="zh-CN" altLang="zh-CN" sz="4400" b="1" i="1" u="none" strike="noStrike" cap="none" normalizeH="0" baseline="0" dirty="0">
+                <a:ln>
+                  <a:noFill/>
+                </a:ln>
+                <a:solidFill>
+                  <a:srgbClr val="660E7A"/>
+                </a:solidFill>
+                <a:effectLst/>
+                <a:latin typeface="Consolas" panose="020B0609020204030204" pitchFamily="49" charset="0"/>
+              </a:rPr>
+              <a:t>func10000 </a:t>
+            </a:r>
+            <a:r>
+              <a:rPr kumimoji="0" lang="zh-CN" altLang="zh-CN" sz="4400" b="0" i="0" u="none" strike="noStrike" cap="none" normalizeH="0" baseline="0" dirty="0">
+                <a:ln>
+                  <a:noFill/>
+                </a:ln>
+                <a:solidFill>
+                  <a:srgbClr val="000000"/>
+                </a:solidFill>
+                <a:effectLst/>
+                <a:latin typeface="Consolas" panose="020B0609020204030204" pitchFamily="49" charset="0"/>
+              </a:rPr>
+              <a:t>= </a:t>
+            </a:r>
+            <a:r>
+              <a:rPr kumimoji="0" lang="zh-CN" altLang="zh-CN" sz="4400" b="0" i="1" u="none" strike="noStrike" cap="none" normalizeH="0" baseline="0" dirty="0">
+                <a:ln>
+                  <a:noFill/>
+                </a:ln>
+                <a:solidFill>
+                  <a:srgbClr val="000000"/>
+                </a:solidFill>
+                <a:effectLst/>
+                <a:latin typeface="Consolas" panose="020B0609020204030204" pitchFamily="49" charset="0"/>
+              </a:rPr>
+              <a:t>generate</a:t>
+            </a:r>
+            <a:r>
+              <a:rPr kumimoji="0" lang="zh-CN" altLang="zh-CN" sz="4400" b="0" i="0" u="none" strike="noStrike" cap="none" normalizeH="0" baseline="0" dirty="0">
+                <a:ln>
+                  <a:noFill/>
+                </a:ln>
+                <a:solidFill>
+                  <a:srgbClr val="000000"/>
+                </a:solidFill>
+                <a:effectLst/>
+                <a:latin typeface="Consolas" panose="020B0609020204030204" pitchFamily="49" charset="0"/>
+              </a:rPr>
+              <a:t>(</a:t>
+            </a:r>
+            <a:r>
+              <a:rPr kumimoji="0" lang="zh-CN" altLang="zh-CN" sz="4400" b="0" i="0" u="none" strike="noStrike" cap="none" normalizeH="0" baseline="0" dirty="0">
+                <a:ln>
+                  <a:noFill/>
+                </a:ln>
+                <a:solidFill>
+                  <a:srgbClr val="0000FF"/>
+                </a:solidFill>
+                <a:effectLst/>
+                <a:latin typeface="Consolas" panose="020B0609020204030204" pitchFamily="49" charset="0"/>
+              </a:rPr>
+              <a:t>10000</a:t>
+            </a:r>
+            <a:r>
+              <a:rPr kumimoji="0" lang="zh-CN" altLang="zh-CN" sz="4400" b="0" i="0" u="none" strike="noStrike" cap="none" normalizeH="0" baseline="0" dirty="0">
+                <a:ln>
+                  <a:noFill/>
+                </a:ln>
+                <a:solidFill>
+                  <a:srgbClr val="000000"/>
+                </a:solidFill>
+                <a:effectLst/>
+                <a:latin typeface="Consolas" panose="020B0609020204030204" pitchFamily="49" charset="0"/>
+              </a:rPr>
+              <a:t>);</a:t>
+            </a:r>
+            <a:br>
+              <a:rPr kumimoji="0" lang="zh-CN" altLang="zh-CN" sz="4400" b="0" i="0" u="none" strike="noStrike" cap="none" normalizeH="0" baseline="0" dirty="0">
+                <a:ln>
+                  <a:noFill/>
+                </a:ln>
+                <a:solidFill>
+                  <a:srgbClr val="000000"/>
+                </a:solidFill>
+                <a:effectLst/>
+                <a:latin typeface="Consolas" panose="020B0609020204030204" pitchFamily="49" charset="0"/>
+              </a:rPr>
+            </a:br>
+            <a:r>
+              <a:rPr kumimoji="0" lang="zh-CN" altLang="zh-CN" sz="4400" b="1" i="1" u="none" strike="noStrike" cap="none" normalizeH="0" baseline="0" dirty="0">
+                <a:ln>
+                  <a:noFill/>
+                </a:ln>
+                <a:solidFill>
+                  <a:srgbClr val="660E7A"/>
+                </a:solidFill>
+                <a:effectLst/>
+                <a:latin typeface="Consolas" panose="020B0609020204030204" pitchFamily="49" charset="0"/>
+              </a:rPr>
+              <a:t>console</a:t>
+            </a:r>
+            <a:r>
+              <a:rPr kumimoji="0" lang="zh-CN" altLang="zh-CN" sz="4400" b="0" i="0" u="none" strike="noStrike" cap="none" normalizeH="0" baseline="0" dirty="0">
+                <a:ln>
+                  <a:noFill/>
+                </a:ln>
+                <a:solidFill>
+                  <a:srgbClr val="000000"/>
+                </a:solidFill>
+                <a:effectLst/>
+                <a:latin typeface="Consolas" panose="020B0609020204030204" pitchFamily="49" charset="0"/>
+              </a:rPr>
+              <a:t>.</a:t>
+            </a:r>
+            <a:r>
+              <a:rPr kumimoji="0" lang="zh-CN" altLang="zh-CN" sz="4400" b="0" i="0" u="none" strike="noStrike" cap="none" normalizeH="0" baseline="0" dirty="0">
+                <a:ln>
+                  <a:noFill/>
+                </a:ln>
+                <a:solidFill>
+                  <a:srgbClr val="7A7A43"/>
+                </a:solidFill>
+                <a:effectLst/>
+                <a:latin typeface="Consolas" panose="020B0609020204030204" pitchFamily="49" charset="0"/>
+              </a:rPr>
+              <a:t>time</a:t>
+            </a:r>
+            <a:r>
+              <a:rPr kumimoji="0" lang="zh-CN" altLang="zh-CN" sz="4400" b="0" i="0" u="none" strike="noStrike" cap="none" normalizeH="0" baseline="0" dirty="0">
+                <a:ln>
+                  <a:noFill/>
+                </a:ln>
+                <a:solidFill>
+                  <a:srgbClr val="000000"/>
+                </a:solidFill>
+                <a:effectLst/>
+                <a:latin typeface="Consolas" panose="020B0609020204030204" pitchFamily="49" charset="0"/>
+              </a:rPr>
+              <a:t>(</a:t>
+            </a:r>
+            <a:r>
+              <a:rPr kumimoji="0" lang="zh-CN" altLang="zh-CN" sz="4400" b="1" i="0" u="none" strike="noStrike" cap="none" normalizeH="0" baseline="0" dirty="0">
+                <a:ln>
+                  <a:noFill/>
+                </a:ln>
+                <a:solidFill>
+                  <a:srgbClr val="008000"/>
+                </a:solidFill>
+                <a:effectLst/>
+                <a:latin typeface="Consolas" panose="020B0609020204030204" pitchFamily="49" charset="0"/>
+              </a:rPr>
+              <a:t>'measure'</a:t>
+            </a:r>
+            <a:r>
+              <a:rPr kumimoji="0" lang="zh-CN" altLang="zh-CN" sz="4400" b="0" i="0" u="none" strike="noStrike" cap="none" normalizeH="0" baseline="0" dirty="0">
+                <a:ln>
+                  <a:noFill/>
+                </a:ln>
+                <a:solidFill>
+                  <a:srgbClr val="000000"/>
+                </a:solidFill>
+                <a:effectLst/>
+                <a:latin typeface="Consolas" panose="020B0609020204030204" pitchFamily="49" charset="0"/>
+              </a:rPr>
+              <a:t>);</a:t>
+            </a:r>
+            <a:br>
+              <a:rPr kumimoji="0" lang="zh-CN" altLang="zh-CN" sz="4400" b="0" i="0" u="none" strike="noStrike" cap="none" normalizeH="0" baseline="0" dirty="0">
+                <a:ln>
+                  <a:noFill/>
+                </a:ln>
+                <a:solidFill>
+                  <a:srgbClr val="000000"/>
+                </a:solidFill>
+                <a:effectLst/>
+                <a:latin typeface="Consolas" panose="020B0609020204030204" pitchFamily="49" charset="0"/>
+              </a:rPr>
+            </a:br>
+            <a:r>
+              <a:rPr kumimoji="0" lang="zh-CN" altLang="zh-CN" sz="4400" b="1" i="0" u="none" strike="noStrike" cap="none" normalizeH="0" baseline="0" dirty="0">
+                <a:ln>
+                  <a:noFill/>
+                </a:ln>
+                <a:solidFill>
+                  <a:srgbClr val="000080"/>
+                </a:solidFill>
+                <a:effectLst/>
+                <a:latin typeface="Consolas" panose="020B0609020204030204" pitchFamily="49" charset="0"/>
+              </a:rPr>
+              <a:t>let </a:t>
+            </a:r>
+            <a:r>
+              <a:rPr kumimoji="0" lang="zh-CN" altLang="zh-CN" sz="4400" b="1" i="1" u="none" strike="noStrike" cap="none" normalizeH="0" baseline="0" dirty="0">
+                <a:ln>
+                  <a:noFill/>
+                </a:ln>
+                <a:solidFill>
+                  <a:srgbClr val="660E7A"/>
+                </a:solidFill>
+                <a:effectLst/>
+                <a:latin typeface="Consolas" panose="020B0609020204030204" pitchFamily="49" charset="0"/>
+              </a:rPr>
+              <a:t>result </a:t>
+            </a:r>
+            <a:r>
+              <a:rPr kumimoji="0" lang="zh-CN" altLang="zh-CN" sz="4400" b="0" i="0" u="none" strike="noStrike" cap="none" normalizeH="0" baseline="0" dirty="0">
+                <a:ln>
+                  <a:noFill/>
+                </a:ln>
+                <a:solidFill>
+                  <a:srgbClr val="000000"/>
+                </a:solidFill>
+                <a:effectLst/>
+                <a:latin typeface="Consolas" panose="020B0609020204030204" pitchFamily="49" charset="0"/>
+              </a:rPr>
+              <a:t>= </a:t>
+            </a:r>
+            <a:r>
+              <a:rPr kumimoji="0" lang="zh-CN" altLang="zh-CN" sz="4400" b="0" i="0" u="none" strike="noStrike" cap="none" normalizeH="0" baseline="0" dirty="0">
+                <a:ln>
+                  <a:noFill/>
+                </a:ln>
+                <a:solidFill>
+                  <a:srgbClr val="0000FF"/>
+                </a:solidFill>
+                <a:effectLst/>
+                <a:latin typeface="Consolas" panose="020B0609020204030204" pitchFamily="49" charset="0"/>
+              </a:rPr>
+              <a:t>0</a:t>
+            </a:r>
+            <a:r>
+              <a:rPr kumimoji="0" lang="zh-CN" altLang="zh-CN" sz="4400" b="0" i="0" u="none" strike="noStrike" cap="none" normalizeH="0" baseline="0" dirty="0">
+                <a:ln>
+                  <a:noFill/>
+                </a:ln>
+                <a:solidFill>
+                  <a:srgbClr val="000000"/>
+                </a:solidFill>
+                <a:effectLst/>
+                <a:latin typeface="Consolas" panose="020B0609020204030204" pitchFamily="49" charset="0"/>
+              </a:rPr>
+              <a:t>;</a:t>
+            </a:r>
+            <a:br>
+              <a:rPr kumimoji="0" lang="zh-CN" altLang="zh-CN" sz="4400" b="0" i="0" u="none" strike="noStrike" cap="none" normalizeH="0" baseline="0" dirty="0">
+                <a:ln>
+                  <a:noFill/>
+                </a:ln>
+                <a:solidFill>
+                  <a:srgbClr val="000000"/>
+                </a:solidFill>
+                <a:effectLst/>
+                <a:latin typeface="Consolas" panose="020B0609020204030204" pitchFamily="49" charset="0"/>
+              </a:rPr>
+            </a:br>
+            <a:r>
+              <a:rPr kumimoji="0" lang="zh-CN" altLang="zh-CN" sz="4400" b="1" i="0" u="none" strike="noStrike" cap="none" normalizeH="0" baseline="0" dirty="0">
+                <a:ln>
+                  <a:noFill/>
+                </a:ln>
+                <a:solidFill>
+                  <a:srgbClr val="000080"/>
+                </a:solidFill>
+                <a:effectLst/>
+                <a:latin typeface="Consolas" panose="020B0609020204030204" pitchFamily="49" charset="0"/>
+              </a:rPr>
+              <a:t>for </a:t>
+            </a:r>
+            <a:r>
+              <a:rPr kumimoji="0" lang="zh-CN" altLang="zh-CN" sz="4400" b="0" i="0" u="none" strike="noStrike" cap="none" normalizeH="0" baseline="0" dirty="0">
+                <a:ln>
+                  <a:noFill/>
+                </a:ln>
+                <a:solidFill>
+                  <a:srgbClr val="000000"/>
+                </a:solidFill>
+                <a:effectLst/>
+                <a:latin typeface="Consolas" panose="020B0609020204030204" pitchFamily="49" charset="0"/>
+              </a:rPr>
+              <a:t>(</a:t>
+            </a:r>
+            <a:r>
+              <a:rPr kumimoji="0" lang="zh-CN" altLang="zh-CN" sz="4400" b="1" i="0" u="none" strike="noStrike" cap="none" normalizeH="0" baseline="0" dirty="0">
+                <a:ln>
+                  <a:noFill/>
+                </a:ln>
+                <a:solidFill>
+                  <a:srgbClr val="000080"/>
+                </a:solidFill>
+                <a:effectLst/>
+                <a:latin typeface="Consolas" panose="020B0609020204030204" pitchFamily="49" charset="0"/>
+              </a:rPr>
+              <a:t>let </a:t>
+            </a:r>
+            <a:r>
+              <a:rPr kumimoji="0" lang="zh-CN" altLang="zh-CN" sz="4400" b="1" i="1" u="none" strike="noStrike" cap="none" normalizeH="0" baseline="0" dirty="0">
+                <a:ln>
+                  <a:noFill/>
+                </a:ln>
+                <a:solidFill>
+                  <a:srgbClr val="660E7A"/>
+                </a:solidFill>
+                <a:effectLst/>
+                <a:latin typeface="Consolas" panose="020B0609020204030204" pitchFamily="49" charset="0"/>
+              </a:rPr>
+              <a:t>i </a:t>
+            </a:r>
+            <a:r>
+              <a:rPr kumimoji="0" lang="zh-CN" altLang="zh-CN" sz="4400" b="0" i="0" u="none" strike="noStrike" cap="none" normalizeH="0" baseline="0" dirty="0">
+                <a:ln>
+                  <a:noFill/>
+                </a:ln>
+                <a:solidFill>
+                  <a:srgbClr val="000000"/>
+                </a:solidFill>
+                <a:effectLst/>
+                <a:latin typeface="Consolas" panose="020B0609020204030204" pitchFamily="49" charset="0"/>
+              </a:rPr>
+              <a:t>= </a:t>
+            </a:r>
+            <a:r>
+              <a:rPr kumimoji="0" lang="zh-CN" altLang="zh-CN" sz="4400" b="0" i="0" u="none" strike="noStrike" cap="none" normalizeH="0" baseline="0" dirty="0">
+                <a:ln>
+                  <a:noFill/>
+                </a:ln>
+                <a:solidFill>
+                  <a:srgbClr val="0000FF"/>
+                </a:solidFill>
+                <a:effectLst/>
+                <a:latin typeface="Consolas" panose="020B0609020204030204" pitchFamily="49" charset="0"/>
+              </a:rPr>
+              <a:t>0</a:t>
+            </a:r>
+            <a:r>
+              <a:rPr kumimoji="0" lang="zh-CN" altLang="zh-CN" sz="4400" b="0" i="0" u="none" strike="noStrike" cap="none" normalizeH="0" baseline="0" dirty="0">
+                <a:ln>
+                  <a:noFill/>
+                </a:ln>
+                <a:solidFill>
+                  <a:srgbClr val="000000"/>
+                </a:solidFill>
+                <a:effectLst/>
+                <a:latin typeface="Consolas" panose="020B0609020204030204" pitchFamily="49" charset="0"/>
+              </a:rPr>
+              <a:t>; </a:t>
+            </a:r>
+            <a:r>
+              <a:rPr kumimoji="0" lang="zh-CN" altLang="zh-CN" sz="4400" b="1" i="1" u="none" strike="noStrike" cap="none" normalizeH="0" baseline="0" dirty="0">
+                <a:ln>
+                  <a:noFill/>
+                </a:ln>
+                <a:solidFill>
+                  <a:srgbClr val="660E7A"/>
+                </a:solidFill>
+                <a:effectLst/>
+                <a:latin typeface="Consolas" panose="020B0609020204030204" pitchFamily="49" charset="0"/>
+              </a:rPr>
+              <a:t>i </a:t>
+            </a:r>
+            <a:r>
+              <a:rPr kumimoji="0" lang="zh-CN" altLang="zh-CN" sz="4400" b="0" i="0" u="none" strike="noStrike" cap="none" normalizeH="0" baseline="0" dirty="0">
+                <a:ln>
+                  <a:noFill/>
+                </a:ln>
+                <a:solidFill>
+                  <a:srgbClr val="000000"/>
+                </a:solidFill>
+                <a:effectLst/>
+                <a:latin typeface="Consolas" panose="020B0609020204030204" pitchFamily="49" charset="0"/>
+              </a:rPr>
+              <a:t>&lt; </a:t>
+            </a:r>
+            <a:r>
+              <a:rPr kumimoji="0" lang="zh-CN" altLang="zh-CN" sz="4400" b="0" i="0" u="none" strike="noStrike" cap="none" normalizeH="0" baseline="0" dirty="0">
+                <a:ln>
+                  <a:noFill/>
+                </a:ln>
+                <a:solidFill>
+                  <a:srgbClr val="0000FF"/>
+                </a:solidFill>
+                <a:effectLst/>
+                <a:latin typeface="Consolas" panose="020B0609020204030204" pitchFamily="49" charset="0"/>
+              </a:rPr>
+              <a:t>50000</a:t>
+            </a:r>
+            <a:r>
+              <a:rPr kumimoji="0" lang="zh-CN" altLang="zh-CN" sz="4400" b="0" i="0" u="none" strike="noStrike" cap="none" normalizeH="0" baseline="0" dirty="0">
+                <a:ln>
+                  <a:noFill/>
+                </a:ln>
+                <a:solidFill>
+                  <a:srgbClr val="000000"/>
+                </a:solidFill>
+                <a:effectLst/>
+                <a:latin typeface="Consolas" panose="020B0609020204030204" pitchFamily="49" charset="0"/>
+              </a:rPr>
+              <a:t>; ++</a:t>
+            </a:r>
+            <a:r>
+              <a:rPr kumimoji="0" lang="zh-CN" altLang="zh-CN" sz="4400" b="1" i="1" u="none" strike="noStrike" cap="none" normalizeH="0" baseline="0" dirty="0">
+                <a:ln>
+                  <a:noFill/>
+                </a:ln>
+                <a:solidFill>
+                  <a:srgbClr val="660E7A"/>
+                </a:solidFill>
+                <a:effectLst/>
+                <a:latin typeface="Consolas" panose="020B0609020204030204" pitchFamily="49" charset="0"/>
+              </a:rPr>
+              <a:t>i</a:t>
+            </a:r>
+            <a:r>
+              <a:rPr kumimoji="0" lang="zh-CN" altLang="zh-CN" sz="4400" b="0" i="0" u="none" strike="noStrike" cap="none" normalizeH="0" baseline="0" dirty="0">
+                <a:ln>
+                  <a:noFill/>
+                </a:ln>
+                <a:solidFill>
+                  <a:srgbClr val="000000"/>
+                </a:solidFill>
+                <a:effectLst/>
+                <a:latin typeface="Consolas" panose="020B0609020204030204" pitchFamily="49" charset="0"/>
+              </a:rPr>
+              <a:t>) {</a:t>
+            </a:r>
+            <a:br>
+              <a:rPr kumimoji="0" lang="zh-CN" altLang="zh-CN" sz="4400" b="0" i="0" u="none" strike="noStrike" cap="none" normalizeH="0" baseline="0" dirty="0">
+                <a:ln>
+                  <a:noFill/>
+                </a:ln>
+                <a:solidFill>
+                  <a:srgbClr val="000000"/>
+                </a:solidFill>
+                <a:effectLst/>
+                <a:latin typeface="Consolas" panose="020B0609020204030204" pitchFamily="49" charset="0"/>
+              </a:rPr>
+            </a:br>
+            <a:r>
+              <a:rPr kumimoji="0" lang="zh-CN" altLang="zh-CN" sz="4400" b="0" i="0" u="none" strike="noStrike" cap="none" normalizeH="0" baseline="0" dirty="0">
+                <a:ln>
+                  <a:noFill/>
+                </a:ln>
+                <a:solidFill>
+                  <a:srgbClr val="000000"/>
+                </a:solidFill>
+                <a:effectLst/>
+                <a:latin typeface="Consolas" panose="020B0609020204030204" pitchFamily="49" charset="0"/>
+              </a:rPr>
+              <a:t>    </a:t>
+            </a:r>
+            <a:r>
+              <a:rPr kumimoji="0" lang="zh-CN" altLang="zh-CN" sz="4400" b="1" i="1" u="none" strike="noStrike" cap="none" normalizeH="0" baseline="0" dirty="0">
+                <a:ln>
+                  <a:noFill/>
+                </a:ln>
+                <a:solidFill>
+                  <a:srgbClr val="660E7A"/>
+                </a:solidFill>
+                <a:effectLst/>
+                <a:latin typeface="Consolas" panose="020B0609020204030204" pitchFamily="49" charset="0"/>
+              </a:rPr>
+              <a:t>result </a:t>
+            </a:r>
+            <a:r>
+              <a:rPr kumimoji="0" lang="zh-CN" altLang="zh-CN" sz="4400" b="0" i="0" u="none" strike="noStrike" cap="none" normalizeH="0" baseline="0" dirty="0">
+                <a:ln>
+                  <a:noFill/>
+                </a:ln>
+                <a:solidFill>
+                  <a:srgbClr val="000000"/>
+                </a:solidFill>
+                <a:effectLst/>
+                <a:latin typeface="Consolas" panose="020B0609020204030204" pitchFamily="49" charset="0"/>
+              </a:rPr>
+              <a:t>+= </a:t>
+            </a:r>
+            <a:r>
+              <a:rPr kumimoji="0" lang="zh-CN" altLang="zh-CN" sz="4400" b="1" i="1" u="none" strike="noStrike" cap="none" normalizeH="0" baseline="0" dirty="0">
+                <a:ln>
+                  <a:noFill/>
+                </a:ln>
+                <a:solidFill>
+                  <a:srgbClr val="660E7A"/>
+                </a:solidFill>
+                <a:effectLst/>
+                <a:latin typeface="Consolas" panose="020B0609020204030204" pitchFamily="49" charset="0"/>
+              </a:rPr>
+              <a:t>func10000</a:t>
+            </a:r>
+            <a:r>
+              <a:rPr kumimoji="0" lang="zh-CN" altLang="zh-CN" sz="4400" b="0" i="0" u="none" strike="noStrike" cap="none" normalizeH="0" baseline="0" dirty="0">
+                <a:ln>
+                  <a:noFill/>
+                </a:ln>
+                <a:solidFill>
+                  <a:srgbClr val="000000"/>
+                </a:solidFill>
+                <a:effectLst/>
+                <a:latin typeface="Consolas" panose="020B0609020204030204" pitchFamily="49" charset="0"/>
+              </a:rPr>
+              <a:t>(</a:t>
+            </a:r>
+            <a:r>
+              <a:rPr kumimoji="0" lang="zh-CN" altLang="zh-CN" sz="4400" b="1" i="1" u="none" strike="noStrike" cap="none" normalizeH="0" baseline="0" dirty="0">
+                <a:ln>
+                  <a:noFill/>
+                </a:ln>
+                <a:solidFill>
+                  <a:srgbClr val="660E7A"/>
+                </a:solidFill>
+                <a:effectLst/>
+                <a:latin typeface="Consolas" panose="020B0609020204030204" pitchFamily="49" charset="0"/>
+              </a:rPr>
+              <a:t>i</a:t>
+            </a:r>
+            <a:r>
+              <a:rPr kumimoji="0" lang="zh-CN" altLang="zh-CN" sz="4400" b="0" i="0" u="none" strike="noStrike" cap="none" normalizeH="0" baseline="0" dirty="0">
+                <a:ln>
+                  <a:noFill/>
+                </a:ln>
+                <a:solidFill>
+                  <a:srgbClr val="000000"/>
+                </a:solidFill>
+                <a:effectLst/>
+                <a:latin typeface="Consolas" panose="020B0609020204030204" pitchFamily="49" charset="0"/>
+              </a:rPr>
+              <a:t>);</a:t>
+            </a:r>
+            <a:br>
+              <a:rPr kumimoji="0" lang="zh-CN" altLang="zh-CN" sz="4400" b="0" i="0" u="none" strike="noStrike" cap="none" normalizeH="0" baseline="0" dirty="0">
+                <a:ln>
+                  <a:noFill/>
+                </a:ln>
+                <a:solidFill>
+                  <a:srgbClr val="000000"/>
+                </a:solidFill>
+                <a:effectLst/>
+                <a:latin typeface="Consolas" panose="020B0609020204030204" pitchFamily="49" charset="0"/>
+              </a:rPr>
+            </a:br>
+            <a:r>
+              <a:rPr kumimoji="0" lang="zh-CN" altLang="zh-CN" sz="4400" b="0" i="0" u="none" strike="noStrike" cap="none" normalizeH="0" baseline="0" dirty="0">
+                <a:ln>
+                  <a:noFill/>
+                </a:ln>
+                <a:solidFill>
+                  <a:srgbClr val="000000"/>
+                </a:solidFill>
+                <a:effectLst/>
+                <a:latin typeface="Consolas" panose="020B0609020204030204" pitchFamily="49" charset="0"/>
+              </a:rPr>
+              <a:t>}</a:t>
+            </a:r>
+            <a:br>
+              <a:rPr kumimoji="0" lang="zh-CN" altLang="zh-CN" sz="4400" b="0" i="0" u="none" strike="noStrike" cap="none" normalizeH="0" baseline="0" dirty="0">
+                <a:ln>
+                  <a:noFill/>
+                </a:ln>
+                <a:solidFill>
+                  <a:srgbClr val="000000"/>
+                </a:solidFill>
+                <a:effectLst/>
+                <a:latin typeface="Consolas" panose="020B0609020204030204" pitchFamily="49" charset="0"/>
+              </a:rPr>
+            </a:br>
+            <a:r>
+              <a:rPr kumimoji="0" lang="zh-CN" altLang="zh-CN" sz="4400" b="1" i="1" u="none" strike="noStrike" cap="none" normalizeH="0" baseline="0" dirty="0">
+                <a:ln>
+                  <a:noFill/>
+                </a:ln>
+                <a:solidFill>
+                  <a:srgbClr val="660E7A"/>
+                </a:solidFill>
+                <a:effectLst/>
+                <a:latin typeface="Consolas" panose="020B0609020204030204" pitchFamily="49" charset="0"/>
+              </a:rPr>
+              <a:t>console</a:t>
+            </a:r>
+            <a:r>
+              <a:rPr kumimoji="0" lang="zh-CN" altLang="zh-CN" sz="4400" b="0" i="0" u="none" strike="noStrike" cap="none" normalizeH="0" baseline="0" dirty="0">
+                <a:ln>
+                  <a:noFill/>
+                </a:ln>
+                <a:solidFill>
+                  <a:srgbClr val="000000"/>
+                </a:solidFill>
+                <a:effectLst/>
+                <a:latin typeface="Consolas" panose="020B0609020204030204" pitchFamily="49" charset="0"/>
+              </a:rPr>
+              <a:t>.</a:t>
+            </a:r>
+            <a:r>
+              <a:rPr kumimoji="0" lang="zh-CN" altLang="zh-CN" sz="4400" b="0" i="0" u="none" strike="noStrike" cap="none" normalizeH="0" baseline="0" dirty="0">
+                <a:ln>
+                  <a:noFill/>
+                </a:ln>
+                <a:solidFill>
+                  <a:srgbClr val="7A7A43"/>
+                </a:solidFill>
+                <a:effectLst/>
+                <a:latin typeface="Consolas" panose="020B0609020204030204" pitchFamily="49" charset="0"/>
+              </a:rPr>
+              <a:t>timeEnd</a:t>
+            </a:r>
+            <a:r>
+              <a:rPr kumimoji="0" lang="zh-CN" altLang="zh-CN" sz="4400" b="0" i="0" u="none" strike="noStrike" cap="none" normalizeH="0" baseline="0" dirty="0">
+                <a:ln>
+                  <a:noFill/>
+                </a:ln>
+                <a:solidFill>
+                  <a:srgbClr val="000000"/>
+                </a:solidFill>
+                <a:effectLst/>
+                <a:latin typeface="Consolas" panose="020B0609020204030204" pitchFamily="49" charset="0"/>
+              </a:rPr>
+              <a:t>(</a:t>
+            </a:r>
+            <a:r>
+              <a:rPr kumimoji="0" lang="zh-CN" altLang="zh-CN" sz="4400" b="1" i="0" u="none" strike="noStrike" cap="none" normalizeH="0" baseline="0" dirty="0">
+                <a:ln>
+                  <a:noFill/>
+                </a:ln>
+                <a:solidFill>
+                  <a:srgbClr val="008000"/>
+                </a:solidFill>
+                <a:effectLst/>
+                <a:latin typeface="Consolas" panose="020B0609020204030204" pitchFamily="49" charset="0"/>
+              </a:rPr>
+              <a:t>'measure'</a:t>
+            </a:r>
+            <a:r>
+              <a:rPr kumimoji="0" lang="zh-CN" altLang="zh-CN" sz="4400" b="0" i="0" u="none" strike="noStrike" cap="none" normalizeH="0" baseline="0" dirty="0">
+                <a:ln>
+                  <a:noFill/>
+                </a:ln>
+                <a:solidFill>
+                  <a:srgbClr val="000000"/>
+                </a:solidFill>
+                <a:effectLst/>
+                <a:latin typeface="Consolas" panose="020B0609020204030204" pitchFamily="49" charset="0"/>
+              </a:rPr>
+              <a:t>);</a:t>
+            </a:r>
+            <a:endParaRPr kumimoji="0" lang="zh-CN" altLang="zh-CN" sz="4400" b="0" i="0" u="none" strike="noStrike" cap="none" normalizeH="0" baseline="0" dirty="0">
+              <a:ln>
+                <a:noFill/>
+              </a:ln>
+              <a:solidFill>
+                <a:schemeClr val="tx1"/>
+              </a:solidFill>
+              <a:effectLst/>
+              <a:latin typeface="Arial" panose="020B0604020202020204" pitchFamily="34" charset="0"/>
             </a:endParaRPr>
           </a:p>
         </p:txBody>
@@ -15381,7 +16235,7 @@
     </p:spTree>
     <p:extLst>
       <p:ext uri="{BB962C8B-B14F-4D97-AF65-F5344CB8AC3E}">
-        <p14:creationId xmlns:p14="http://schemas.microsoft.com/office/powerpoint/2010/main" val="199629400"/>
+        <p14:creationId xmlns:p14="http://schemas.microsoft.com/office/powerpoint/2010/main" val="3296721435"/>
       </p:ext>
     </p:extLst>
   </p:cSld>
